--- a/images/smartarts.pptx
+++ b/images/smartarts.pptx
@@ -4,9 +4,16 @@
   <p:sldMasterIdLst>
     <p:sldMasterId id="2147483648" r:id="rId1"/>
   </p:sldMasterIdLst>
+  <p:notesMasterIdLst>
+    <p:notesMasterId r:id="rId8"/>
+  </p:notesMasterIdLst>
   <p:sldIdLst>
-    <p:sldId id="256" r:id="rId2"/>
-    <p:sldId id="257" r:id="rId3"/>
+    <p:sldId id="257" r:id="rId2"/>
+    <p:sldId id="258" r:id="rId3"/>
+    <p:sldId id="259" r:id="rId4"/>
+    <p:sldId id="260" r:id="rId5"/>
+    <p:sldId id="261" r:id="rId6"/>
+    <p:sldId id="262" r:id="rId7"/>
   </p:sldIdLst>
   <p:sldSz cx="9144000" cy="6858000" type="screen4x3"/>
   <p:notesSz cx="6858000" cy="9144000"/>
@@ -1639,753 +1646,6 @@
     <dgm:fillClrLst meth="repeat">
       <a:schemeClr val="accent2">
         <a:tint val="40000"/>
-      </a:schemeClr>
-    </dgm:fillClrLst>
-    <dgm:linClrLst meth="repeat">
-      <a:schemeClr val="lt1"/>
-    </dgm:linClrLst>
-    <dgm:effectClrLst/>
-    <dgm:txLinClrLst/>
-    <dgm:txFillClrLst meth="repeat">
-      <a:schemeClr val="dk1"/>
-    </dgm:txFillClrLst>
-    <dgm:txEffectClrLst/>
-  </dgm:styleLbl>
-  <dgm:styleLbl name="revTx">
-    <dgm:fillClrLst meth="repeat">
-      <a:schemeClr val="lt1">
-        <a:alpha val="0"/>
-      </a:schemeClr>
-    </dgm:fillClrLst>
-    <dgm:linClrLst meth="repeat">
-      <a:schemeClr val="dk1">
-        <a:alpha val="0"/>
-      </a:schemeClr>
-    </dgm:linClrLst>
-    <dgm:effectClrLst/>
-    <dgm:txLinClrLst/>
-    <dgm:txFillClrLst meth="repeat">
-      <a:schemeClr val="tx1"/>
-    </dgm:txFillClrLst>
-    <dgm:txEffectClrLst/>
-  </dgm:styleLbl>
-</dgm:colorsDef>
-</file>
-
-<file path=ppt/diagrams/colors3.xml><?xml version="1.0" encoding="utf-8"?>
-<dgm:colorsDef xmlns:dgm="http://schemas.openxmlformats.org/drawingml/2006/diagram" xmlns:a="http://schemas.openxmlformats.org/drawingml/2006/main" uniqueId="urn:microsoft.com/office/officeart/2005/8/colors/accent1_2">
-  <dgm:title val=""/>
-  <dgm:desc val=""/>
-  <dgm:catLst>
-    <dgm:cat type="accent1" pri="11200"/>
-  </dgm:catLst>
-  <dgm:styleLbl name="node0">
-    <dgm:fillClrLst meth="repeat">
-      <a:schemeClr val="accent1"/>
-    </dgm:fillClrLst>
-    <dgm:linClrLst meth="repeat">
-      <a:schemeClr val="lt1"/>
-    </dgm:linClrLst>
-    <dgm:effectClrLst/>
-    <dgm:txLinClrLst/>
-    <dgm:txFillClrLst/>
-    <dgm:txEffectClrLst/>
-  </dgm:styleLbl>
-  <dgm:styleLbl name="alignNode1">
-    <dgm:fillClrLst meth="repeat">
-      <a:schemeClr val="accent1"/>
-    </dgm:fillClrLst>
-    <dgm:linClrLst meth="repeat">
-      <a:schemeClr val="accent1"/>
-    </dgm:linClrLst>
-    <dgm:effectClrLst/>
-    <dgm:txLinClrLst/>
-    <dgm:txFillClrLst/>
-    <dgm:txEffectClrLst/>
-  </dgm:styleLbl>
-  <dgm:styleLbl name="node1">
-    <dgm:fillClrLst meth="repeat">
-      <a:schemeClr val="accent1"/>
-    </dgm:fillClrLst>
-    <dgm:linClrLst meth="repeat">
-      <a:schemeClr val="lt1"/>
-    </dgm:linClrLst>
-    <dgm:effectClrLst/>
-    <dgm:txLinClrLst/>
-    <dgm:txFillClrLst/>
-    <dgm:txEffectClrLst/>
-  </dgm:styleLbl>
-  <dgm:styleLbl name="lnNode1">
-    <dgm:fillClrLst meth="repeat">
-      <a:schemeClr val="accent1"/>
-    </dgm:fillClrLst>
-    <dgm:linClrLst meth="repeat">
-      <a:schemeClr val="lt1"/>
-    </dgm:linClrLst>
-    <dgm:effectClrLst/>
-    <dgm:txLinClrLst/>
-    <dgm:txFillClrLst/>
-    <dgm:txEffectClrLst/>
-  </dgm:styleLbl>
-  <dgm:styleLbl name="vennNode1">
-    <dgm:fillClrLst meth="repeat">
-      <a:schemeClr val="accent1">
-        <a:alpha val="50000"/>
-      </a:schemeClr>
-    </dgm:fillClrLst>
-    <dgm:linClrLst meth="repeat">
-      <a:schemeClr val="lt1"/>
-    </dgm:linClrLst>
-    <dgm:effectClrLst/>
-    <dgm:txLinClrLst/>
-    <dgm:txFillClrLst/>
-    <dgm:txEffectClrLst/>
-  </dgm:styleLbl>
-  <dgm:styleLbl name="node2">
-    <dgm:fillClrLst meth="repeat">
-      <a:schemeClr val="accent1"/>
-    </dgm:fillClrLst>
-    <dgm:linClrLst meth="repeat">
-      <a:schemeClr val="lt1"/>
-    </dgm:linClrLst>
-    <dgm:effectClrLst/>
-    <dgm:txLinClrLst/>
-    <dgm:txFillClrLst/>
-    <dgm:txEffectClrLst/>
-  </dgm:styleLbl>
-  <dgm:styleLbl name="node3">
-    <dgm:fillClrLst meth="repeat">
-      <a:schemeClr val="accent1"/>
-    </dgm:fillClrLst>
-    <dgm:linClrLst meth="repeat">
-      <a:schemeClr val="lt1"/>
-    </dgm:linClrLst>
-    <dgm:effectClrLst/>
-    <dgm:txLinClrLst/>
-    <dgm:txFillClrLst/>
-    <dgm:txEffectClrLst/>
-  </dgm:styleLbl>
-  <dgm:styleLbl name="node4">
-    <dgm:fillClrLst meth="repeat">
-      <a:schemeClr val="accent1"/>
-    </dgm:fillClrLst>
-    <dgm:linClrLst meth="repeat">
-      <a:schemeClr val="lt1"/>
-    </dgm:linClrLst>
-    <dgm:effectClrLst/>
-    <dgm:txLinClrLst/>
-    <dgm:txFillClrLst/>
-    <dgm:txEffectClrLst/>
-  </dgm:styleLbl>
-  <dgm:styleLbl name="fgImgPlace1">
-    <dgm:fillClrLst meth="repeat">
-      <a:schemeClr val="accent1">
-        <a:tint val="50000"/>
-      </a:schemeClr>
-    </dgm:fillClrLst>
-    <dgm:linClrLst meth="repeat">
-      <a:schemeClr val="lt1"/>
-    </dgm:linClrLst>
-    <dgm:effectClrLst/>
-    <dgm:txLinClrLst/>
-    <dgm:txFillClrLst meth="repeat">
-      <a:schemeClr val="lt1"/>
-    </dgm:txFillClrLst>
-    <dgm:txEffectClrLst/>
-  </dgm:styleLbl>
-  <dgm:styleLbl name="alignImgPlace1">
-    <dgm:fillClrLst meth="repeat">
-      <a:schemeClr val="accent1">
-        <a:tint val="50000"/>
-      </a:schemeClr>
-    </dgm:fillClrLst>
-    <dgm:linClrLst meth="repeat">
-      <a:schemeClr val="lt1"/>
-    </dgm:linClrLst>
-    <dgm:effectClrLst/>
-    <dgm:txLinClrLst/>
-    <dgm:txFillClrLst meth="repeat">
-      <a:schemeClr val="lt1"/>
-    </dgm:txFillClrLst>
-    <dgm:txEffectClrLst/>
-  </dgm:styleLbl>
-  <dgm:styleLbl name="bgImgPlace1">
-    <dgm:fillClrLst meth="repeat">
-      <a:schemeClr val="accent1">
-        <a:tint val="50000"/>
-      </a:schemeClr>
-    </dgm:fillClrLst>
-    <dgm:linClrLst meth="repeat">
-      <a:schemeClr val="lt1"/>
-    </dgm:linClrLst>
-    <dgm:effectClrLst/>
-    <dgm:txLinClrLst/>
-    <dgm:txFillClrLst meth="repeat">
-      <a:schemeClr val="lt1"/>
-    </dgm:txFillClrLst>
-    <dgm:txEffectClrLst/>
-  </dgm:styleLbl>
-  <dgm:styleLbl name="sibTrans2D1">
-    <dgm:fillClrLst meth="repeat">
-      <a:schemeClr val="accent1">
-        <a:tint val="60000"/>
-      </a:schemeClr>
-    </dgm:fillClrLst>
-    <dgm:linClrLst meth="repeat">
-      <a:schemeClr val="accent1">
-        <a:tint val="60000"/>
-      </a:schemeClr>
-    </dgm:linClrLst>
-    <dgm:effectClrLst/>
-    <dgm:txLinClrLst/>
-    <dgm:txFillClrLst/>
-    <dgm:txEffectClrLst/>
-  </dgm:styleLbl>
-  <dgm:styleLbl name="fgSibTrans2D1">
-    <dgm:fillClrLst meth="repeat">
-      <a:schemeClr val="accent1">
-        <a:tint val="60000"/>
-      </a:schemeClr>
-    </dgm:fillClrLst>
-    <dgm:linClrLst meth="repeat">
-      <a:schemeClr val="accent1">
-        <a:tint val="60000"/>
-      </a:schemeClr>
-    </dgm:linClrLst>
-    <dgm:effectClrLst/>
-    <dgm:txLinClrLst/>
-    <dgm:txFillClrLst/>
-    <dgm:txEffectClrLst/>
-  </dgm:styleLbl>
-  <dgm:styleLbl name="bgSibTrans2D1">
-    <dgm:fillClrLst meth="repeat">
-      <a:schemeClr val="accent1">
-        <a:tint val="60000"/>
-      </a:schemeClr>
-    </dgm:fillClrLst>
-    <dgm:linClrLst meth="repeat">
-      <a:schemeClr val="accent1">
-        <a:tint val="60000"/>
-      </a:schemeClr>
-    </dgm:linClrLst>
-    <dgm:effectClrLst/>
-    <dgm:txLinClrLst/>
-    <dgm:txFillClrLst/>
-    <dgm:txEffectClrLst/>
-  </dgm:styleLbl>
-  <dgm:styleLbl name="sibTrans1D1">
-    <dgm:fillClrLst meth="repeat">
-      <a:schemeClr val="accent1"/>
-    </dgm:fillClrLst>
-    <dgm:linClrLst meth="repeat">
-      <a:schemeClr val="accent1"/>
-    </dgm:linClrLst>
-    <dgm:effectClrLst/>
-    <dgm:txLinClrLst/>
-    <dgm:txFillClrLst meth="repeat">
-      <a:schemeClr val="tx1"/>
-    </dgm:txFillClrLst>
-    <dgm:txEffectClrLst/>
-  </dgm:styleLbl>
-  <dgm:styleLbl name="callout">
-    <dgm:fillClrLst meth="repeat">
-      <a:schemeClr val="accent1"/>
-    </dgm:fillClrLst>
-    <dgm:linClrLst meth="repeat">
-      <a:schemeClr val="accent1">
-        <a:tint val="50000"/>
-      </a:schemeClr>
-    </dgm:linClrLst>
-    <dgm:effectClrLst/>
-    <dgm:txLinClrLst/>
-    <dgm:txFillClrLst meth="repeat">
-      <a:schemeClr val="tx1"/>
-    </dgm:txFillClrLst>
-    <dgm:txEffectClrLst/>
-  </dgm:styleLbl>
-  <dgm:styleLbl name="asst0">
-    <dgm:fillClrLst meth="repeat">
-      <a:schemeClr val="accent1"/>
-    </dgm:fillClrLst>
-    <dgm:linClrLst meth="repeat">
-      <a:schemeClr val="lt1"/>
-    </dgm:linClrLst>
-    <dgm:effectClrLst/>
-    <dgm:txLinClrLst/>
-    <dgm:txFillClrLst/>
-    <dgm:txEffectClrLst/>
-  </dgm:styleLbl>
-  <dgm:styleLbl name="asst1">
-    <dgm:fillClrLst meth="repeat">
-      <a:schemeClr val="accent1"/>
-    </dgm:fillClrLst>
-    <dgm:linClrLst meth="repeat">
-      <a:schemeClr val="lt1"/>
-    </dgm:linClrLst>
-    <dgm:effectClrLst/>
-    <dgm:txLinClrLst/>
-    <dgm:txFillClrLst/>
-    <dgm:txEffectClrLst/>
-  </dgm:styleLbl>
-  <dgm:styleLbl name="asst2">
-    <dgm:fillClrLst meth="repeat">
-      <a:schemeClr val="accent1"/>
-    </dgm:fillClrLst>
-    <dgm:linClrLst meth="repeat">
-      <a:schemeClr val="lt1"/>
-    </dgm:linClrLst>
-    <dgm:effectClrLst/>
-    <dgm:txLinClrLst/>
-    <dgm:txFillClrLst/>
-    <dgm:txEffectClrLst/>
-  </dgm:styleLbl>
-  <dgm:styleLbl name="asst3">
-    <dgm:fillClrLst meth="repeat">
-      <a:schemeClr val="accent1"/>
-    </dgm:fillClrLst>
-    <dgm:linClrLst meth="repeat">
-      <a:schemeClr val="lt1"/>
-    </dgm:linClrLst>
-    <dgm:effectClrLst/>
-    <dgm:txLinClrLst/>
-    <dgm:txFillClrLst/>
-    <dgm:txEffectClrLst/>
-  </dgm:styleLbl>
-  <dgm:styleLbl name="asst4">
-    <dgm:fillClrLst meth="repeat">
-      <a:schemeClr val="accent1"/>
-    </dgm:fillClrLst>
-    <dgm:linClrLst meth="repeat">
-      <a:schemeClr val="lt1"/>
-    </dgm:linClrLst>
-    <dgm:effectClrLst/>
-    <dgm:txLinClrLst/>
-    <dgm:txFillClrLst/>
-    <dgm:txEffectClrLst/>
-  </dgm:styleLbl>
-  <dgm:styleLbl name="parChTrans2D1">
-    <dgm:fillClrLst meth="repeat">
-      <a:schemeClr val="accent1">
-        <a:tint val="60000"/>
-      </a:schemeClr>
-    </dgm:fillClrLst>
-    <dgm:linClrLst meth="repeat">
-      <a:schemeClr val="accent1">
-        <a:tint val="60000"/>
-      </a:schemeClr>
-    </dgm:linClrLst>
-    <dgm:effectClrLst/>
-    <dgm:txLinClrLst/>
-    <dgm:txFillClrLst meth="repeat">
-      <a:schemeClr val="lt1"/>
-    </dgm:txFillClrLst>
-    <dgm:txEffectClrLst/>
-  </dgm:styleLbl>
-  <dgm:styleLbl name="parChTrans2D2">
-    <dgm:fillClrLst meth="repeat">
-      <a:schemeClr val="accent1"/>
-    </dgm:fillClrLst>
-    <dgm:linClrLst meth="repeat">
-      <a:schemeClr val="accent1"/>
-    </dgm:linClrLst>
-    <dgm:effectClrLst/>
-    <dgm:txLinClrLst/>
-    <dgm:txFillClrLst meth="repeat">
-      <a:schemeClr val="lt1"/>
-    </dgm:txFillClrLst>
-    <dgm:txEffectClrLst/>
-  </dgm:styleLbl>
-  <dgm:styleLbl name="parChTrans2D3">
-    <dgm:fillClrLst meth="repeat">
-      <a:schemeClr val="accent1"/>
-    </dgm:fillClrLst>
-    <dgm:linClrLst meth="repeat">
-      <a:schemeClr val="accent1"/>
-    </dgm:linClrLst>
-    <dgm:effectClrLst/>
-    <dgm:txLinClrLst/>
-    <dgm:txFillClrLst meth="repeat">
-      <a:schemeClr val="lt1"/>
-    </dgm:txFillClrLst>
-    <dgm:txEffectClrLst/>
-  </dgm:styleLbl>
-  <dgm:styleLbl name="parChTrans2D4">
-    <dgm:fillClrLst meth="repeat">
-      <a:schemeClr val="accent1"/>
-    </dgm:fillClrLst>
-    <dgm:linClrLst meth="repeat">
-      <a:schemeClr val="accent1"/>
-    </dgm:linClrLst>
-    <dgm:effectClrLst/>
-    <dgm:txLinClrLst/>
-    <dgm:txFillClrLst meth="repeat">
-      <a:schemeClr val="lt1"/>
-    </dgm:txFillClrLst>
-    <dgm:txEffectClrLst/>
-  </dgm:styleLbl>
-  <dgm:styleLbl name="parChTrans1D1">
-    <dgm:fillClrLst meth="repeat">
-      <a:schemeClr val="accent1"/>
-    </dgm:fillClrLst>
-    <dgm:linClrLst meth="repeat">
-      <a:schemeClr val="accent1">
-        <a:shade val="60000"/>
-      </a:schemeClr>
-    </dgm:linClrLst>
-    <dgm:effectClrLst/>
-    <dgm:txLinClrLst/>
-    <dgm:txFillClrLst meth="repeat">
-      <a:schemeClr val="tx1"/>
-    </dgm:txFillClrLst>
-    <dgm:txEffectClrLst/>
-  </dgm:styleLbl>
-  <dgm:styleLbl name="parChTrans1D2">
-    <dgm:fillClrLst meth="repeat">
-      <a:schemeClr val="accent1"/>
-    </dgm:fillClrLst>
-    <dgm:linClrLst meth="repeat">
-      <a:schemeClr val="accent1">
-        <a:shade val="60000"/>
-      </a:schemeClr>
-    </dgm:linClrLst>
-    <dgm:effectClrLst/>
-    <dgm:txLinClrLst/>
-    <dgm:txFillClrLst meth="repeat">
-      <a:schemeClr val="tx1"/>
-    </dgm:txFillClrLst>
-    <dgm:txEffectClrLst/>
-  </dgm:styleLbl>
-  <dgm:styleLbl name="parChTrans1D3">
-    <dgm:fillClrLst meth="repeat">
-      <a:schemeClr val="accent1"/>
-    </dgm:fillClrLst>
-    <dgm:linClrLst meth="repeat">
-      <a:schemeClr val="accent1">
-        <a:shade val="80000"/>
-      </a:schemeClr>
-    </dgm:linClrLst>
-    <dgm:effectClrLst/>
-    <dgm:txLinClrLst/>
-    <dgm:txFillClrLst meth="repeat">
-      <a:schemeClr val="tx1"/>
-    </dgm:txFillClrLst>
-    <dgm:txEffectClrLst/>
-  </dgm:styleLbl>
-  <dgm:styleLbl name="parChTrans1D4">
-    <dgm:fillClrLst meth="repeat">
-      <a:schemeClr val="accent1"/>
-    </dgm:fillClrLst>
-    <dgm:linClrLst meth="repeat">
-      <a:schemeClr val="accent1">
-        <a:shade val="80000"/>
-      </a:schemeClr>
-    </dgm:linClrLst>
-    <dgm:effectClrLst/>
-    <dgm:txLinClrLst/>
-    <dgm:txFillClrLst meth="repeat">
-      <a:schemeClr val="tx1"/>
-    </dgm:txFillClrLst>
-    <dgm:txEffectClrLst/>
-  </dgm:styleLbl>
-  <dgm:styleLbl name="fgAcc1">
-    <dgm:fillClrLst meth="repeat">
-      <a:schemeClr val="lt1">
-        <a:alpha val="90000"/>
-      </a:schemeClr>
-    </dgm:fillClrLst>
-    <dgm:linClrLst meth="repeat">
-      <a:schemeClr val="accent1"/>
-    </dgm:linClrLst>
-    <dgm:effectClrLst/>
-    <dgm:txLinClrLst/>
-    <dgm:txFillClrLst meth="repeat">
-      <a:schemeClr val="dk1"/>
-    </dgm:txFillClrLst>
-    <dgm:txEffectClrLst/>
-  </dgm:styleLbl>
-  <dgm:styleLbl name="conFgAcc1">
-    <dgm:fillClrLst meth="repeat">
-      <a:schemeClr val="lt1">
-        <a:alpha val="90000"/>
-      </a:schemeClr>
-    </dgm:fillClrLst>
-    <dgm:linClrLst meth="repeat">
-      <a:schemeClr val="accent1"/>
-    </dgm:linClrLst>
-    <dgm:effectClrLst/>
-    <dgm:txLinClrLst/>
-    <dgm:txFillClrLst meth="repeat">
-      <a:schemeClr val="dk1"/>
-    </dgm:txFillClrLst>
-    <dgm:txEffectClrLst/>
-  </dgm:styleLbl>
-  <dgm:styleLbl name="alignAcc1">
-    <dgm:fillClrLst meth="repeat">
-      <a:schemeClr val="lt1">
-        <a:alpha val="90000"/>
-      </a:schemeClr>
-    </dgm:fillClrLst>
-    <dgm:linClrLst meth="repeat">
-      <a:schemeClr val="accent1"/>
-    </dgm:linClrLst>
-    <dgm:effectClrLst/>
-    <dgm:txLinClrLst/>
-    <dgm:txFillClrLst meth="repeat">
-      <a:schemeClr val="dk1"/>
-    </dgm:txFillClrLst>
-    <dgm:txEffectClrLst/>
-  </dgm:styleLbl>
-  <dgm:styleLbl name="trAlignAcc1">
-    <dgm:fillClrLst meth="repeat">
-      <a:schemeClr val="lt1">
-        <a:alpha val="40000"/>
-      </a:schemeClr>
-    </dgm:fillClrLst>
-    <dgm:linClrLst meth="repeat">
-      <a:schemeClr val="accent1"/>
-    </dgm:linClrLst>
-    <dgm:effectClrLst/>
-    <dgm:txLinClrLst/>
-    <dgm:txFillClrLst meth="repeat">
-      <a:schemeClr val="dk1"/>
-    </dgm:txFillClrLst>
-    <dgm:txEffectClrLst/>
-  </dgm:styleLbl>
-  <dgm:styleLbl name="bgAcc1">
-    <dgm:fillClrLst meth="repeat">
-      <a:schemeClr val="lt1">
-        <a:alpha val="90000"/>
-      </a:schemeClr>
-    </dgm:fillClrLst>
-    <dgm:linClrLst meth="repeat">
-      <a:schemeClr val="accent1"/>
-    </dgm:linClrLst>
-    <dgm:effectClrLst/>
-    <dgm:txLinClrLst/>
-    <dgm:txFillClrLst meth="repeat">
-      <a:schemeClr val="dk1"/>
-    </dgm:txFillClrLst>
-    <dgm:txEffectClrLst/>
-  </dgm:styleLbl>
-  <dgm:styleLbl name="solidFgAcc1">
-    <dgm:fillClrLst meth="repeat">
-      <a:schemeClr val="lt1"/>
-    </dgm:fillClrLst>
-    <dgm:linClrLst meth="repeat">
-      <a:schemeClr val="accent1"/>
-    </dgm:linClrLst>
-    <dgm:effectClrLst/>
-    <dgm:txLinClrLst/>
-    <dgm:txFillClrLst meth="repeat">
-      <a:schemeClr val="dk1"/>
-    </dgm:txFillClrLst>
-    <dgm:txEffectClrLst/>
-  </dgm:styleLbl>
-  <dgm:styleLbl name="solidAlignAcc1">
-    <dgm:fillClrLst meth="repeat">
-      <a:schemeClr val="lt1"/>
-    </dgm:fillClrLst>
-    <dgm:linClrLst meth="repeat">
-      <a:schemeClr val="accent1"/>
-    </dgm:linClrLst>
-    <dgm:effectClrLst/>
-    <dgm:txLinClrLst/>
-    <dgm:txFillClrLst meth="repeat">
-      <a:schemeClr val="dk1"/>
-    </dgm:txFillClrLst>
-    <dgm:txEffectClrLst/>
-  </dgm:styleLbl>
-  <dgm:styleLbl name="solidBgAcc1">
-    <dgm:fillClrLst meth="repeat">
-      <a:schemeClr val="lt1"/>
-    </dgm:fillClrLst>
-    <dgm:linClrLst meth="repeat">
-      <a:schemeClr val="accent1"/>
-    </dgm:linClrLst>
-    <dgm:effectClrLst/>
-    <dgm:txLinClrLst/>
-    <dgm:txFillClrLst meth="repeat">
-      <a:schemeClr val="dk1"/>
-    </dgm:txFillClrLst>
-    <dgm:txEffectClrLst/>
-  </dgm:styleLbl>
-  <dgm:styleLbl name="fgAccFollowNode1">
-    <dgm:fillClrLst meth="repeat">
-      <a:schemeClr val="accent1">
-        <a:alpha val="90000"/>
-        <a:tint val="40000"/>
-      </a:schemeClr>
-    </dgm:fillClrLst>
-    <dgm:linClrLst meth="repeat">
-      <a:schemeClr val="accent1">
-        <a:alpha val="90000"/>
-        <a:tint val="40000"/>
-      </a:schemeClr>
-    </dgm:linClrLst>
-    <dgm:effectClrLst/>
-    <dgm:txLinClrLst/>
-    <dgm:txFillClrLst meth="repeat">
-      <a:schemeClr val="dk1"/>
-    </dgm:txFillClrLst>
-    <dgm:txEffectClrLst/>
-  </dgm:styleLbl>
-  <dgm:styleLbl name="alignAccFollowNode1">
-    <dgm:fillClrLst meth="repeat">
-      <a:schemeClr val="accent1">
-        <a:alpha val="90000"/>
-        <a:tint val="40000"/>
-      </a:schemeClr>
-    </dgm:fillClrLst>
-    <dgm:linClrLst meth="repeat">
-      <a:schemeClr val="accent1">
-        <a:alpha val="90000"/>
-        <a:tint val="40000"/>
-      </a:schemeClr>
-    </dgm:linClrLst>
-    <dgm:effectClrLst/>
-    <dgm:txLinClrLst/>
-    <dgm:txFillClrLst meth="repeat">
-      <a:schemeClr val="dk1"/>
-    </dgm:txFillClrLst>
-    <dgm:txEffectClrLst/>
-  </dgm:styleLbl>
-  <dgm:styleLbl name="bgAccFollowNode1">
-    <dgm:fillClrLst meth="repeat">
-      <a:schemeClr val="accent1">
-        <a:alpha val="90000"/>
-        <a:tint val="40000"/>
-      </a:schemeClr>
-    </dgm:fillClrLst>
-    <dgm:linClrLst meth="repeat">
-      <a:schemeClr val="accent1">
-        <a:alpha val="90000"/>
-        <a:tint val="40000"/>
-      </a:schemeClr>
-    </dgm:linClrLst>
-    <dgm:effectClrLst/>
-    <dgm:txLinClrLst/>
-    <dgm:txFillClrLst meth="repeat">
-      <a:schemeClr val="dk1"/>
-    </dgm:txFillClrLst>
-    <dgm:txEffectClrLst/>
-  </dgm:styleLbl>
-  <dgm:styleLbl name="fgAcc0">
-    <dgm:fillClrLst meth="repeat">
-      <a:schemeClr val="lt1">
-        <a:alpha val="90000"/>
-      </a:schemeClr>
-    </dgm:fillClrLst>
-    <dgm:linClrLst meth="repeat">
-      <a:schemeClr val="accent1"/>
-    </dgm:linClrLst>
-    <dgm:effectClrLst/>
-    <dgm:txLinClrLst/>
-    <dgm:txFillClrLst meth="repeat">
-      <a:schemeClr val="dk1"/>
-    </dgm:txFillClrLst>
-    <dgm:txEffectClrLst/>
-  </dgm:styleLbl>
-  <dgm:styleLbl name="fgAcc2">
-    <dgm:fillClrLst meth="repeat">
-      <a:schemeClr val="lt1">
-        <a:alpha val="90000"/>
-      </a:schemeClr>
-    </dgm:fillClrLst>
-    <dgm:linClrLst meth="repeat">
-      <a:schemeClr val="accent1"/>
-    </dgm:linClrLst>
-    <dgm:effectClrLst/>
-    <dgm:txLinClrLst/>
-    <dgm:txFillClrLst meth="repeat">
-      <a:schemeClr val="dk1"/>
-    </dgm:txFillClrLst>
-    <dgm:txEffectClrLst/>
-  </dgm:styleLbl>
-  <dgm:styleLbl name="fgAcc3">
-    <dgm:fillClrLst meth="repeat">
-      <a:schemeClr val="lt1">
-        <a:alpha val="90000"/>
-      </a:schemeClr>
-    </dgm:fillClrLst>
-    <dgm:linClrLst meth="repeat">
-      <a:schemeClr val="accent1"/>
-    </dgm:linClrLst>
-    <dgm:effectClrLst/>
-    <dgm:txLinClrLst/>
-    <dgm:txFillClrLst meth="repeat">
-      <a:schemeClr val="dk1"/>
-    </dgm:txFillClrLst>
-    <dgm:txEffectClrLst/>
-  </dgm:styleLbl>
-  <dgm:styleLbl name="fgAcc4">
-    <dgm:fillClrLst meth="repeat">
-      <a:schemeClr val="lt1">
-        <a:alpha val="90000"/>
-      </a:schemeClr>
-    </dgm:fillClrLst>
-    <dgm:linClrLst meth="repeat">
-      <a:schemeClr val="accent1"/>
-    </dgm:linClrLst>
-    <dgm:effectClrLst/>
-    <dgm:txLinClrLst/>
-    <dgm:txFillClrLst meth="repeat">
-      <a:schemeClr val="dk1"/>
-    </dgm:txFillClrLst>
-    <dgm:txEffectClrLst/>
-  </dgm:styleLbl>
-  <dgm:styleLbl name="bgShp">
-    <dgm:fillClrLst meth="repeat">
-      <a:schemeClr val="accent1">
-        <a:tint val="40000"/>
-      </a:schemeClr>
-    </dgm:fillClrLst>
-    <dgm:linClrLst meth="repeat">
-      <a:schemeClr val="accent1"/>
-    </dgm:linClrLst>
-    <dgm:effectClrLst/>
-    <dgm:txLinClrLst/>
-    <dgm:txFillClrLst meth="repeat">
-      <a:schemeClr val="dk1"/>
-    </dgm:txFillClrLst>
-    <dgm:txEffectClrLst/>
-  </dgm:styleLbl>
-  <dgm:styleLbl name="dkBgShp">
-    <dgm:fillClrLst meth="repeat">
-      <a:schemeClr val="accent1">
-        <a:shade val="80000"/>
-      </a:schemeClr>
-    </dgm:fillClrLst>
-    <dgm:linClrLst meth="repeat">
-      <a:schemeClr val="accent1"/>
-    </dgm:linClrLst>
-    <dgm:effectClrLst/>
-    <dgm:txLinClrLst/>
-    <dgm:txFillClrLst meth="repeat">
-      <a:schemeClr val="lt1"/>
-    </dgm:txFillClrLst>
-    <dgm:txEffectClrLst/>
-  </dgm:styleLbl>
-  <dgm:styleLbl name="trBgShp">
-    <dgm:fillClrLst meth="repeat">
-      <a:schemeClr val="accent1">
-        <a:tint val="50000"/>
-        <a:alpha val="40000"/>
-      </a:schemeClr>
-    </dgm:fillClrLst>
-    <dgm:linClrLst meth="repeat">
-      <a:schemeClr val="accent1"/>
-    </dgm:linClrLst>
-    <dgm:effectClrLst/>
-    <dgm:txLinClrLst/>
-    <dgm:txFillClrLst meth="repeat">
-      <a:schemeClr val="lt1"/>
-    </dgm:txFillClrLst>
-    <dgm:txEffectClrLst/>
-  </dgm:styleLbl>
-  <dgm:styleLbl name="fgShp">
-    <dgm:fillClrLst meth="repeat">
-      <a:schemeClr val="accent1">
-        <a:tint val="60000"/>
       </a:schemeClr>
     </dgm:fillClrLst>
     <dgm:linClrLst meth="repeat">
@@ -2572,6 +1832,13 @@
         </dgm:presLayoutVars>
       </dgm:prSet>
       <dgm:spPr/>
+      <dgm:t>
+        <a:bodyPr/>
+        <a:lstStyle/>
+        <a:p>
+          <a:endParaRPr lang="en-US"/>
+        </a:p>
+      </dgm:t>
     </dgm:pt>
     <dgm:pt modelId="{B608C7B6-FF12-4F39-B0E1-353B7FB79DC9}" type="pres">
       <dgm:prSet presAssocID="{07922014-95ED-4012-BA8A-F6646A43B0E4}" presName="Accent" presStyleLbl="parChTrans1D1" presStyleIdx="0" presStyleCnt="3"/>
@@ -2604,6 +1871,13 @@
         </dgm:presLayoutVars>
       </dgm:prSet>
       <dgm:spPr/>
+      <dgm:t>
+        <a:bodyPr/>
+        <a:lstStyle/>
+        <a:p>
+          <a:endParaRPr lang="en-US"/>
+        </a:p>
+      </dgm:t>
     </dgm:pt>
     <dgm:pt modelId="{AE6BA4C9-55A7-4240-BE57-3F88CE99C030}" type="pres">
       <dgm:prSet presAssocID="{5FBF0ABA-63A2-4247-92A7-FA90D8A4A208}" presName="Accent" presStyleLbl="parChTrans1D1" presStyleIdx="1" presStyleCnt="3"/>
@@ -2650,27 +1924,27 @@
     </dgm:pt>
   </dgm:ptLst>
   <dgm:cxnLst>
-    <dgm:cxn modelId="{CE683E58-D8F1-4923-8908-3CBA7BD1EB7A}" type="presOf" srcId="{A121C8F5-D21F-418B-9099-0F8D4DB3435E}" destId="{03008089-3099-4489-AF8C-5B91B96C7F72}" srcOrd="0" destOrd="0" presId="urn:microsoft.com/office/officeart/2011/layout/TabList"/>
+    <dgm:cxn modelId="{9E817127-0D2A-4814-AF2E-2F9E55DF142B}" type="presOf" srcId="{A121C8F5-D21F-418B-9099-0F8D4DB3435E}" destId="{03008089-3099-4489-AF8C-5B91B96C7F72}" srcOrd="0" destOrd="0" presId="urn:microsoft.com/office/officeart/2011/layout/TabList"/>
+    <dgm:cxn modelId="{C5719976-12C4-4003-862D-6FB7B9E74C8B}" srcId="{9AAE6218-C95A-42FA-98F0-80C9E1F033F3}" destId="{5FBF0ABA-63A2-4247-92A7-FA90D8A4A208}" srcOrd="1" destOrd="0" parTransId="{D7F805CC-F819-4129-A42E-D0EB8AF9627D}" sibTransId="{D147C610-7960-474E-96F1-7E928AA06A26}"/>
+    <dgm:cxn modelId="{06C90F9D-CA11-4717-B4DB-48D848D40EAC}" type="presOf" srcId="{9AAE6218-C95A-42FA-98F0-80C9E1F033F3}" destId="{CC8B15A3-1530-43A6-9485-E1A847A272E9}" srcOrd="0" destOrd="0" presId="urn:microsoft.com/office/officeart/2011/layout/TabList"/>
     <dgm:cxn modelId="{578334B1-DDC5-4DD7-815F-7A3C637C8FE7}" srcId="{9AAE6218-C95A-42FA-98F0-80C9E1F033F3}" destId="{A121C8F5-D21F-418B-9099-0F8D4DB3435E}" srcOrd="2" destOrd="0" parTransId="{63E7BE11-01D9-41C0-9E06-6C13A533D823}" sibTransId="{FC75CF07-8D16-4C91-819A-1050822316E0}"/>
     <dgm:cxn modelId="{C9DFAEC0-8722-47EB-B202-619B23D1A25F}" srcId="{9AAE6218-C95A-42FA-98F0-80C9E1F033F3}" destId="{07922014-95ED-4012-BA8A-F6646A43B0E4}" srcOrd="0" destOrd="0" parTransId="{67CDCBC8-1C2E-4557-8254-5E9B8C9DF023}" sibTransId="{21C5FBE1-A696-4E98-83A7-379732D94CE3}"/>
-    <dgm:cxn modelId="{4F6E1021-B2DE-422F-806A-5AF454A06905}" type="presOf" srcId="{5FBF0ABA-63A2-4247-92A7-FA90D8A4A208}" destId="{6550EE85-7ED8-4A97-8274-1C7577BA1AD8}" srcOrd="0" destOrd="0" presId="urn:microsoft.com/office/officeart/2011/layout/TabList"/>
-    <dgm:cxn modelId="{05914767-81E8-49F5-BAD2-01E7B4AD65D7}" type="presOf" srcId="{9AAE6218-C95A-42FA-98F0-80C9E1F033F3}" destId="{CC8B15A3-1530-43A6-9485-E1A847A272E9}" srcOrd="0" destOrd="0" presId="urn:microsoft.com/office/officeart/2011/layout/TabList"/>
-    <dgm:cxn modelId="{C6D3BFB6-39CA-4FC4-B2C2-66389DE5C383}" type="presOf" srcId="{07922014-95ED-4012-BA8A-F6646A43B0E4}" destId="{F934733C-EEE1-4C0F-8107-E0345B966737}" srcOrd="0" destOrd="0" presId="urn:microsoft.com/office/officeart/2011/layout/TabList"/>
-    <dgm:cxn modelId="{C5719976-12C4-4003-862D-6FB7B9E74C8B}" srcId="{9AAE6218-C95A-42FA-98F0-80C9E1F033F3}" destId="{5FBF0ABA-63A2-4247-92A7-FA90D8A4A208}" srcOrd="1" destOrd="0" parTransId="{D7F805CC-F819-4129-A42E-D0EB8AF9627D}" sibTransId="{D147C610-7960-474E-96F1-7E928AA06A26}"/>
-    <dgm:cxn modelId="{3A71DEA4-9D2E-4A31-B455-06F3CF5A7E69}" type="presParOf" srcId="{CC8B15A3-1530-43A6-9485-E1A847A272E9}" destId="{0360560D-2F05-471E-817B-409BF11E0843}" srcOrd="0" destOrd="0" presId="urn:microsoft.com/office/officeart/2011/layout/TabList"/>
-    <dgm:cxn modelId="{10761F3D-2A76-4829-8F79-37141CD3CD38}" type="presParOf" srcId="{0360560D-2F05-471E-817B-409BF11E0843}" destId="{D1304523-C05C-4690-BC6E-8D62FF8F9CBA}" srcOrd="0" destOrd="0" presId="urn:microsoft.com/office/officeart/2011/layout/TabList"/>
-    <dgm:cxn modelId="{B2959977-56CC-4FD4-B9ED-4863A3858FD6}" type="presParOf" srcId="{0360560D-2F05-471E-817B-409BF11E0843}" destId="{F934733C-EEE1-4C0F-8107-E0345B966737}" srcOrd="1" destOrd="0" presId="urn:microsoft.com/office/officeart/2011/layout/TabList"/>
-    <dgm:cxn modelId="{665255A2-A391-4C9A-A07F-34B40A4EDC50}" type="presParOf" srcId="{0360560D-2F05-471E-817B-409BF11E0843}" destId="{B608C7B6-FF12-4F39-B0E1-353B7FB79DC9}" srcOrd="2" destOrd="0" presId="urn:microsoft.com/office/officeart/2011/layout/TabList"/>
-    <dgm:cxn modelId="{ACC311CF-8D8B-4FF1-8A5C-11D849F9CB71}" type="presParOf" srcId="{CC8B15A3-1530-43A6-9485-E1A847A272E9}" destId="{6B00E828-151D-4772-A25E-56071B1F7D84}" srcOrd="1" destOrd="0" presId="urn:microsoft.com/office/officeart/2011/layout/TabList"/>
-    <dgm:cxn modelId="{699120D7-D687-4731-8886-A8165F61755B}" type="presParOf" srcId="{CC8B15A3-1530-43A6-9485-E1A847A272E9}" destId="{B25158A5-AEED-49CB-883B-80A66E3131F3}" srcOrd="2" destOrd="0" presId="urn:microsoft.com/office/officeart/2011/layout/TabList"/>
-    <dgm:cxn modelId="{5132B443-DFD5-4DC9-879E-11ACA92B12BC}" type="presParOf" srcId="{B25158A5-AEED-49CB-883B-80A66E3131F3}" destId="{AA6B4E5E-2803-40FD-ADA6-06CC24289F03}" srcOrd="0" destOrd="0" presId="urn:microsoft.com/office/officeart/2011/layout/TabList"/>
-    <dgm:cxn modelId="{04BEB499-07C6-49F8-B77B-F21D620691B9}" type="presParOf" srcId="{B25158A5-AEED-49CB-883B-80A66E3131F3}" destId="{6550EE85-7ED8-4A97-8274-1C7577BA1AD8}" srcOrd="1" destOrd="0" presId="urn:microsoft.com/office/officeart/2011/layout/TabList"/>
-    <dgm:cxn modelId="{9A11FC83-A9DB-4FAA-819D-4F51AB64E3A0}" type="presParOf" srcId="{B25158A5-AEED-49CB-883B-80A66E3131F3}" destId="{AE6BA4C9-55A7-4240-BE57-3F88CE99C030}" srcOrd="2" destOrd="0" presId="urn:microsoft.com/office/officeart/2011/layout/TabList"/>
-    <dgm:cxn modelId="{172B9B48-6E91-496F-AA04-73630406BAE3}" type="presParOf" srcId="{CC8B15A3-1530-43A6-9485-E1A847A272E9}" destId="{8321919C-CBE5-4F2B-ACE5-694AFDACFB99}" srcOrd="3" destOrd="0" presId="urn:microsoft.com/office/officeart/2011/layout/TabList"/>
-    <dgm:cxn modelId="{75E06B81-19C2-46CA-9FDF-B623B4E063A8}" type="presParOf" srcId="{CC8B15A3-1530-43A6-9485-E1A847A272E9}" destId="{103D34B1-70B2-40E1-8EBC-B6501944ADFC}" srcOrd="4" destOrd="0" presId="urn:microsoft.com/office/officeart/2011/layout/TabList"/>
-    <dgm:cxn modelId="{5EC9B0D9-D872-4E51-96F0-379006145344}" type="presParOf" srcId="{103D34B1-70B2-40E1-8EBC-B6501944ADFC}" destId="{8B086550-DE94-4C2D-BC96-3E33EC64D5D2}" srcOrd="0" destOrd="0" presId="urn:microsoft.com/office/officeart/2011/layout/TabList"/>
-    <dgm:cxn modelId="{7A45E97D-B1EA-4F4E-B30C-844F2E497B9D}" type="presParOf" srcId="{103D34B1-70B2-40E1-8EBC-B6501944ADFC}" destId="{03008089-3099-4489-AF8C-5B91B96C7F72}" srcOrd="1" destOrd="0" presId="urn:microsoft.com/office/officeart/2011/layout/TabList"/>
-    <dgm:cxn modelId="{E1B237AB-7B33-47DE-ADDF-85BE9469834D}" type="presParOf" srcId="{103D34B1-70B2-40E1-8EBC-B6501944ADFC}" destId="{ABCFAE7E-7FBF-4BFD-AC89-4E1391B515C2}" srcOrd="2" destOrd="0" presId="urn:microsoft.com/office/officeart/2011/layout/TabList"/>
+    <dgm:cxn modelId="{0122FF1A-2F24-4CE3-83C3-E54A40832642}" type="presOf" srcId="{07922014-95ED-4012-BA8A-F6646A43B0E4}" destId="{F934733C-EEE1-4C0F-8107-E0345B966737}" srcOrd="0" destOrd="0" presId="urn:microsoft.com/office/officeart/2011/layout/TabList"/>
+    <dgm:cxn modelId="{09ABE5B9-59E9-48C5-B649-EDD0C1BD518F}" type="presOf" srcId="{5FBF0ABA-63A2-4247-92A7-FA90D8A4A208}" destId="{6550EE85-7ED8-4A97-8274-1C7577BA1AD8}" srcOrd="0" destOrd="0" presId="urn:microsoft.com/office/officeart/2011/layout/TabList"/>
+    <dgm:cxn modelId="{70A8ABDD-9A04-48F5-9B81-AEC66CE7C421}" type="presParOf" srcId="{CC8B15A3-1530-43A6-9485-E1A847A272E9}" destId="{0360560D-2F05-471E-817B-409BF11E0843}" srcOrd="0" destOrd="0" presId="urn:microsoft.com/office/officeart/2011/layout/TabList"/>
+    <dgm:cxn modelId="{FA0D1AA0-6E54-4007-9258-2E32815F79A9}" type="presParOf" srcId="{0360560D-2F05-471E-817B-409BF11E0843}" destId="{D1304523-C05C-4690-BC6E-8D62FF8F9CBA}" srcOrd="0" destOrd="0" presId="urn:microsoft.com/office/officeart/2011/layout/TabList"/>
+    <dgm:cxn modelId="{F64561A0-87A7-4CE9-9766-E080D3769C65}" type="presParOf" srcId="{0360560D-2F05-471E-817B-409BF11E0843}" destId="{F934733C-EEE1-4C0F-8107-E0345B966737}" srcOrd="1" destOrd="0" presId="urn:microsoft.com/office/officeart/2011/layout/TabList"/>
+    <dgm:cxn modelId="{3BA78279-470B-4115-BF05-961E991F2546}" type="presParOf" srcId="{0360560D-2F05-471E-817B-409BF11E0843}" destId="{B608C7B6-FF12-4F39-B0E1-353B7FB79DC9}" srcOrd="2" destOrd="0" presId="urn:microsoft.com/office/officeart/2011/layout/TabList"/>
+    <dgm:cxn modelId="{74CA871D-A6C4-42B4-A5D4-A7516EB39E6F}" type="presParOf" srcId="{CC8B15A3-1530-43A6-9485-E1A847A272E9}" destId="{6B00E828-151D-4772-A25E-56071B1F7D84}" srcOrd="1" destOrd="0" presId="urn:microsoft.com/office/officeart/2011/layout/TabList"/>
+    <dgm:cxn modelId="{A721809D-3897-4915-946A-68E9F767D2B7}" type="presParOf" srcId="{CC8B15A3-1530-43A6-9485-E1A847A272E9}" destId="{B25158A5-AEED-49CB-883B-80A66E3131F3}" srcOrd="2" destOrd="0" presId="urn:microsoft.com/office/officeart/2011/layout/TabList"/>
+    <dgm:cxn modelId="{A60D884D-B2CD-476C-811F-9B8A56C0FE4A}" type="presParOf" srcId="{B25158A5-AEED-49CB-883B-80A66E3131F3}" destId="{AA6B4E5E-2803-40FD-ADA6-06CC24289F03}" srcOrd="0" destOrd="0" presId="urn:microsoft.com/office/officeart/2011/layout/TabList"/>
+    <dgm:cxn modelId="{8D7E5B8D-88B0-43A2-BB6F-68F57D12D1AA}" type="presParOf" srcId="{B25158A5-AEED-49CB-883B-80A66E3131F3}" destId="{6550EE85-7ED8-4A97-8274-1C7577BA1AD8}" srcOrd="1" destOrd="0" presId="urn:microsoft.com/office/officeart/2011/layout/TabList"/>
+    <dgm:cxn modelId="{AB6D7913-CD5A-421D-8CBB-E5570C3DFC46}" type="presParOf" srcId="{B25158A5-AEED-49CB-883B-80A66E3131F3}" destId="{AE6BA4C9-55A7-4240-BE57-3F88CE99C030}" srcOrd="2" destOrd="0" presId="urn:microsoft.com/office/officeart/2011/layout/TabList"/>
+    <dgm:cxn modelId="{7A7F1FB3-9E2E-4AB6-88B6-0CFCBD16216F}" type="presParOf" srcId="{CC8B15A3-1530-43A6-9485-E1A847A272E9}" destId="{8321919C-CBE5-4F2B-ACE5-694AFDACFB99}" srcOrd="3" destOrd="0" presId="urn:microsoft.com/office/officeart/2011/layout/TabList"/>
+    <dgm:cxn modelId="{C1A1779B-2E21-4235-96CD-3D4AF4919BA1}" type="presParOf" srcId="{CC8B15A3-1530-43A6-9485-E1A847A272E9}" destId="{103D34B1-70B2-40E1-8EBC-B6501944ADFC}" srcOrd="4" destOrd="0" presId="urn:microsoft.com/office/officeart/2011/layout/TabList"/>
+    <dgm:cxn modelId="{F8F15D02-51B0-44D4-8452-E25B1D05DB1A}" type="presParOf" srcId="{103D34B1-70B2-40E1-8EBC-B6501944ADFC}" destId="{8B086550-DE94-4C2D-BC96-3E33EC64D5D2}" srcOrd="0" destOrd="0" presId="urn:microsoft.com/office/officeart/2011/layout/TabList"/>
+    <dgm:cxn modelId="{CAEE1A8C-7E21-4D28-8235-44F49690595F}" type="presParOf" srcId="{103D34B1-70B2-40E1-8EBC-B6501944ADFC}" destId="{03008089-3099-4489-AF8C-5B91B96C7F72}" srcOrd="1" destOrd="0" presId="urn:microsoft.com/office/officeart/2011/layout/TabList"/>
+    <dgm:cxn modelId="{1036D34D-F0B7-477A-9BE0-CE8FF461962B}" type="presParOf" srcId="{103D34B1-70B2-40E1-8EBC-B6501944ADFC}" destId="{ABCFAE7E-7FBF-4BFD-AC89-4E1391B515C2}" srcOrd="2" destOrd="0" presId="urn:microsoft.com/office/officeart/2011/layout/TabList"/>
   </dgm:cxnLst>
   <dgm:bg/>
   <dgm:whole/>
@@ -2894,54 +2168,6 @@
         </dgm:presLayoutVars>
       </dgm:prSet>
       <dgm:spPr/>
-    </dgm:pt>
-    <dgm:pt modelId="{F2AAA235-9525-4253-A4B0-63B7D4E24CAC}" type="pres">
-      <dgm:prSet presAssocID="{C3D372EC-C874-43D5-8148-2E3BEFDCCE44}" presName="levelTx" presStyleLbl="revTx" presStyleIdx="0" presStyleCnt="0">
-        <dgm:presLayoutVars>
-          <dgm:chMax val="1"/>
-          <dgm:bulletEnabled val="1"/>
-        </dgm:presLayoutVars>
-      </dgm:prSet>
-      <dgm:spPr/>
-    </dgm:pt>
-  </dgm:ptLst>
-  <dgm:cxnLst>
-    <dgm:cxn modelId="{897C41D6-D5A7-4B6A-891F-C9C4C9F5A56C}" type="presOf" srcId="{2E826B71-FB83-450E-ADBC-6DBD3DB4A029}" destId="{05268D72-3B10-43C3-A960-191C4B676917}" srcOrd="1" destOrd="0" presId="urn:microsoft.com/office/officeart/2005/8/layout/pyramid1"/>
-    <dgm:cxn modelId="{90EB63D4-4EB7-4E52-B75A-55FFB17B9632}" type="presOf" srcId="{B9074C37-0FDA-476C-9EF2-C0684BA51069}" destId="{5C3CB53C-6700-4094-94F5-63292A0C0A18}" srcOrd="0" destOrd="0" presId="urn:microsoft.com/office/officeart/2005/8/layout/pyramid1"/>
-    <dgm:cxn modelId="{634387BA-86BB-4917-A32F-29DDDE307C11}" srcId="{B9074C37-0FDA-476C-9EF2-C0684BA51069}" destId="{C3D372EC-C874-43D5-8148-2E3BEFDCCE44}" srcOrd="2" destOrd="0" parTransId="{2FED4602-7096-474A-A4F6-0AB7D967EEC9}" sibTransId="{0AE2B195-FA92-44A9-BEDD-4B11F28BEBD3}"/>
-    <dgm:cxn modelId="{6A69AA21-272C-4119-85A6-7C412165C5A1}" srcId="{B9074C37-0FDA-476C-9EF2-C0684BA51069}" destId="{2E826B71-FB83-450E-ADBC-6DBD3DB4A029}" srcOrd="0" destOrd="0" parTransId="{B565B8D3-6F0F-46BF-B733-0766AE4542A5}" sibTransId="{1C8FD19C-F163-403A-A209-F309AD5083BB}"/>
-    <dgm:cxn modelId="{2A236EE5-CE5A-45A6-82D2-98F311EB3067}" srcId="{B9074C37-0FDA-476C-9EF2-C0684BA51069}" destId="{708C0560-907E-48B8-A26E-BD9B16A90789}" srcOrd="1" destOrd="0" parTransId="{D02E59B3-4833-4004-93A4-783260372F0B}" sibTransId="{011A51B9-F327-4429-B85A-70921E794DC2}"/>
-    <dgm:cxn modelId="{DD4F90A5-102A-497D-9B97-A72869479FD5}" type="presOf" srcId="{2E826B71-FB83-450E-ADBC-6DBD3DB4A029}" destId="{7168E56D-9182-42E5-83FE-89692F9BF70D}" srcOrd="0" destOrd="0" presId="urn:microsoft.com/office/officeart/2005/8/layout/pyramid1"/>
-    <dgm:cxn modelId="{C69F0EA3-814E-4446-8E3B-9257CA788B4B}" type="presOf" srcId="{708C0560-907E-48B8-A26E-BD9B16A90789}" destId="{88B21BB0-0510-4607-BE95-0D2F6C46D7CA}" srcOrd="0" destOrd="0" presId="urn:microsoft.com/office/officeart/2005/8/layout/pyramid1"/>
-    <dgm:cxn modelId="{6311A592-6FFB-4BD9-B4A8-8FE7846570D9}" type="presOf" srcId="{C3D372EC-C874-43D5-8148-2E3BEFDCCE44}" destId="{F2AAA235-9525-4253-A4B0-63B7D4E24CAC}" srcOrd="1" destOrd="0" presId="urn:microsoft.com/office/officeart/2005/8/layout/pyramid1"/>
-    <dgm:cxn modelId="{FD33348C-4658-44CC-B975-90B71F2B4227}" type="presOf" srcId="{708C0560-907E-48B8-A26E-BD9B16A90789}" destId="{CCE7AD94-BCB8-4F6B-BB14-E9C5809F9E19}" srcOrd="1" destOrd="0" presId="urn:microsoft.com/office/officeart/2005/8/layout/pyramid1"/>
-    <dgm:cxn modelId="{0EA98053-D71F-4FD2-A197-2463305070D8}" type="presOf" srcId="{C3D372EC-C874-43D5-8148-2E3BEFDCCE44}" destId="{45340957-3892-4061-954F-8BAE4D22EE6B}" srcOrd="0" destOrd="0" presId="urn:microsoft.com/office/officeart/2005/8/layout/pyramid1"/>
-    <dgm:cxn modelId="{4E4C6BF9-484D-4B92-9199-92C12832487B}" type="presParOf" srcId="{5C3CB53C-6700-4094-94F5-63292A0C0A18}" destId="{108D8AC0-6FF8-4459-8C24-BDF4BF248693}" srcOrd="0" destOrd="0" presId="urn:microsoft.com/office/officeart/2005/8/layout/pyramid1"/>
-    <dgm:cxn modelId="{FF41F751-48B8-4AA2-90A2-A665791BEFC6}" type="presParOf" srcId="{108D8AC0-6FF8-4459-8C24-BDF4BF248693}" destId="{7168E56D-9182-42E5-83FE-89692F9BF70D}" srcOrd="0" destOrd="0" presId="urn:microsoft.com/office/officeart/2005/8/layout/pyramid1"/>
-    <dgm:cxn modelId="{16875042-AE0C-401F-B938-0A6ABA4B1870}" type="presParOf" srcId="{108D8AC0-6FF8-4459-8C24-BDF4BF248693}" destId="{05268D72-3B10-43C3-A960-191C4B676917}" srcOrd="1" destOrd="0" presId="urn:microsoft.com/office/officeart/2005/8/layout/pyramid1"/>
-    <dgm:cxn modelId="{0578D0F9-4A24-4E49-ADEE-347A4A9A90E5}" type="presParOf" srcId="{5C3CB53C-6700-4094-94F5-63292A0C0A18}" destId="{3A0F4746-442A-4E06-AEB4-CBE6D7DF7F6C}" srcOrd="1" destOrd="0" presId="urn:microsoft.com/office/officeart/2005/8/layout/pyramid1"/>
-    <dgm:cxn modelId="{D563103E-0762-4163-B8D5-625EBF2AD821}" type="presParOf" srcId="{3A0F4746-442A-4E06-AEB4-CBE6D7DF7F6C}" destId="{88B21BB0-0510-4607-BE95-0D2F6C46D7CA}" srcOrd="0" destOrd="0" presId="urn:microsoft.com/office/officeart/2005/8/layout/pyramid1"/>
-    <dgm:cxn modelId="{E2D523BA-BA95-4E80-9F81-7041D4592269}" type="presParOf" srcId="{3A0F4746-442A-4E06-AEB4-CBE6D7DF7F6C}" destId="{CCE7AD94-BCB8-4F6B-BB14-E9C5809F9E19}" srcOrd="1" destOrd="0" presId="urn:microsoft.com/office/officeart/2005/8/layout/pyramid1"/>
-    <dgm:cxn modelId="{FBA58B8E-37B8-461B-A498-7E634FD6821A}" type="presParOf" srcId="{5C3CB53C-6700-4094-94F5-63292A0C0A18}" destId="{A102B642-6393-444C-BD35-5A94DFAD75F3}" srcOrd="2" destOrd="0" presId="urn:microsoft.com/office/officeart/2005/8/layout/pyramid1"/>
-    <dgm:cxn modelId="{96999B6E-3B0F-4A62-B8C2-478BCB35FCF2}" type="presParOf" srcId="{A102B642-6393-444C-BD35-5A94DFAD75F3}" destId="{45340957-3892-4061-954F-8BAE4D22EE6B}" srcOrd="0" destOrd="0" presId="urn:microsoft.com/office/officeart/2005/8/layout/pyramid1"/>
-    <dgm:cxn modelId="{C133A17B-BAD2-4F7D-83DC-D58D25B1788C}" type="presParOf" srcId="{A102B642-6393-444C-BD35-5A94DFAD75F3}" destId="{F2AAA235-9525-4253-A4B0-63B7D4E24CAC}" srcOrd="1" destOrd="0" presId="urn:microsoft.com/office/officeart/2005/8/layout/pyramid1"/>
-  </dgm:cxnLst>
-  <dgm:bg/>
-  <dgm:whole/>
-  <dgm:extLst>
-    <a:ext uri="http://schemas.microsoft.com/office/drawing/2008/diagram">
-      <dsp:dataModelExt xmlns:dsp="http://schemas.microsoft.com/office/drawing/2008/diagram" relId="rId11" minVer="http://schemas.openxmlformats.org/drawingml/2006/diagram"/>
-    </a:ext>
-  </dgm:extLst>
-</dgm:dataModel>
-</file>
-
-<file path=ppt/diagrams/data3.xml><?xml version="1.0" encoding="utf-8"?>
-<dgm:dataModel xmlns:dgm="http://schemas.openxmlformats.org/drawingml/2006/diagram" xmlns:a="http://schemas.openxmlformats.org/drawingml/2006/main">
-  <dgm:ptLst>
-    <dgm:pt modelId="{140472E6-388C-4D37-82D5-2E5C3C3C41E9}" type="doc">
-      <dgm:prSet loTypeId="urn:microsoft.com/office/officeart/2005/8/layout/cycle2" loCatId="cycle" qsTypeId="urn:microsoft.com/office/officeart/2005/8/quickstyle/simple1" qsCatId="simple" csTypeId="urn:microsoft.com/office/officeart/2005/8/colors/accent1_2" csCatId="accent1" phldr="1"/>
-      <dgm:spPr/>
       <dgm:t>
         <a:bodyPr/>
         <a:lstStyle/>
@@ -2950,92 +2176,10 @@
         </a:p>
       </dgm:t>
     </dgm:pt>
-    <dgm:pt modelId="{D9C748A0-FBF5-42F4-8DDA-F93FE4576CE9}">
-      <dgm:prSet phldrT="[Text]"/>
-      <dgm:spPr/>
-      <dgm:t>
-        <a:bodyPr/>
-        <a:lstStyle/>
-        <a:p>
-          <a:r>
-            <a:rPr lang="en-US" dirty="0" smtClean="0"/>
-            <a:t>OO Design</a:t>
-          </a:r>
-          <a:endParaRPr lang="en-US" dirty="0"/>
-        </a:p>
-      </dgm:t>
-    </dgm:pt>
-    <dgm:pt modelId="{818B79E3-3B1E-4075-AD45-C32DCAE7C87F}" type="parTrans" cxnId="{D57BF03E-D2E3-4271-BDAE-11600DCC89D7}">
-      <dgm:prSet/>
-      <dgm:spPr/>
-      <dgm:t>
-        <a:bodyPr/>
-        <a:lstStyle/>
-        <a:p>
-          <a:endParaRPr lang="en-US"/>
-        </a:p>
-      </dgm:t>
-    </dgm:pt>
-    <dgm:pt modelId="{406F01EE-B18C-434E-A1C7-C5CA2729C570}" type="sibTrans" cxnId="{D57BF03E-D2E3-4271-BDAE-11600DCC89D7}">
-      <dgm:prSet/>
-      <dgm:spPr/>
-      <dgm:t>
-        <a:bodyPr/>
-        <a:lstStyle/>
-        <a:p>
-          <a:endParaRPr lang="en-US"/>
-        </a:p>
-      </dgm:t>
-    </dgm:pt>
-    <dgm:pt modelId="{DB11F2FB-5033-46CB-A9E2-DB8A4301D44D}">
-      <dgm:prSet phldrT="[Text]"/>
-      <dgm:spPr/>
-      <dgm:t>
-        <a:bodyPr/>
-        <a:lstStyle/>
-        <a:p>
-          <a:r>
-            <a:rPr lang="en-US" dirty="0" smtClean="0"/>
-            <a:t>Design Principles</a:t>
-          </a:r>
-          <a:endParaRPr lang="en-US" dirty="0"/>
-        </a:p>
-      </dgm:t>
-    </dgm:pt>
-    <dgm:pt modelId="{510AA99C-3B69-4493-B796-EB5B885F3688}" type="parTrans" cxnId="{8EC6F03D-0C18-4359-A70E-9CFB8A5F4BEA}">
-      <dgm:prSet/>
-      <dgm:spPr/>
-      <dgm:t>
-        <a:bodyPr/>
-        <a:lstStyle/>
-        <a:p>
-          <a:endParaRPr lang="en-US"/>
-        </a:p>
-      </dgm:t>
-    </dgm:pt>
-    <dgm:pt modelId="{BABF16F0-B844-43D1-90BB-57E701950C5D}" type="sibTrans" cxnId="{8EC6F03D-0C18-4359-A70E-9CFB8A5F4BEA}">
-      <dgm:prSet/>
-      <dgm:spPr/>
-      <dgm:t>
-        <a:bodyPr/>
-        <a:lstStyle/>
-        <a:p>
-          <a:endParaRPr lang="en-US"/>
-        </a:p>
-      </dgm:t>
-    </dgm:pt>
-    <dgm:pt modelId="{D7021600-2753-4089-9BA1-D2AA49B9DD53}" type="pres">
-      <dgm:prSet presAssocID="{140472E6-388C-4D37-82D5-2E5C3C3C41E9}" presName="cycle" presStyleCnt="0">
+    <dgm:pt modelId="{F2AAA235-9525-4253-A4B0-63B7D4E24CAC}" type="pres">
+      <dgm:prSet presAssocID="{C3D372EC-C874-43D5-8148-2E3BEFDCCE44}" presName="levelTx" presStyleLbl="revTx" presStyleIdx="0" presStyleCnt="0">
         <dgm:presLayoutVars>
-          <dgm:dir/>
-          <dgm:resizeHandles val="exact"/>
-        </dgm:presLayoutVars>
-      </dgm:prSet>
-      <dgm:spPr/>
-    </dgm:pt>
-    <dgm:pt modelId="{89373FDF-DD43-491A-A023-EA0A515160C1}" type="pres">
-      <dgm:prSet presAssocID="{D9C748A0-FBF5-42F4-8DDA-F93FE4576CE9}" presName="node" presStyleLbl="node1" presStyleIdx="0" presStyleCnt="2">
-        <dgm:presLayoutVars>
+          <dgm:chMax val="1"/>
           <dgm:bulletEnabled val="1"/>
         </dgm:presLayoutVars>
       </dgm:prSet>
@@ -3048,60 +2192,33 @@
         </a:p>
       </dgm:t>
     </dgm:pt>
-    <dgm:pt modelId="{9D1EC546-4A2D-4A9D-8E47-6022E5C94241}" type="pres">
-      <dgm:prSet presAssocID="{406F01EE-B18C-434E-A1C7-C5CA2729C570}" presName="sibTrans" presStyleLbl="sibTrans2D1" presStyleIdx="0" presStyleCnt="2"/>
-      <dgm:spPr/>
-    </dgm:pt>
-    <dgm:pt modelId="{4F219F51-1F6C-47AD-BBF8-66716DA44B57}" type="pres">
-      <dgm:prSet presAssocID="{406F01EE-B18C-434E-A1C7-C5CA2729C570}" presName="connectorText" presStyleLbl="sibTrans2D1" presStyleIdx="0" presStyleCnt="2"/>
-      <dgm:spPr/>
-    </dgm:pt>
-    <dgm:pt modelId="{E2D062CB-6C2F-4B48-B523-E41599DED943}" type="pres">
-      <dgm:prSet presAssocID="{DB11F2FB-5033-46CB-A9E2-DB8A4301D44D}" presName="node" presStyleLbl="node1" presStyleIdx="1" presStyleCnt="2">
-        <dgm:presLayoutVars>
-          <dgm:bulletEnabled val="1"/>
-        </dgm:presLayoutVars>
-      </dgm:prSet>
-      <dgm:spPr/>
-      <dgm:t>
-        <a:bodyPr/>
-        <a:lstStyle/>
-        <a:p>
-          <a:endParaRPr lang="en-US"/>
-        </a:p>
-      </dgm:t>
-    </dgm:pt>
-    <dgm:pt modelId="{CE83270A-E7DE-4F80-8EAE-DD77539FB140}" type="pres">
-      <dgm:prSet presAssocID="{BABF16F0-B844-43D1-90BB-57E701950C5D}" presName="sibTrans" presStyleLbl="sibTrans2D1" presStyleIdx="1" presStyleCnt="2"/>
-      <dgm:spPr/>
-    </dgm:pt>
-    <dgm:pt modelId="{DCE524C5-CE09-4A39-BB43-CD7A702F7467}" type="pres">
-      <dgm:prSet presAssocID="{BABF16F0-B844-43D1-90BB-57E701950C5D}" presName="connectorText" presStyleLbl="sibTrans2D1" presStyleIdx="1" presStyleCnt="2"/>
-      <dgm:spPr/>
-    </dgm:pt>
   </dgm:ptLst>
   <dgm:cxnLst>
-    <dgm:cxn modelId="{4F3D39CE-11D8-4DD9-93D4-AC61E17C534B}" type="presOf" srcId="{BABF16F0-B844-43D1-90BB-57E701950C5D}" destId="{DCE524C5-CE09-4A39-BB43-CD7A702F7467}" srcOrd="1" destOrd="0" presId="urn:microsoft.com/office/officeart/2005/8/layout/cycle2"/>
-    <dgm:cxn modelId="{8EC6F03D-0C18-4359-A70E-9CFB8A5F4BEA}" srcId="{140472E6-388C-4D37-82D5-2E5C3C3C41E9}" destId="{DB11F2FB-5033-46CB-A9E2-DB8A4301D44D}" srcOrd="1" destOrd="0" parTransId="{510AA99C-3B69-4493-B796-EB5B885F3688}" sibTransId="{BABF16F0-B844-43D1-90BB-57E701950C5D}"/>
-    <dgm:cxn modelId="{E321A510-F443-4902-8468-E6E268DFFBDA}" type="presOf" srcId="{BABF16F0-B844-43D1-90BB-57E701950C5D}" destId="{CE83270A-E7DE-4F80-8EAE-DD77539FB140}" srcOrd="0" destOrd="0" presId="urn:microsoft.com/office/officeart/2005/8/layout/cycle2"/>
-    <dgm:cxn modelId="{8C2CE5A7-0E38-4DBF-B5E6-E136D9918D01}" type="presOf" srcId="{140472E6-388C-4D37-82D5-2E5C3C3C41E9}" destId="{D7021600-2753-4089-9BA1-D2AA49B9DD53}" srcOrd="0" destOrd="0" presId="urn:microsoft.com/office/officeart/2005/8/layout/cycle2"/>
-    <dgm:cxn modelId="{640D2AA0-6373-488B-8BFC-E3BDE478F2B8}" type="presOf" srcId="{D9C748A0-FBF5-42F4-8DDA-F93FE4576CE9}" destId="{89373FDF-DD43-491A-A023-EA0A515160C1}" srcOrd="0" destOrd="0" presId="urn:microsoft.com/office/officeart/2005/8/layout/cycle2"/>
-    <dgm:cxn modelId="{E62B1531-2A0E-4DC0-8FAC-8491BE5ED8E6}" type="presOf" srcId="{406F01EE-B18C-434E-A1C7-C5CA2729C570}" destId="{4F219F51-1F6C-47AD-BBF8-66716DA44B57}" srcOrd="1" destOrd="0" presId="urn:microsoft.com/office/officeart/2005/8/layout/cycle2"/>
-    <dgm:cxn modelId="{D57BF03E-D2E3-4271-BDAE-11600DCC89D7}" srcId="{140472E6-388C-4D37-82D5-2E5C3C3C41E9}" destId="{D9C748A0-FBF5-42F4-8DDA-F93FE4576CE9}" srcOrd="0" destOrd="0" parTransId="{818B79E3-3B1E-4075-AD45-C32DCAE7C87F}" sibTransId="{406F01EE-B18C-434E-A1C7-C5CA2729C570}"/>
-    <dgm:cxn modelId="{82187B3F-873A-4420-B0D2-BBA2BD561D9E}" type="presOf" srcId="{DB11F2FB-5033-46CB-A9E2-DB8A4301D44D}" destId="{E2D062CB-6C2F-4B48-B523-E41599DED943}" srcOrd="0" destOrd="0" presId="urn:microsoft.com/office/officeart/2005/8/layout/cycle2"/>
-    <dgm:cxn modelId="{E4D845FD-826F-4117-8F3E-8C434CA689F2}" type="presOf" srcId="{406F01EE-B18C-434E-A1C7-C5CA2729C570}" destId="{9D1EC546-4A2D-4A9D-8E47-6022E5C94241}" srcOrd="0" destOrd="0" presId="urn:microsoft.com/office/officeart/2005/8/layout/cycle2"/>
-    <dgm:cxn modelId="{5A5B2DCD-20B6-4158-A29F-5A066B757F4E}" type="presParOf" srcId="{D7021600-2753-4089-9BA1-D2AA49B9DD53}" destId="{89373FDF-DD43-491A-A023-EA0A515160C1}" srcOrd="0" destOrd="0" presId="urn:microsoft.com/office/officeart/2005/8/layout/cycle2"/>
-    <dgm:cxn modelId="{B17CB886-5F7E-4507-9969-A7B0802323FB}" type="presParOf" srcId="{D7021600-2753-4089-9BA1-D2AA49B9DD53}" destId="{9D1EC546-4A2D-4A9D-8E47-6022E5C94241}" srcOrd="1" destOrd="0" presId="urn:microsoft.com/office/officeart/2005/8/layout/cycle2"/>
-    <dgm:cxn modelId="{4FAAC6F1-F921-4B30-AA68-9CEC7EE77AF9}" type="presParOf" srcId="{9D1EC546-4A2D-4A9D-8E47-6022E5C94241}" destId="{4F219F51-1F6C-47AD-BBF8-66716DA44B57}" srcOrd="0" destOrd="0" presId="urn:microsoft.com/office/officeart/2005/8/layout/cycle2"/>
-    <dgm:cxn modelId="{F97C6024-AF25-4915-A07D-446DD1819927}" type="presParOf" srcId="{D7021600-2753-4089-9BA1-D2AA49B9DD53}" destId="{E2D062CB-6C2F-4B48-B523-E41599DED943}" srcOrd="2" destOrd="0" presId="urn:microsoft.com/office/officeart/2005/8/layout/cycle2"/>
-    <dgm:cxn modelId="{50F8E0D3-33C5-457E-A651-3D2A8BA5C2BF}" type="presParOf" srcId="{D7021600-2753-4089-9BA1-D2AA49B9DD53}" destId="{CE83270A-E7DE-4F80-8EAE-DD77539FB140}" srcOrd="3" destOrd="0" presId="urn:microsoft.com/office/officeart/2005/8/layout/cycle2"/>
-    <dgm:cxn modelId="{0E586E51-5515-4A33-9BE7-0877B94B6E2A}" type="presParOf" srcId="{CE83270A-E7DE-4F80-8EAE-DD77539FB140}" destId="{DCE524C5-CE09-4A39-BB43-CD7A702F7467}" srcOrd="0" destOrd="0" presId="urn:microsoft.com/office/officeart/2005/8/layout/cycle2"/>
+    <dgm:cxn modelId="{ED02D930-A162-4447-8940-760F6489EA21}" type="presOf" srcId="{708C0560-907E-48B8-A26E-BD9B16A90789}" destId="{88B21BB0-0510-4607-BE95-0D2F6C46D7CA}" srcOrd="0" destOrd="0" presId="urn:microsoft.com/office/officeart/2005/8/layout/pyramid1"/>
+    <dgm:cxn modelId="{BD22FA4C-C414-4DDD-B5C2-024FD5176823}" type="presOf" srcId="{708C0560-907E-48B8-A26E-BD9B16A90789}" destId="{CCE7AD94-BCB8-4F6B-BB14-E9C5809F9E19}" srcOrd="1" destOrd="0" presId="urn:microsoft.com/office/officeart/2005/8/layout/pyramid1"/>
+    <dgm:cxn modelId="{D73AC023-6756-45D1-838A-DF1926AD0162}" type="presOf" srcId="{C3D372EC-C874-43D5-8148-2E3BEFDCCE44}" destId="{45340957-3892-4061-954F-8BAE4D22EE6B}" srcOrd="0" destOrd="0" presId="urn:microsoft.com/office/officeart/2005/8/layout/pyramid1"/>
+    <dgm:cxn modelId="{A3DD3C4F-4E63-4797-BE29-7E579E2559C6}" type="presOf" srcId="{B9074C37-0FDA-476C-9EF2-C0684BA51069}" destId="{5C3CB53C-6700-4094-94F5-63292A0C0A18}" srcOrd="0" destOrd="0" presId="urn:microsoft.com/office/officeart/2005/8/layout/pyramid1"/>
+    <dgm:cxn modelId="{FD81F85B-31F7-4EFA-B5D9-9B5EB7AA7B87}" type="presOf" srcId="{2E826B71-FB83-450E-ADBC-6DBD3DB4A029}" destId="{05268D72-3B10-43C3-A960-191C4B676917}" srcOrd="1" destOrd="0" presId="urn:microsoft.com/office/officeart/2005/8/layout/pyramid1"/>
+    <dgm:cxn modelId="{EDBA6C64-D98D-4699-89DE-9DB69F9C56B7}" type="presOf" srcId="{2E826B71-FB83-450E-ADBC-6DBD3DB4A029}" destId="{7168E56D-9182-42E5-83FE-89692F9BF70D}" srcOrd="0" destOrd="0" presId="urn:microsoft.com/office/officeart/2005/8/layout/pyramid1"/>
+    <dgm:cxn modelId="{2A236EE5-CE5A-45A6-82D2-98F311EB3067}" srcId="{B9074C37-0FDA-476C-9EF2-C0684BA51069}" destId="{708C0560-907E-48B8-A26E-BD9B16A90789}" srcOrd="1" destOrd="0" parTransId="{D02E59B3-4833-4004-93A4-783260372F0B}" sibTransId="{011A51B9-F327-4429-B85A-70921E794DC2}"/>
+    <dgm:cxn modelId="{BCA1B026-0A6A-4A8B-9DFE-C259BB3C02D1}" type="presOf" srcId="{C3D372EC-C874-43D5-8148-2E3BEFDCCE44}" destId="{F2AAA235-9525-4253-A4B0-63B7D4E24CAC}" srcOrd="1" destOrd="0" presId="urn:microsoft.com/office/officeart/2005/8/layout/pyramid1"/>
+    <dgm:cxn modelId="{634387BA-86BB-4917-A32F-29DDDE307C11}" srcId="{B9074C37-0FDA-476C-9EF2-C0684BA51069}" destId="{C3D372EC-C874-43D5-8148-2E3BEFDCCE44}" srcOrd="2" destOrd="0" parTransId="{2FED4602-7096-474A-A4F6-0AB7D967EEC9}" sibTransId="{0AE2B195-FA92-44A9-BEDD-4B11F28BEBD3}"/>
+    <dgm:cxn modelId="{6A69AA21-272C-4119-85A6-7C412165C5A1}" srcId="{B9074C37-0FDA-476C-9EF2-C0684BA51069}" destId="{2E826B71-FB83-450E-ADBC-6DBD3DB4A029}" srcOrd="0" destOrd="0" parTransId="{B565B8D3-6F0F-46BF-B733-0766AE4542A5}" sibTransId="{1C8FD19C-F163-403A-A209-F309AD5083BB}"/>
+    <dgm:cxn modelId="{FC9A3D86-6C89-4286-A8FB-E2C395B0B782}" type="presParOf" srcId="{5C3CB53C-6700-4094-94F5-63292A0C0A18}" destId="{108D8AC0-6FF8-4459-8C24-BDF4BF248693}" srcOrd="0" destOrd="0" presId="urn:microsoft.com/office/officeart/2005/8/layout/pyramid1"/>
+    <dgm:cxn modelId="{D9C43120-38EA-4F74-A41A-1A68059536CE}" type="presParOf" srcId="{108D8AC0-6FF8-4459-8C24-BDF4BF248693}" destId="{7168E56D-9182-42E5-83FE-89692F9BF70D}" srcOrd="0" destOrd="0" presId="urn:microsoft.com/office/officeart/2005/8/layout/pyramid1"/>
+    <dgm:cxn modelId="{3B1BDCFD-0A41-4DE3-9CD6-9F128A225C8B}" type="presParOf" srcId="{108D8AC0-6FF8-4459-8C24-BDF4BF248693}" destId="{05268D72-3B10-43C3-A960-191C4B676917}" srcOrd="1" destOrd="0" presId="urn:microsoft.com/office/officeart/2005/8/layout/pyramid1"/>
+    <dgm:cxn modelId="{40DB7C32-B0DD-48F4-8F31-4AC9896A5B53}" type="presParOf" srcId="{5C3CB53C-6700-4094-94F5-63292A0C0A18}" destId="{3A0F4746-442A-4E06-AEB4-CBE6D7DF7F6C}" srcOrd="1" destOrd="0" presId="urn:microsoft.com/office/officeart/2005/8/layout/pyramid1"/>
+    <dgm:cxn modelId="{67884DA6-45B1-4D00-A7C0-5C861C3CB316}" type="presParOf" srcId="{3A0F4746-442A-4E06-AEB4-CBE6D7DF7F6C}" destId="{88B21BB0-0510-4607-BE95-0D2F6C46D7CA}" srcOrd="0" destOrd="0" presId="urn:microsoft.com/office/officeart/2005/8/layout/pyramid1"/>
+    <dgm:cxn modelId="{643A3291-AF2B-4948-9009-06E20E715A94}" type="presParOf" srcId="{3A0F4746-442A-4E06-AEB4-CBE6D7DF7F6C}" destId="{CCE7AD94-BCB8-4F6B-BB14-E9C5809F9E19}" srcOrd="1" destOrd="0" presId="urn:microsoft.com/office/officeart/2005/8/layout/pyramid1"/>
+    <dgm:cxn modelId="{7009F082-0734-4E81-8999-77EEA9FEADE3}" type="presParOf" srcId="{5C3CB53C-6700-4094-94F5-63292A0C0A18}" destId="{A102B642-6393-444C-BD35-5A94DFAD75F3}" srcOrd="2" destOrd="0" presId="urn:microsoft.com/office/officeart/2005/8/layout/pyramid1"/>
+    <dgm:cxn modelId="{84F521CC-7772-47FD-BA3D-617487653233}" type="presParOf" srcId="{A102B642-6393-444C-BD35-5A94DFAD75F3}" destId="{45340957-3892-4061-954F-8BAE4D22EE6B}" srcOrd="0" destOrd="0" presId="urn:microsoft.com/office/officeart/2005/8/layout/pyramid1"/>
+    <dgm:cxn modelId="{45CC04F4-4F9E-4DB3-954C-334D86C1EF79}" type="presParOf" srcId="{A102B642-6393-444C-BD35-5A94DFAD75F3}" destId="{F2AAA235-9525-4253-A4B0-63B7D4E24CAC}" srcOrd="1" destOrd="0" presId="urn:microsoft.com/office/officeart/2005/8/layout/pyramid1"/>
   </dgm:cxnLst>
   <dgm:bg/>
   <dgm:whole/>
   <dgm:extLst>
     <a:ext uri="http://schemas.microsoft.com/office/drawing/2008/diagram">
-      <dsp:dataModelExt xmlns:dsp="http://schemas.microsoft.com/office/drawing/2008/diagram" relId="rId6" minVer="http://schemas.openxmlformats.org/drawingml/2006/diagram"/>
+      <dsp:dataModelExt xmlns:dsp="http://schemas.microsoft.com/office/drawing/2008/diagram" relId="rId11" minVer="http://schemas.openxmlformats.org/drawingml/2006/diagram"/>
     </a:ext>
   </dgm:extLst>
 </dgm:dataModel>
@@ -3992,310 +3109,6 @@
 </dsp:drawing>
 </file>
 
-<file path=ppt/diagrams/drawing3.xml><?xml version="1.0" encoding="utf-8"?>
-<dsp:drawing xmlns:dgm="http://schemas.openxmlformats.org/drawingml/2006/diagram" xmlns:dsp="http://schemas.microsoft.com/office/drawing/2008/diagram" xmlns:a="http://schemas.openxmlformats.org/drawingml/2006/main">
-  <dsp:spTree>
-    <dsp:nvGrpSpPr>
-      <dsp:cNvPr id="0" name=""/>
-      <dsp:cNvGrpSpPr/>
-    </dsp:nvGrpSpPr>
-    <dsp:grpSpPr/>
-    <dsp:sp modelId="{89373FDF-DD43-491A-A023-EA0A515160C1}">
-      <dsp:nvSpPr>
-        <dsp:cNvPr id="0" name=""/>
-        <dsp:cNvSpPr/>
-      </dsp:nvSpPr>
-      <dsp:spPr>
-        <a:xfrm>
-          <a:off x="1023" y="814585"/>
-          <a:ext cx="2434828" cy="2434828"/>
-        </a:xfrm>
-        <a:prstGeom prst="ellipse">
-          <a:avLst/>
-        </a:prstGeom>
-        <a:solidFill>
-          <a:schemeClr val="accent1">
-            <a:hueOff val="0"/>
-            <a:satOff val="0"/>
-            <a:lumOff val="0"/>
-            <a:alphaOff val="0"/>
-          </a:schemeClr>
-        </a:solidFill>
-        <a:ln w="25400" cap="flat" cmpd="sng" algn="ctr">
-          <a:solidFill>
-            <a:schemeClr val="lt1">
-              <a:hueOff val="0"/>
-              <a:satOff val="0"/>
-              <a:lumOff val="0"/>
-              <a:alphaOff val="0"/>
-            </a:schemeClr>
-          </a:solidFill>
-          <a:prstDash val="solid"/>
-        </a:ln>
-        <a:effectLst/>
-      </dsp:spPr>
-      <dsp:style>
-        <a:lnRef idx="2">
-          <a:scrgbClr r="0" g="0" b="0"/>
-        </a:lnRef>
-        <a:fillRef idx="1">
-          <a:scrgbClr r="0" g="0" b="0"/>
-        </a:fillRef>
-        <a:effectRef idx="0">
-          <a:scrgbClr r="0" g="0" b="0"/>
-        </a:effectRef>
-        <a:fontRef idx="minor">
-          <a:schemeClr val="lt1"/>
-        </a:fontRef>
-      </dsp:style>
-      <dsp:txBody>
-        <a:bodyPr spcFirstLastPara="0" vert="horz" wrap="square" lIns="40640" tIns="40640" rIns="40640" bIns="40640" numCol="1" spcCol="1270" anchor="ctr" anchorCtr="0">
-          <a:noAutofit/>
-        </a:bodyPr>
-        <a:lstStyle/>
-        <a:p>
-          <a:pPr lvl="0" algn="ctr" defTabSz="1422400">
-            <a:lnSpc>
-              <a:spcPct val="90000"/>
-            </a:lnSpc>
-            <a:spcBef>
-              <a:spcPct val="0"/>
-            </a:spcBef>
-            <a:spcAft>
-              <a:spcPct val="35000"/>
-            </a:spcAft>
-          </a:pPr>
-          <a:r>
-            <a:rPr lang="en-US" sz="3200" kern="1200" dirty="0" smtClean="0"/>
-            <a:t>OO Design</a:t>
-          </a:r>
-          <a:endParaRPr lang="en-US" sz="3200" kern="1200" dirty="0"/>
-        </a:p>
-      </dsp:txBody>
-      <dsp:txXfrm>
-        <a:off x="357595" y="1171157"/>
-        <a:ext cx="1721684" cy="1721684"/>
-      </dsp:txXfrm>
-    </dsp:sp>
-    <dsp:sp modelId="{9D1EC546-4A2D-4A9D-8E47-6022E5C94241}">
-      <dsp:nvSpPr>
-        <dsp:cNvPr id="0" name=""/>
-        <dsp:cNvSpPr/>
-      </dsp:nvSpPr>
-      <dsp:spPr>
-        <a:xfrm>
-          <a:off x="2246106" y="470469"/>
-          <a:ext cx="1517869" cy="821754"/>
-        </a:xfrm>
-        <a:prstGeom prst="rightArrow">
-          <a:avLst>
-            <a:gd name="adj1" fmla="val 60000"/>
-            <a:gd name="adj2" fmla="val 50000"/>
-          </a:avLst>
-        </a:prstGeom>
-        <a:solidFill>
-          <a:schemeClr val="accent1">
-            <a:tint val="60000"/>
-            <a:hueOff val="0"/>
-            <a:satOff val="0"/>
-            <a:lumOff val="0"/>
-            <a:alphaOff val="0"/>
-          </a:schemeClr>
-        </a:solidFill>
-        <a:ln>
-          <a:noFill/>
-        </a:ln>
-        <a:effectLst/>
-      </dsp:spPr>
-      <dsp:style>
-        <a:lnRef idx="0">
-          <a:scrgbClr r="0" g="0" b="0"/>
-        </a:lnRef>
-        <a:fillRef idx="1">
-          <a:scrgbClr r="0" g="0" b="0"/>
-        </a:fillRef>
-        <a:effectRef idx="0">
-          <a:scrgbClr r="0" g="0" b="0"/>
-        </a:effectRef>
-        <a:fontRef idx="minor">
-          <a:schemeClr val="lt1"/>
-        </a:fontRef>
-      </dsp:style>
-      <dsp:txBody>
-        <a:bodyPr spcFirstLastPara="0" vert="horz" wrap="square" lIns="0" tIns="0" rIns="0" bIns="0" numCol="1" spcCol="1270" anchor="ctr" anchorCtr="0">
-          <a:noAutofit/>
-        </a:bodyPr>
-        <a:lstStyle/>
-        <a:p>
-          <a:pPr lvl="0" algn="ctr" defTabSz="1155700">
-            <a:lnSpc>
-              <a:spcPct val="90000"/>
-            </a:lnSpc>
-            <a:spcBef>
-              <a:spcPct val="0"/>
-            </a:spcBef>
-            <a:spcAft>
-              <a:spcPct val="35000"/>
-            </a:spcAft>
-          </a:pPr>
-          <a:endParaRPr lang="en-US" sz="2600" kern="1200"/>
-        </a:p>
-      </dsp:txBody>
-      <dsp:txXfrm>
-        <a:off x="2246106" y="634820"/>
-        <a:ext cx="1271343" cy="493052"/>
-      </dsp:txXfrm>
-    </dsp:sp>
-    <dsp:sp modelId="{E2D062CB-6C2F-4B48-B523-E41599DED943}">
-      <dsp:nvSpPr>
-        <dsp:cNvPr id="0" name=""/>
-        <dsp:cNvSpPr/>
-      </dsp:nvSpPr>
-      <dsp:spPr>
-        <a:xfrm>
-          <a:off x="3660148" y="814585"/>
-          <a:ext cx="2434828" cy="2434828"/>
-        </a:xfrm>
-        <a:prstGeom prst="ellipse">
-          <a:avLst/>
-        </a:prstGeom>
-        <a:solidFill>
-          <a:schemeClr val="accent1">
-            <a:hueOff val="0"/>
-            <a:satOff val="0"/>
-            <a:lumOff val="0"/>
-            <a:alphaOff val="0"/>
-          </a:schemeClr>
-        </a:solidFill>
-        <a:ln w="25400" cap="flat" cmpd="sng" algn="ctr">
-          <a:solidFill>
-            <a:schemeClr val="lt1">
-              <a:hueOff val="0"/>
-              <a:satOff val="0"/>
-              <a:lumOff val="0"/>
-              <a:alphaOff val="0"/>
-            </a:schemeClr>
-          </a:solidFill>
-          <a:prstDash val="solid"/>
-        </a:ln>
-        <a:effectLst/>
-      </dsp:spPr>
-      <dsp:style>
-        <a:lnRef idx="2">
-          <a:scrgbClr r="0" g="0" b="0"/>
-        </a:lnRef>
-        <a:fillRef idx="1">
-          <a:scrgbClr r="0" g="0" b="0"/>
-        </a:fillRef>
-        <a:effectRef idx="0">
-          <a:scrgbClr r="0" g="0" b="0"/>
-        </a:effectRef>
-        <a:fontRef idx="minor">
-          <a:schemeClr val="lt1"/>
-        </a:fontRef>
-      </dsp:style>
-      <dsp:txBody>
-        <a:bodyPr spcFirstLastPara="0" vert="horz" wrap="square" lIns="40640" tIns="40640" rIns="40640" bIns="40640" numCol="1" spcCol="1270" anchor="ctr" anchorCtr="0">
-          <a:noAutofit/>
-        </a:bodyPr>
-        <a:lstStyle/>
-        <a:p>
-          <a:pPr lvl="0" algn="ctr" defTabSz="1422400">
-            <a:lnSpc>
-              <a:spcPct val="90000"/>
-            </a:lnSpc>
-            <a:spcBef>
-              <a:spcPct val="0"/>
-            </a:spcBef>
-            <a:spcAft>
-              <a:spcPct val="35000"/>
-            </a:spcAft>
-          </a:pPr>
-          <a:r>
-            <a:rPr lang="en-US" sz="3200" kern="1200" dirty="0" smtClean="0"/>
-            <a:t>Design Principles</a:t>
-          </a:r>
-          <a:endParaRPr lang="en-US" sz="3200" kern="1200" dirty="0"/>
-        </a:p>
-      </dsp:txBody>
-      <dsp:txXfrm>
-        <a:off x="4016720" y="1171157"/>
-        <a:ext cx="1721684" cy="1721684"/>
-      </dsp:txXfrm>
-    </dsp:sp>
-    <dsp:sp modelId="{CE83270A-E7DE-4F80-8EAE-DD77539FB140}">
-      <dsp:nvSpPr>
-        <dsp:cNvPr id="0" name=""/>
-        <dsp:cNvSpPr/>
-      </dsp:nvSpPr>
-      <dsp:spPr>
-        <a:xfrm rot="10800000">
-          <a:off x="2332023" y="2771776"/>
-          <a:ext cx="1517869" cy="821754"/>
-        </a:xfrm>
-        <a:prstGeom prst="rightArrow">
-          <a:avLst>
-            <a:gd name="adj1" fmla="val 60000"/>
-            <a:gd name="adj2" fmla="val 50000"/>
-          </a:avLst>
-        </a:prstGeom>
-        <a:solidFill>
-          <a:schemeClr val="accent1">
-            <a:tint val="60000"/>
-            <a:hueOff val="0"/>
-            <a:satOff val="0"/>
-            <a:lumOff val="0"/>
-            <a:alphaOff val="0"/>
-          </a:schemeClr>
-        </a:solidFill>
-        <a:ln>
-          <a:noFill/>
-        </a:ln>
-        <a:effectLst/>
-      </dsp:spPr>
-      <dsp:style>
-        <a:lnRef idx="0">
-          <a:scrgbClr r="0" g="0" b="0"/>
-        </a:lnRef>
-        <a:fillRef idx="1">
-          <a:scrgbClr r="0" g="0" b="0"/>
-        </a:fillRef>
-        <a:effectRef idx="0">
-          <a:scrgbClr r="0" g="0" b="0"/>
-        </a:effectRef>
-        <a:fontRef idx="minor">
-          <a:schemeClr val="lt1"/>
-        </a:fontRef>
-      </dsp:style>
-      <dsp:txBody>
-        <a:bodyPr spcFirstLastPara="0" vert="horz" wrap="square" lIns="0" tIns="0" rIns="0" bIns="0" numCol="1" spcCol="1270" anchor="ctr" anchorCtr="0">
-          <a:noAutofit/>
-        </a:bodyPr>
-        <a:lstStyle/>
-        <a:p>
-          <a:pPr lvl="0" algn="ctr" defTabSz="1155700">
-            <a:lnSpc>
-              <a:spcPct val="90000"/>
-            </a:lnSpc>
-            <a:spcBef>
-              <a:spcPct val="0"/>
-            </a:spcBef>
-            <a:spcAft>
-              <a:spcPct val="35000"/>
-            </a:spcAft>
-          </a:pPr>
-          <a:endParaRPr lang="en-US" sz="2600" kern="1200"/>
-        </a:p>
-      </dsp:txBody>
-      <dsp:txXfrm rot="10800000">
-        <a:off x="2578549" y="2936127"/>
-        <a:ext cx="1271343" cy="493052"/>
-      </dsp:txXfrm>
-    </dsp:sp>
-  </dsp:spTree>
-</dsp:drawing>
-</file>
-
 <file path=ppt/diagrams/layout1.xml><?xml version="1.0" encoding="utf-8"?>
 <dgm:layoutDef xmlns:dgm="http://schemas.openxmlformats.org/drawingml/2006/diagram" xmlns:a="http://schemas.openxmlformats.org/drawingml/2006/main" uniqueId="urn:microsoft.com/office/officeart/2011/layout/TabList">
   <dgm:title val="Tab List"/>
@@ -4836,217 +3649,6 @@
 </dgm:layoutDef>
 </file>
 
-<file path=ppt/diagrams/layout3.xml><?xml version="1.0" encoding="utf-8"?>
-<dgm:layoutDef xmlns:dgm="http://schemas.openxmlformats.org/drawingml/2006/diagram" xmlns:a="http://schemas.openxmlformats.org/drawingml/2006/main" uniqueId="urn:microsoft.com/office/officeart/2005/8/layout/cycle2">
-  <dgm:title val=""/>
-  <dgm:desc val=""/>
-  <dgm:catLst>
-    <dgm:cat type="cycle" pri="1000"/>
-    <dgm:cat type="convert" pri="10000"/>
-  </dgm:catLst>
-  <dgm:sampData>
-    <dgm:dataModel>
-      <dgm:ptLst>
-        <dgm:pt modelId="0" type="doc"/>
-        <dgm:pt modelId="1">
-          <dgm:prSet phldr="1"/>
-        </dgm:pt>
-        <dgm:pt modelId="2">
-          <dgm:prSet phldr="1"/>
-        </dgm:pt>
-        <dgm:pt modelId="3">
-          <dgm:prSet phldr="1"/>
-        </dgm:pt>
-        <dgm:pt modelId="4">
-          <dgm:prSet phldr="1"/>
-        </dgm:pt>
-        <dgm:pt modelId="5">
-          <dgm:prSet phldr="1"/>
-        </dgm:pt>
-      </dgm:ptLst>
-      <dgm:cxnLst>
-        <dgm:cxn modelId="6" srcId="0" destId="1" srcOrd="0" destOrd="0"/>
-        <dgm:cxn modelId="7" srcId="0" destId="2" srcOrd="1" destOrd="0"/>
-        <dgm:cxn modelId="8" srcId="0" destId="3" srcOrd="2" destOrd="0"/>
-        <dgm:cxn modelId="9" srcId="0" destId="4" srcOrd="3" destOrd="0"/>
-        <dgm:cxn modelId="10" srcId="0" destId="5" srcOrd="4" destOrd="0"/>
-      </dgm:cxnLst>
-      <dgm:bg/>
-      <dgm:whole/>
-    </dgm:dataModel>
-  </dgm:sampData>
-  <dgm:styleData>
-    <dgm:dataModel>
-      <dgm:ptLst>
-        <dgm:pt modelId="0" type="doc"/>
-        <dgm:pt modelId="1"/>
-        <dgm:pt modelId="2"/>
-        <dgm:pt modelId="3"/>
-      </dgm:ptLst>
-      <dgm:cxnLst>
-        <dgm:cxn modelId="4" srcId="0" destId="1" srcOrd="0" destOrd="0"/>
-        <dgm:cxn modelId="5" srcId="0" destId="2" srcOrd="1" destOrd="0"/>
-        <dgm:cxn modelId="6" srcId="0" destId="3" srcOrd="2" destOrd="0"/>
-      </dgm:cxnLst>
-      <dgm:bg/>
-      <dgm:whole/>
-    </dgm:dataModel>
-  </dgm:styleData>
-  <dgm:clrData>
-    <dgm:dataModel>
-      <dgm:ptLst>
-        <dgm:pt modelId="0" type="doc"/>
-        <dgm:pt modelId="1"/>
-        <dgm:pt modelId="2"/>
-        <dgm:pt modelId="3"/>
-        <dgm:pt modelId="4"/>
-        <dgm:pt modelId="5"/>
-        <dgm:pt modelId="6"/>
-      </dgm:ptLst>
-      <dgm:cxnLst>
-        <dgm:cxn modelId="7" srcId="0" destId="1" srcOrd="0" destOrd="0"/>
-        <dgm:cxn modelId="8" srcId="0" destId="2" srcOrd="1" destOrd="0"/>
-        <dgm:cxn modelId="9" srcId="0" destId="3" srcOrd="2" destOrd="0"/>
-        <dgm:cxn modelId="10" srcId="0" destId="4" srcOrd="3" destOrd="0"/>
-        <dgm:cxn modelId="11" srcId="0" destId="5" srcOrd="4" destOrd="0"/>
-        <dgm:cxn modelId="12" srcId="0" destId="6" srcOrd="5" destOrd="0"/>
-      </dgm:cxnLst>
-      <dgm:bg/>
-      <dgm:whole/>
-    </dgm:dataModel>
-  </dgm:clrData>
-  <dgm:layoutNode name="cycle">
-    <dgm:varLst>
-      <dgm:dir/>
-      <dgm:resizeHandles val="exact"/>
-    </dgm:varLst>
-    <dgm:choose name="Name0">
-      <dgm:if name="Name1" func="var" arg="dir" op="equ" val="norm">
-        <dgm:choose name="Name2">
-          <dgm:if name="Name3" axis="ch" ptType="node" func="cnt" op="gt" val="2">
-            <dgm:alg type="cycle">
-              <dgm:param type="stAng" val="0"/>
-              <dgm:param type="spanAng" val="360"/>
-            </dgm:alg>
-          </dgm:if>
-          <dgm:else name="Name4">
-            <dgm:alg type="cycle">
-              <dgm:param type="stAng" val="-90"/>
-              <dgm:param type="spanAng" val="360"/>
-            </dgm:alg>
-          </dgm:else>
-        </dgm:choose>
-      </dgm:if>
-      <dgm:else name="Name5">
-        <dgm:choose name="Name6">
-          <dgm:if name="Name7" axis="ch" ptType="node" func="cnt" op="gt" val="2">
-            <dgm:alg type="cycle">
-              <dgm:param type="stAng" val="0"/>
-              <dgm:param type="spanAng" val="-360"/>
-            </dgm:alg>
-          </dgm:if>
-          <dgm:else name="Name8">
-            <dgm:alg type="cycle">
-              <dgm:param type="stAng" val="90"/>
-              <dgm:param type="spanAng" val="-360"/>
-            </dgm:alg>
-          </dgm:else>
-        </dgm:choose>
-      </dgm:else>
-    </dgm:choose>
-    <dgm:shape xmlns:r="http://schemas.openxmlformats.org/officeDocument/2006/relationships" r:blip="">
-      <dgm:adjLst/>
-    </dgm:shape>
-    <dgm:presOf/>
-    <dgm:constrLst>
-      <dgm:constr type="w" for="ch" ptType="node" refType="w"/>
-      <dgm:constr type="w" for="ch" ptType="sibTrans" refType="w" refFor="ch" refPtType="node" op="equ" fact="0.25"/>
-      <dgm:constr type="sibSp" refType="w" refFor="ch" refPtType="node" fact="0.5"/>
-      <dgm:constr type="primFontSz" for="ch" ptType="node" op="equ" val="65"/>
-      <dgm:constr type="primFontSz" for="des" forName="connectorText" op="equ" val="55"/>
-      <dgm:constr type="primFontSz" for="des" forName="connectorText" refType="primFontSz" refFor="ch" refPtType="node" op="lte" fact="0.8"/>
-    </dgm:constrLst>
-    <dgm:ruleLst/>
-    <dgm:forEach name="nodesForEach" axis="ch" ptType="node">
-      <dgm:layoutNode name="node">
-        <dgm:varLst>
-          <dgm:bulletEnabled val="1"/>
-        </dgm:varLst>
-        <dgm:alg type="tx">
-          <dgm:param type="txAnchorVertCh" val="mid"/>
-        </dgm:alg>
-        <dgm:shape xmlns:r="http://schemas.openxmlformats.org/officeDocument/2006/relationships" type="ellipse" r:blip="">
-          <dgm:adjLst/>
-        </dgm:shape>
-        <dgm:presOf axis="desOrSelf" ptType="node"/>
-        <dgm:constrLst>
-          <dgm:constr type="h" refType="w"/>
-          <dgm:constr type="lMarg" refType="primFontSz" fact="0.1"/>
-          <dgm:constr type="rMarg" refType="primFontSz" fact="0.1"/>
-          <dgm:constr type="tMarg" refType="primFontSz" fact="0.1"/>
-          <dgm:constr type="bMarg" refType="primFontSz" fact="0.1"/>
-        </dgm:constrLst>
-        <dgm:ruleLst>
-          <dgm:rule type="primFontSz" val="5" fact="NaN" max="NaN"/>
-        </dgm:ruleLst>
-      </dgm:layoutNode>
-      <dgm:choose name="Name9">
-        <dgm:if name="Name10" axis="par ch" ptType="doc node" func="cnt" op="gt" val="1">
-          <dgm:forEach name="sibTransForEach" axis="followSib" ptType="sibTrans" hideLastTrans="0" cnt="1">
-            <dgm:layoutNode name="sibTrans">
-              <dgm:choose name="Name11">
-                <dgm:if name="Name12" axis="par ch" ptType="doc node" func="cnt" op="lt" val="3">
-                  <dgm:alg type="conn">
-                    <dgm:param type="begPts" val="radial"/>
-                    <dgm:param type="endPts" val="radial"/>
-                  </dgm:alg>
-                </dgm:if>
-                <dgm:else name="Name13">
-                  <dgm:alg type="conn">
-                    <dgm:param type="begPts" val="auto"/>
-                    <dgm:param type="endPts" val="auto"/>
-                  </dgm:alg>
-                </dgm:else>
-              </dgm:choose>
-              <dgm:shape xmlns:r="http://schemas.openxmlformats.org/officeDocument/2006/relationships" type="conn" r:blip="">
-                <dgm:adjLst/>
-              </dgm:shape>
-              <dgm:presOf axis="self"/>
-              <dgm:constrLst>
-                <dgm:constr type="h" refType="w" fact="1.35"/>
-                <dgm:constr type="connDist"/>
-                <dgm:constr type="w" for="ch" refType="connDist" fact="0.45"/>
-                <dgm:constr type="h" for="ch" refType="h"/>
-              </dgm:constrLst>
-              <dgm:ruleLst/>
-              <dgm:layoutNode name="connectorText">
-                <dgm:alg type="tx">
-                  <dgm:param type="autoTxRot" val="grav"/>
-                </dgm:alg>
-                <dgm:shape xmlns:r="http://schemas.openxmlformats.org/officeDocument/2006/relationships" type="conn" r:blip="" hideGeom="1">
-                  <dgm:adjLst/>
-                </dgm:shape>
-                <dgm:presOf axis="self"/>
-                <dgm:constrLst>
-                  <dgm:constr type="lMarg"/>
-                  <dgm:constr type="rMarg"/>
-                  <dgm:constr type="tMarg"/>
-                  <dgm:constr type="bMarg"/>
-                </dgm:constrLst>
-                <dgm:ruleLst>
-                  <dgm:rule type="primFontSz" val="5" fact="NaN" max="NaN"/>
-                </dgm:ruleLst>
-              </dgm:layoutNode>
-            </dgm:layoutNode>
-          </dgm:forEach>
-        </dgm:if>
-        <dgm:else name="Name14"/>
-      </dgm:choose>
-    </dgm:forEach>
-  </dgm:layoutNode>
-</dgm:layoutDef>
-</file>
-
 <file path=ppt/diagrams/quickStyle1.xml><?xml version="1.0" encoding="utf-8"?>
 <dgm:styleDef xmlns:dgm="http://schemas.openxmlformats.org/drawingml/2006/diagram" xmlns:a="http://schemas.openxmlformats.org/drawingml/2006/main" uniqueId="urn:microsoft.com/office/officeart/2005/8/quickstyle/3d1">
   <dgm:title val=""/>
@@ -7494,1038 +6096,885 @@
 </dgm:styleDef>
 </file>
 
-<file path=ppt/diagrams/quickStyle3.xml><?xml version="1.0" encoding="utf-8"?>
-<dgm:styleDef xmlns:dgm="http://schemas.openxmlformats.org/drawingml/2006/diagram" xmlns:a="http://schemas.openxmlformats.org/drawingml/2006/main" uniqueId="urn:microsoft.com/office/officeart/2005/8/quickstyle/simple1">
-  <dgm:title val=""/>
-  <dgm:desc val=""/>
-  <dgm:catLst>
-    <dgm:cat type="simple" pri="10100"/>
-  </dgm:catLst>
-  <dgm:scene3d>
-    <a:camera prst="orthographicFront"/>
-    <a:lightRig rig="threePt" dir="t"/>
-  </dgm:scene3d>
-  <dgm:styleLbl name="node0">
-    <dgm:scene3d>
-      <a:camera prst="orthographicFront"/>
-      <a:lightRig rig="threePt" dir="t"/>
-    </dgm:scene3d>
-    <dgm:sp3d/>
-    <dgm:txPr/>
-    <dgm:style>
-      <a:lnRef idx="2">
-        <a:scrgbClr r="0" g="0" b="0"/>
-      </a:lnRef>
-      <a:fillRef idx="1">
-        <a:scrgbClr r="0" g="0" b="0"/>
-      </a:fillRef>
-      <a:effectRef idx="0">
-        <a:scrgbClr r="0" g="0" b="0"/>
-      </a:effectRef>
-      <a:fontRef idx="minor">
-        <a:schemeClr val="lt1"/>
-      </a:fontRef>
-    </dgm:style>
-  </dgm:styleLbl>
-  <dgm:styleLbl name="lnNode1">
-    <dgm:scene3d>
-      <a:camera prst="orthographicFront"/>
-      <a:lightRig rig="threePt" dir="t"/>
-    </dgm:scene3d>
-    <dgm:sp3d/>
-    <dgm:txPr/>
-    <dgm:style>
-      <a:lnRef idx="2">
-        <a:scrgbClr r="0" g="0" b="0"/>
-      </a:lnRef>
-      <a:fillRef idx="1">
-        <a:scrgbClr r="0" g="0" b="0"/>
-      </a:fillRef>
-      <a:effectRef idx="0">
-        <a:scrgbClr r="0" g="0" b="0"/>
-      </a:effectRef>
-      <a:fontRef idx="minor">
-        <a:schemeClr val="lt1"/>
-      </a:fontRef>
-    </dgm:style>
-  </dgm:styleLbl>
-  <dgm:styleLbl name="vennNode1">
-    <dgm:scene3d>
-      <a:camera prst="orthographicFront"/>
-      <a:lightRig rig="threePt" dir="t"/>
-    </dgm:scene3d>
-    <dgm:sp3d/>
-    <dgm:txPr/>
-    <dgm:style>
-      <a:lnRef idx="2">
-        <a:scrgbClr r="0" g="0" b="0"/>
-      </a:lnRef>
-      <a:fillRef idx="1">
-        <a:scrgbClr r="0" g="0" b="0"/>
-      </a:fillRef>
-      <a:effectRef idx="0">
-        <a:scrgbClr r="0" g="0" b="0"/>
-      </a:effectRef>
-      <a:fontRef idx="minor">
-        <a:schemeClr val="tx1"/>
-      </a:fontRef>
-    </dgm:style>
-  </dgm:styleLbl>
-  <dgm:styleLbl name="alignNode1">
-    <dgm:scene3d>
-      <a:camera prst="orthographicFront"/>
-      <a:lightRig rig="threePt" dir="t"/>
-    </dgm:scene3d>
-    <dgm:sp3d/>
-    <dgm:txPr/>
-    <dgm:style>
-      <a:lnRef idx="2">
-        <a:scrgbClr r="0" g="0" b="0"/>
-      </a:lnRef>
-      <a:fillRef idx="1">
-        <a:scrgbClr r="0" g="0" b="0"/>
-      </a:fillRef>
-      <a:effectRef idx="0">
-        <a:scrgbClr r="0" g="0" b="0"/>
-      </a:effectRef>
-      <a:fontRef idx="minor">
-        <a:schemeClr val="lt1"/>
-      </a:fontRef>
-    </dgm:style>
-  </dgm:styleLbl>
-  <dgm:styleLbl name="node1">
-    <dgm:scene3d>
-      <a:camera prst="orthographicFront"/>
-      <a:lightRig rig="threePt" dir="t"/>
-    </dgm:scene3d>
-    <dgm:sp3d/>
-    <dgm:txPr/>
-    <dgm:style>
-      <a:lnRef idx="2">
-        <a:scrgbClr r="0" g="0" b="0"/>
-      </a:lnRef>
-      <a:fillRef idx="1">
-        <a:scrgbClr r="0" g="0" b="0"/>
-      </a:fillRef>
-      <a:effectRef idx="0">
-        <a:scrgbClr r="0" g="0" b="0"/>
-      </a:effectRef>
-      <a:fontRef idx="minor">
-        <a:schemeClr val="lt1"/>
-      </a:fontRef>
-    </dgm:style>
-  </dgm:styleLbl>
-  <dgm:styleLbl name="node2">
-    <dgm:scene3d>
-      <a:camera prst="orthographicFront"/>
-      <a:lightRig rig="threePt" dir="t"/>
-    </dgm:scene3d>
-    <dgm:sp3d/>
-    <dgm:txPr/>
-    <dgm:style>
-      <a:lnRef idx="2">
-        <a:scrgbClr r="0" g="0" b="0"/>
-      </a:lnRef>
-      <a:fillRef idx="1">
-        <a:scrgbClr r="0" g="0" b="0"/>
-      </a:fillRef>
-      <a:effectRef idx="0">
-        <a:scrgbClr r="0" g="0" b="0"/>
-      </a:effectRef>
-      <a:fontRef idx="minor">
-        <a:schemeClr val="lt1"/>
-      </a:fontRef>
-    </dgm:style>
-  </dgm:styleLbl>
-  <dgm:styleLbl name="node3">
-    <dgm:scene3d>
-      <a:camera prst="orthographicFront"/>
-      <a:lightRig rig="threePt" dir="t"/>
-    </dgm:scene3d>
-    <dgm:sp3d/>
-    <dgm:txPr/>
-    <dgm:style>
-      <a:lnRef idx="2">
-        <a:scrgbClr r="0" g="0" b="0"/>
-      </a:lnRef>
-      <a:fillRef idx="1">
-        <a:scrgbClr r="0" g="0" b="0"/>
-      </a:fillRef>
-      <a:effectRef idx="0">
-        <a:scrgbClr r="0" g="0" b="0"/>
-      </a:effectRef>
-      <a:fontRef idx="minor">
-        <a:schemeClr val="lt1"/>
-      </a:fontRef>
-    </dgm:style>
-  </dgm:styleLbl>
-  <dgm:styleLbl name="node4">
-    <dgm:scene3d>
-      <a:camera prst="orthographicFront"/>
-      <a:lightRig rig="threePt" dir="t"/>
-    </dgm:scene3d>
-    <dgm:sp3d/>
-    <dgm:txPr/>
-    <dgm:style>
-      <a:lnRef idx="2">
-        <a:scrgbClr r="0" g="0" b="0"/>
-      </a:lnRef>
-      <a:fillRef idx="1">
-        <a:scrgbClr r="0" g="0" b="0"/>
-      </a:fillRef>
-      <a:effectRef idx="0">
-        <a:scrgbClr r="0" g="0" b="0"/>
-      </a:effectRef>
-      <a:fontRef idx="minor">
-        <a:schemeClr val="lt1"/>
-      </a:fontRef>
-    </dgm:style>
-  </dgm:styleLbl>
-  <dgm:styleLbl name="fgImgPlace1">
-    <dgm:scene3d>
-      <a:camera prst="orthographicFront"/>
-      <a:lightRig rig="threePt" dir="t"/>
-    </dgm:scene3d>
-    <dgm:sp3d/>
-    <dgm:txPr/>
-    <dgm:style>
-      <a:lnRef idx="2">
-        <a:scrgbClr r="0" g="0" b="0"/>
-      </a:lnRef>
-      <a:fillRef idx="1">
-        <a:scrgbClr r="0" g="0" b="0"/>
-      </a:fillRef>
-      <a:effectRef idx="0">
-        <a:scrgbClr r="0" g="0" b="0"/>
-      </a:effectRef>
-      <a:fontRef idx="minor"/>
-    </dgm:style>
-  </dgm:styleLbl>
-  <dgm:styleLbl name="alignImgPlace1">
-    <dgm:scene3d>
-      <a:camera prst="orthographicFront"/>
-      <a:lightRig rig="threePt" dir="t"/>
-    </dgm:scene3d>
-    <dgm:sp3d/>
-    <dgm:txPr/>
-    <dgm:style>
-      <a:lnRef idx="2">
-        <a:scrgbClr r="0" g="0" b="0"/>
-      </a:lnRef>
-      <a:fillRef idx="1">
-        <a:scrgbClr r="0" g="0" b="0"/>
-      </a:fillRef>
-      <a:effectRef idx="0">
-        <a:scrgbClr r="0" g="0" b="0"/>
-      </a:effectRef>
-      <a:fontRef idx="minor"/>
-    </dgm:style>
-  </dgm:styleLbl>
-  <dgm:styleLbl name="bgImgPlace1">
-    <dgm:scene3d>
-      <a:camera prst="orthographicFront"/>
-      <a:lightRig rig="threePt" dir="t"/>
-    </dgm:scene3d>
-    <dgm:sp3d/>
-    <dgm:txPr/>
-    <dgm:style>
-      <a:lnRef idx="2">
-        <a:scrgbClr r="0" g="0" b="0"/>
-      </a:lnRef>
-      <a:fillRef idx="1">
-        <a:scrgbClr r="0" g="0" b="0"/>
-      </a:fillRef>
-      <a:effectRef idx="0">
-        <a:scrgbClr r="0" g="0" b="0"/>
-      </a:effectRef>
-      <a:fontRef idx="minor"/>
-    </dgm:style>
-  </dgm:styleLbl>
-  <dgm:styleLbl name="sibTrans2D1">
-    <dgm:scene3d>
-      <a:camera prst="orthographicFront"/>
-      <a:lightRig rig="threePt" dir="t"/>
-    </dgm:scene3d>
-    <dgm:sp3d/>
-    <dgm:txPr/>
-    <dgm:style>
-      <a:lnRef idx="0">
-        <a:scrgbClr r="0" g="0" b="0"/>
-      </a:lnRef>
-      <a:fillRef idx="1">
-        <a:scrgbClr r="0" g="0" b="0"/>
-      </a:fillRef>
-      <a:effectRef idx="0">
-        <a:scrgbClr r="0" g="0" b="0"/>
-      </a:effectRef>
-      <a:fontRef idx="minor">
-        <a:schemeClr val="lt1"/>
-      </a:fontRef>
-    </dgm:style>
-  </dgm:styleLbl>
-  <dgm:styleLbl name="fgSibTrans2D1">
-    <dgm:scene3d>
-      <a:camera prst="orthographicFront"/>
-      <a:lightRig rig="threePt" dir="t"/>
-    </dgm:scene3d>
-    <dgm:sp3d/>
-    <dgm:txPr/>
-    <dgm:style>
-      <a:lnRef idx="0">
-        <a:scrgbClr r="0" g="0" b="0"/>
-      </a:lnRef>
-      <a:fillRef idx="1">
-        <a:scrgbClr r="0" g="0" b="0"/>
-      </a:fillRef>
-      <a:effectRef idx="0">
-        <a:scrgbClr r="0" g="0" b="0"/>
-      </a:effectRef>
-      <a:fontRef idx="minor">
-        <a:schemeClr val="lt1"/>
-      </a:fontRef>
-    </dgm:style>
-  </dgm:styleLbl>
-  <dgm:styleLbl name="bgSibTrans2D1">
-    <dgm:scene3d>
-      <a:camera prst="orthographicFront"/>
-      <a:lightRig rig="threePt" dir="t"/>
-    </dgm:scene3d>
-    <dgm:sp3d/>
-    <dgm:txPr/>
-    <dgm:style>
-      <a:lnRef idx="0">
-        <a:scrgbClr r="0" g="0" b="0"/>
-      </a:lnRef>
-      <a:fillRef idx="1">
-        <a:scrgbClr r="0" g="0" b="0"/>
-      </a:fillRef>
-      <a:effectRef idx="0">
-        <a:scrgbClr r="0" g="0" b="0"/>
-      </a:effectRef>
-      <a:fontRef idx="minor">
-        <a:schemeClr val="lt1"/>
-      </a:fontRef>
-    </dgm:style>
-  </dgm:styleLbl>
-  <dgm:styleLbl name="sibTrans1D1">
-    <dgm:scene3d>
-      <a:camera prst="orthographicFront"/>
-      <a:lightRig rig="threePt" dir="t"/>
-    </dgm:scene3d>
-    <dgm:sp3d/>
-    <dgm:txPr/>
-    <dgm:style>
-      <a:lnRef idx="1">
-        <a:scrgbClr r="0" g="0" b="0"/>
-      </a:lnRef>
-      <a:fillRef idx="0">
-        <a:scrgbClr r="0" g="0" b="0"/>
-      </a:fillRef>
-      <a:effectRef idx="0">
-        <a:scrgbClr r="0" g="0" b="0"/>
-      </a:effectRef>
-      <a:fontRef idx="minor"/>
-    </dgm:style>
-  </dgm:styleLbl>
-  <dgm:styleLbl name="callout">
-    <dgm:scene3d>
-      <a:camera prst="orthographicFront"/>
-      <a:lightRig rig="threePt" dir="t"/>
-    </dgm:scene3d>
-    <dgm:sp3d/>
-    <dgm:txPr/>
-    <dgm:style>
-      <a:lnRef idx="2">
-        <a:scrgbClr r="0" g="0" b="0"/>
-      </a:lnRef>
-      <a:fillRef idx="1">
-        <a:scrgbClr r="0" g="0" b="0"/>
-      </a:fillRef>
-      <a:effectRef idx="0">
-        <a:scrgbClr r="0" g="0" b="0"/>
-      </a:effectRef>
-      <a:fontRef idx="minor"/>
-    </dgm:style>
-  </dgm:styleLbl>
-  <dgm:styleLbl name="asst0">
-    <dgm:scene3d>
-      <a:camera prst="orthographicFront"/>
-      <a:lightRig rig="threePt" dir="t"/>
-    </dgm:scene3d>
-    <dgm:sp3d/>
-    <dgm:txPr/>
-    <dgm:style>
-      <a:lnRef idx="2">
-        <a:scrgbClr r="0" g="0" b="0"/>
-      </a:lnRef>
-      <a:fillRef idx="1">
-        <a:scrgbClr r="0" g="0" b="0"/>
-      </a:fillRef>
-      <a:effectRef idx="0">
-        <a:scrgbClr r="0" g="0" b="0"/>
-      </a:effectRef>
-      <a:fontRef idx="minor">
-        <a:schemeClr val="lt1"/>
-      </a:fontRef>
-    </dgm:style>
-  </dgm:styleLbl>
-  <dgm:styleLbl name="asst1">
-    <dgm:scene3d>
-      <a:camera prst="orthographicFront"/>
-      <a:lightRig rig="threePt" dir="t"/>
-    </dgm:scene3d>
-    <dgm:sp3d/>
-    <dgm:txPr/>
-    <dgm:style>
-      <a:lnRef idx="2">
-        <a:scrgbClr r="0" g="0" b="0"/>
-      </a:lnRef>
-      <a:fillRef idx="1">
-        <a:scrgbClr r="0" g="0" b="0"/>
-      </a:fillRef>
-      <a:effectRef idx="0">
-        <a:scrgbClr r="0" g="0" b="0"/>
-      </a:effectRef>
-      <a:fontRef idx="minor">
-        <a:schemeClr val="lt1"/>
-      </a:fontRef>
-    </dgm:style>
-  </dgm:styleLbl>
-  <dgm:styleLbl name="asst2">
-    <dgm:scene3d>
-      <a:camera prst="orthographicFront"/>
-      <a:lightRig rig="threePt" dir="t"/>
-    </dgm:scene3d>
-    <dgm:sp3d/>
-    <dgm:txPr/>
-    <dgm:style>
-      <a:lnRef idx="2">
-        <a:scrgbClr r="0" g="0" b="0"/>
-      </a:lnRef>
-      <a:fillRef idx="1">
-        <a:scrgbClr r="0" g="0" b="0"/>
-      </a:fillRef>
-      <a:effectRef idx="0">
-        <a:scrgbClr r="0" g="0" b="0"/>
-      </a:effectRef>
-      <a:fontRef idx="minor">
-        <a:schemeClr val="lt1"/>
-      </a:fontRef>
-    </dgm:style>
-  </dgm:styleLbl>
-  <dgm:styleLbl name="asst3">
-    <dgm:scene3d>
-      <a:camera prst="orthographicFront"/>
-      <a:lightRig rig="threePt" dir="t"/>
-    </dgm:scene3d>
-    <dgm:sp3d/>
-    <dgm:txPr/>
-    <dgm:style>
-      <a:lnRef idx="2">
-        <a:scrgbClr r="0" g="0" b="0"/>
-      </a:lnRef>
-      <a:fillRef idx="1">
-        <a:scrgbClr r="0" g="0" b="0"/>
-      </a:fillRef>
-      <a:effectRef idx="0">
-        <a:scrgbClr r="0" g="0" b="0"/>
-      </a:effectRef>
-      <a:fontRef idx="minor">
-        <a:schemeClr val="lt1"/>
-      </a:fontRef>
-    </dgm:style>
-  </dgm:styleLbl>
-  <dgm:styleLbl name="asst4">
-    <dgm:scene3d>
-      <a:camera prst="orthographicFront"/>
-      <a:lightRig rig="threePt" dir="t"/>
-    </dgm:scene3d>
-    <dgm:sp3d/>
-    <dgm:txPr/>
-    <dgm:style>
-      <a:lnRef idx="2">
-        <a:scrgbClr r="0" g="0" b="0"/>
-      </a:lnRef>
-      <a:fillRef idx="1">
-        <a:scrgbClr r="0" g="0" b="0"/>
-      </a:fillRef>
-      <a:effectRef idx="0">
-        <a:scrgbClr r="0" g="0" b="0"/>
-      </a:effectRef>
-      <a:fontRef idx="minor">
-        <a:schemeClr val="lt1"/>
-      </a:fontRef>
-    </dgm:style>
-  </dgm:styleLbl>
-  <dgm:styleLbl name="parChTrans2D1">
-    <dgm:scene3d>
-      <a:camera prst="orthographicFront"/>
-      <a:lightRig rig="threePt" dir="t"/>
-    </dgm:scene3d>
-    <dgm:sp3d/>
-    <dgm:txPr/>
-    <dgm:style>
-      <a:lnRef idx="2">
-        <a:scrgbClr r="0" g="0" b="0"/>
-      </a:lnRef>
-      <a:fillRef idx="1">
-        <a:scrgbClr r="0" g="0" b="0"/>
-      </a:fillRef>
-      <a:effectRef idx="0">
-        <a:scrgbClr r="0" g="0" b="0"/>
-      </a:effectRef>
-      <a:fontRef idx="minor">
-        <a:schemeClr val="lt1"/>
-      </a:fontRef>
-    </dgm:style>
-  </dgm:styleLbl>
-  <dgm:styleLbl name="parChTrans2D2">
-    <dgm:scene3d>
-      <a:camera prst="orthographicFront"/>
-      <a:lightRig rig="threePt" dir="t"/>
-    </dgm:scene3d>
-    <dgm:sp3d/>
-    <dgm:txPr/>
-    <dgm:style>
-      <a:lnRef idx="2">
-        <a:scrgbClr r="0" g="0" b="0"/>
-      </a:lnRef>
-      <a:fillRef idx="1">
-        <a:scrgbClr r="0" g="0" b="0"/>
-      </a:fillRef>
-      <a:effectRef idx="0">
-        <a:scrgbClr r="0" g="0" b="0"/>
-      </a:effectRef>
-      <a:fontRef idx="minor">
-        <a:schemeClr val="lt1"/>
-      </a:fontRef>
-    </dgm:style>
-  </dgm:styleLbl>
-  <dgm:styleLbl name="parChTrans2D3">
-    <dgm:scene3d>
-      <a:camera prst="orthographicFront"/>
-      <a:lightRig rig="threePt" dir="t"/>
-    </dgm:scene3d>
-    <dgm:sp3d/>
-    <dgm:txPr/>
-    <dgm:style>
-      <a:lnRef idx="2">
-        <a:scrgbClr r="0" g="0" b="0"/>
-      </a:lnRef>
-      <a:fillRef idx="1">
-        <a:scrgbClr r="0" g="0" b="0"/>
-      </a:fillRef>
-      <a:effectRef idx="0">
-        <a:scrgbClr r="0" g="0" b="0"/>
-      </a:effectRef>
-      <a:fontRef idx="minor">
-        <a:schemeClr val="lt1"/>
-      </a:fontRef>
-    </dgm:style>
-  </dgm:styleLbl>
-  <dgm:styleLbl name="parChTrans2D4">
-    <dgm:scene3d>
-      <a:camera prst="orthographicFront"/>
-      <a:lightRig rig="threePt" dir="t"/>
-    </dgm:scene3d>
-    <dgm:sp3d/>
-    <dgm:txPr/>
-    <dgm:style>
-      <a:lnRef idx="2">
-        <a:scrgbClr r="0" g="0" b="0"/>
-      </a:lnRef>
-      <a:fillRef idx="1">
-        <a:scrgbClr r="0" g="0" b="0"/>
-      </a:fillRef>
-      <a:effectRef idx="0">
-        <a:scrgbClr r="0" g="0" b="0"/>
-      </a:effectRef>
-      <a:fontRef idx="minor">
-        <a:schemeClr val="lt1"/>
-      </a:fontRef>
-    </dgm:style>
-  </dgm:styleLbl>
-  <dgm:styleLbl name="parChTrans1D1">
-    <dgm:scene3d>
-      <a:camera prst="orthographicFront"/>
-      <a:lightRig rig="threePt" dir="t"/>
-    </dgm:scene3d>
-    <dgm:sp3d/>
-    <dgm:txPr/>
-    <dgm:style>
-      <a:lnRef idx="2">
-        <a:scrgbClr r="0" g="0" b="0"/>
-      </a:lnRef>
-      <a:fillRef idx="0">
-        <a:scrgbClr r="0" g="0" b="0"/>
-      </a:fillRef>
-      <a:effectRef idx="0">
-        <a:scrgbClr r="0" g="0" b="0"/>
-      </a:effectRef>
-      <a:fontRef idx="minor"/>
-    </dgm:style>
-  </dgm:styleLbl>
-  <dgm:styleLbl name="parChTrans1D2">
-    <dgm:scene3d>
-      <a:camera prst="orthographicFront"/>
-      <a:lightRig rig="threePt" dir="t"/>
-    </dgm:scene3d>
-    <dgm:sp3d/>
-    <dgm:txPr/>
-    <dgm:style>
-      <a:lnRef idx="2">
-        <a:scrgbClr r="0" g="0" b="0"/>
-      </a:lnRef>
-      <a:fillRef idx="0">
-        <a:scrgbClr r="0" g="0" b="0"/>
-      </a:fillRef>
-      <a:effectRef idx="0">
-        <a:scrgbClr r="0" g="0" b="0"/>
-      </a:effectRef>
-      <a:fontRef idx="minor"/>
-    </dgm:style>
-  </dgm:styleLbl>
-  <dgm:styleLbl name="parChTrans1D3">
-    <dgm:scene3d>
-      <a:camera prst="orthographicFront"/>
-      <a:lightRig rig="threePt" dir="t"/>
-    </dgm:scene3d>
-    <dgm:sp3d/>
-    <dgm:txPr/>
-    <dgm:style>
-      <a:lnRef idx="2">
-        <a:scrgbClr r="0" g="0" b="0"/>
-      </a:lnRef>
-      <a:fillRef idx="0">
-        <a:scrgbClr r="0" g="0" b="0"/>
-      </a:fillRef>
-      <a:effectRef idx="0">
-        <a:scrgbClr r="0" g="0" b="0"/>
-      </a:effectRef>
-      <a:fontRef idx="minor"/>
-    </dgm:style>
-  </dgm:styleLbl>
-  <dgm:styleLbl name="parChTrans1D4">
-    <dgm:scene3d>
-      <a:camera prst="orthographicFront"/>
-      <a:lightRig rig="threePt" dir="t"/>
-    </dgm:scene3d>
-    <dgm:sp3d/>
-    <dgm:txPr/>
-    <dgm:style>
-      <a:lnRef idx="2">
-        <a:scrgbClr r="0" g="0" b="0"/>
-      </a:lnRef>
-      <a:fillRef idx="0">
-        <a:scrgbClr r="0" g="0" b="0"/>
-      </a:fillRef>
-      <a:effectRef idx="0">
-        <a:scrgbClr r="0" g="0" b="0"/>
-      </a:effectRef>
-      <a:fontRef idx="minor"/>
-    </dgm:style>
-  </dgm:styleLbl>
-  <dgm:styleLbl name="fgAcc1">
-    <dgm:scene3d>
-      <a:camera prst="orthographicFront"/>
-      <a:lightRig rig="threePt" dir="t"/>
-    </dgm:scene3d>
-    <dgm:sp3d/>
-    <dgm:txPr/>
-    <dgm:style>
-      <a:lnRef idx="2">
-        <a:scrgbClr r="0" g="0" b="0"/>
-      </a:lnRef>
-      <a:fillRef idx="1">
-        <a:scrgbClr r="0" g="0" b="0"/>
-      </a:fillRef>
-      <a:effectRef idx="0">
-        <a:scrgbClr r="0" g="0" b="0"/>
-      </a:effectRef>
-      <a:fontRef idx="minor"/>
-    </dgm:style>
-  </dgm:styleLbl>
-  <dgm:styleLbl name="conFgAcc1">
-    <dgm:scene3d>
-      <a:camera prst="orthographicFront"/>
-      <a:lightRig rig="threePt" dir="t"/>
-    </dgm:scene3d>
-    <dgm:sp3d/>
-    <dgm:txPr/>
-    <dgm:style>
-      <a:lnRef idx="2">
-        <a:scrgbClr r="0" g="0" b="0"/>
-      </a:lnRef>
-      <a:fillRef idx="1">
-        <a:scrgbClr r="0" g="0" b="0"/>
-      </a:fillRef>
-      <a:effectRef idx="0">
-        <a:scrgbClr r="0" g="0" b="0"/>
-      </a:effectRef>
-      <a:fontRef idx="minor"/>
-    </dgm:style>
-  </dgm:styleLbl>
-  <dgm:styleLbl name="alignAcc1">
-    <dgm:scene3d>
-      <a:camera prst="orthographicFront"/>
-      <a:lightRig rig="threePt" dir="t"/>
-    </dgm:scene3d>
-    <dgm:sp3d/>
-    <dgm:txPr/>
-    <dgm:style>
-      <a:lnRef idx="2">
-        <a:scrgbClr r="0" g="0" b="0"/>
-      </a:lnRef>
-      <a:fillRef idx="1">
-        <a:scrgbClr r="0" g="0" b="0"/>
-      </a:fillRef>
-      <a:effectRef idx="0">
-        <a:scrgbClr r="0" g="0" b="0"/>
-      </a:effectRef>
-      <a:fontRef idx="minor"/>
-    </dgm:style>
-  </dgm:styleLbl>
-  <dgm:styleLbl name="trAlignAcc1">
-    <dgm:scene3d>
-      <a:camera prst="orthographicFront"/>
-      <a:lightRig rig="threePt" dir="t"/>
-    </dgm:scene3d>
-    <dgm:sp3d/>
-    <dgm:txPr/>
-    <dgm:style>
-      <a:lnRef idx="1">
-        <a:scrgbClr r="0" g="0" b="0"/>
-      </a:lnRef>
-      <a:fillRef idx="1">
-        <a:scrgbClr r="0" g="0" b="0"/>
-      </a:fillRef>
-      <a:effectRef idx="0">
-        <a:scrgbClr r="0" g="0" b="0"/>
-      </a:effectRef>
-      <a:fontRef idx="minor"/>
-    </dgm:style>
-  </dgm:styleLbl>
-  <dgm:styleLbl name="bgAcc1">
-    <dgm:scene3d>
-      <a:camera prst="orthographicFront"/>
-      <a:lightRig rig="threePt" dir="t"/>
-    </dgm:scene3d>
-    <dgm:sp3d/>
-    <dgm:txPr/>
-    <dgm:style>
-      <a:lnRef idx="2">
-        <a:scrgbClr r="0" g="0" b="0"/>
-      </a:lnRef>
-      <a:fillRef idx="1">
-        <a:scrgbClr r="0" g="0" b="0"/>
-      </a:fillRef>
-      <a:effectRef idx="0">
-        <a:scrgbClr r="0" g="0" b="0"/>
-      </a:effectRef>
-      <a:fontRef idx="minor"/>
-    </dgm:style>
-  </dgm:styleLbl>
-  <dgm:styleLbl name="solidFgAcc1">
-    <dgm:scene3d>
-      <a:camera prst="orthographicFront"/>
-      <a:lightRig rig="threePt" dir="t"/>
-    </dgm:scene3d>
-    <dgm:sp3d/>
-    <dgm:txPr/>
-    <dgm:style>
-      <a:lnRef idx="2">
-        <a:scrgbClr r="0" g="0" b="0"/>
-      </a:lnRef>
-      <a:fillRef idx="1">
-        <a:scrgbClr r="0" g="0" b="0"/>
-      </a:fillRef>
-      <a:effectRef idx="0">
-        <a:scrgbClr r="0" g="0" b="0"/>
-      </a:effectRef>
-      <a:fontRef idx="minor"/>
-    </dgm:style>
-  </dgm:styleLbl>
-  <dgm:styleLbl name="solidAlignAcc1">
-    <dgm:scene3d>
-      <a:camera prst="orthographicFront"/>
-      <a:lightRig rig="threePt" dir="t"/>
-    </dgm:scene3d>
-    <dgm:sp3d/>
-    <dgm:txPr/>
-    <dgm:style>
-      <a:lnRef idx="2">
-        <a:scrgbClr r="0" g="0" b="0"/>
-      </a:lnRef>
-      <a:fillRef idx="1">
-        <a:scrgbClr r="0" g="0" b="0"/>
-      </a:fillRef>
-      <a:effectRef idx="0">
-        <a:scrgbClr r="0" g="0" b="0"/>
-      </a:effectRef>
-      <a:fontRef idx="minor"/>
-    </dgm:style>
-  </dgm:styleLbl>
-  <dgm:styleLbl name="solidBgAcc1">
-    <dgm:scene3d>
-      <a:camera prst="orthographicFront"/>
-      <a:lightRig rig="threePt" dir="t"/>
-    </dgm:scene3d>
-    <dgm:sp3d/>
-    <dgm:txPr/>
-    <dgm:style>
-      <a:lnRef idx="2">
-        <a:scrgbClr r="0" g="0" b="0"/>
-      </a:lnRef>
-      <a:fillRef idx="1">
-        <a:scrgbClr r="0" g="0" b="0"/>
-      </a:fillRef>
-      <a:effectRef idx="0">
-        <a:scrgbClr r="0" g="0" b="0"/>
-      </a:effectRef>
-      <a:fontRef idx="minor"/>
-    </dgm:style>
-  </dgm:styleLbl>
-  <dgm:styleLbl name="fgAccFollowNode1">
-    <dgm:scene3d>
-      <a:camera prst="orthographicFront"/>
-      <a:lightRig rig="threePt" dir="t"/>
-    </dgm:scene3d>
-    <dgm:sp3d/>
-    <dgm:txPr/>
-    <dgm:style>
-      <a:lnRef idx="2">
-        <a:scrgbClr r="0" g="0" b="0"/>
-      </a:lnRef>
-      <a:fillRef idx="1">
-        <a:scrgbClr r="0" g="0" b="0"/>
-      </a:fillRef>
-      <a:effectRef idx="0">
-        <a:scrgbClr r="0" g="0" b="0"/>
-      </a:effectRef>
-      <a:fontRef idx="minor"/>
-    </dgm:style>
-  </dgm:styleLbl>
-  <dgm:styleLbl name="alignAccFollowNode1">
-    <dgm:scene3d>
-      <a:camera prst="orthographicFront"/>
-      <a:lightRig rig="threePt" dir="t"/>
-    </dgm:scene3d>
-    <dgm:sp3d/>
-    <dgm:txPr/>
-    <dgm:style>
-      <a:lnRef idx="2">
-        <a:scrgbClr r="0" g="0" b="0"/>
-      </a:lnRef>
-      <a:fillRef idx="1">
-        <a:scrgbClr r="0" g="0" b="0"/>
-      </a:fillRef>
-      <a:effectRef idx="0">
-        <a:scrgbClr r="0" g="0" b="0"/>
-      </a:effectRef>
-      <a:fontRef idx="minor"/>
-    </dgm:style>
-  </dgm:styleLbl>
-  <dgm:styleLbl name="bgAccFollowNode1">
-    <dgm:scene3d>
-      <a:camera prst="orthographicFront"/>
-      <a:lightRig rig="threePt" dir="t"/>
-    </dgm:scene3d>
-    <dgm:sp3d/>
-    <dgm:txPr/>
-    <dgm:style>
-      <a:lnRef idx="2">
-        <a:scrgbClr r="0" g="0" b="0"/>
-      </a:lnRef>
-      <a:fillRef idx="1">
-        <a:scrgbClr r="0" g="0" b="0"/>
-      </a:fillRef>
-      <a:effectRef idx="0">
-        <a:scrgbClr r="0" g="0" b="0"/>
-      </a:effectRef>
-      <a:fontRef idx="minor"/>
-    </dgm:style>
-  </dgm:styleLbl>
-  <dgm:styleLbl name="fgAcc0">
-    <dgm:scene3d>
-      <a:camera prst="orthographicFront"/>
-      <a:lightRig rig="threePt" dir="t"/>
-    </dgm:scene3d>
-    <dgm:sp3d/>
-    <dgm:txPr/>
-    <dgm:style>
-      <a:lnRef idx="2">
-        <a:scrgbClr r="0" g="0" b="0"/>
-      </a:lnRef>
-      <a:fillRef idx="1">
-        <a:scrgbClr r="0" g="0" b="0"/>
-      </a:fillRef>
-      <a:effectRef idx="0">
-        <a:scrgbClr r="0" g="0" b="0"/>
-      </a:effectRef>
-      <a:fontRef idx="minor"/>
-    </dgm:style>
-  </dgm:styleLbl>
-  <dgm:styleLbl name="fgAcc2">
-    <dgm:scene3d>
-      <a:camera prst="orthographicFront"/>
-      <a:lightRig rig="threePt" dir="t"/>
-    </dgm:scene3d>
-    <dgm:sp3d/>
-    <dgm:txPr/>
-    <dgm:style>
-      <a:lnRef idx="2">
-        <a:scrgbClr r="0" g="0" b="0"/>
-      </a:lnRef>
-      <a:fillRef idx="1">
-        <a:scrgbClr r="0" g="0" b="0"/>
-      </a:fillRef>
-      <a:effectRef idx="0">
-        <a:scrgbClr r="0" g="0" b="0"/>
-      </a:effectRef>
-      <a:fontRef idx="minor"/>
-    </dgm:style>
-  </dgm:styleLbl>
-  <dgm:styleLbl name="fgAcc3">
-    <dgm:scene3d>
-      <a:camera prst="orthographicFront"/>
-      <a:lightRig rig="threePt" dir="t"/>
-    </dgm:scene3d>
-    <dgm:sp3d/>
-    <dgm:txPr/>
-    <dgm:style>
-      <a:lnRef idx="2">
-        <a:scrgbClr r="0" g="0" b="0"/>
-      </a:lnRef>
-      <a:fillRef idx="1">
-        <a:scrgbClr r="0" g="0" b="0"/>
-      </a:fillRef>
-      <a:effectRef idx="0">
-        <a:scrgbClr r="0" g="0" b="0"/>
-      </a:effectRef>
-      <a:fontRef idx="minor"/>
-    </dgm:style>
-  </dgm:styleLbl>
-  <dgm:styleLbl name="fgAcc4">
-    <dgm:scene3d>
-      <a:camera prst="orthographicFront"/>
-      <a:lightRig rig="threePt" dir="t"/>
-    </dgm:scene3d>
-    <dgm:sp3d/>
-    <dgm:txPr/>
-    <dgm:style>
-      <a:lnRef idx="2">
-        <a:scrgbClr r="0" g="0" b="0"/>
-      </a:lnRef>
-      <a:fillRef idx="1">
-        <a:scrgbClr r="0" g="0" b="0"/>
-      </a:fillRef>
-      <a:effectRef idx="0">
-        <a:scrgbClr r="0" g="0" b="0"/>
-      </a:effectRef>
-      <a:fontRef idx="minor"/>
-    </dgm:style>
-  </dgm:styleLbl>
-  <dgm:styleLbl name="bgShp">
-    <dgm:scene3d>
-      <a:camera prst="orthographicFront"/>
-      <a:lightRig rig="threePt" dir="t"/>
-    </dgm:scene3d>
-    <dgm:sp3d/>
-    <dgm:txPr/>
-    <dgm:style>
-      <a:lnRef idx="0">
-        <a:scrgbClr r="0" g="0" b="0"/>
-      </a:lnRef>
-      <a:fillRef idx="1">
-        <a:scrgbClr r="0" g="0" b="0"/>
-      </a:fillRef>
-      <a:effectRef idx="0">
-        <a:scrgbClr r="0" g="0" b="0"/>
-      </a:effectRef>
-      <a:fontRef idx="minor"/>
-    </dgm:style>
-  </dgm:styleLbl>
-  <dgm:styleLbl name="dkBgShp">
-    <dgm:scene3d>
-      <a:camera prst="orthographicFront"/>
-      <a:lightRig rig="threePt" dir="t"/>
-    </dgm:scene3d>
-    <dgm:sp3d/>
-    <dgm:txPr/>
-    <dgm:style>
-      <a:lnRef idx="0">
-        <a:scrgbClr r="0" g="0" b="0"/>
-      </a:lnRef>
-      <a:fillRef idx="1">
-        <a:scrgbClr r="0" g="0" b="0"/>
-      </a:fillRef>
-      <a:effectRef idx="0">
-        <a:scrgbClr r="0" g="0" b="0"/>
-      </a:effectRef>
-      <a:fontRef idx="minor"/>
-    </dgm:style>
-  </dgm:styleLbl>
-  <dgm:styleLbl name="trBgShp">
-    <dgm:scene3d>
-      <a:camera prst="orthographicFront"/>
-      <a:lightRig rig="threePt" dir="t"/>
-    </dgm:scene3d>
-    <dgm:sp3d/>
-    <dgm:txPr/>
-    <dgm:style>
-      <a:lnRef idx="0">
-        <a:scrgbClr r="0" g="0" b="0"/>
-      </a:lnRef>
-      <a:fillRef idx="1">
-        <a:scrgbClr r="0" g="0" b="0"/>
-      </a:fillRef>
-      <a:effectRef idx="0">
-        <a:scrgbClr r="0" g="0" b="0"/>
-      </a:effectRef>
-      <a:fontRef idx="minor"/>
-    </dgm:style>
-  </dgm:styleLbl>
-  <dgm:styleLbl name="fgShp">
-    <dgm:scene3d>
-      <a:camera prst="orthographicFront"/>
-      <a:lightRig rig="threePt" dir="t"/>
-    </dgm:scene3d>
-    <dgm:sp3d/>
-    <dgm:txPr/>
-    <dgm:style>
-      <a:lnRef idx="2">
-        <a:scrgbClr r="0" g="0" b="0"/>
-      </a:lnRef>
-      <a:fillRef idx="1">
-        <a:scrgbClr r="0" g="0" b="0"/>
-      </a:fillRef>
-      <a:effectRef idx="0">
-        <a:scrgbClr r="0" g="0" b="0"/>
-      </a:effectRef>
-      <a:fontRef idx="minor"/>
-    </dgm:style>
-  </dgm:styleLbl>
-  <dgm:styleLbl name="revTx">
-    <dgm:scene3d>
-      <a:camera prst="orthographicFront"/>
-      <a:lightRig rig="threePt" dir="t"/>
-    </dgm:scene3d>
-    <dgm:sp3d/>
-    <dgm:txPr/>
-    <dgm:style>
-      <a:lnRef idx="0">
-        <a:scrgbClr r="0" g="0" b="0"/>
-      </a:lnRef>
-      <a:fillRef idx="0">
-        <a:scrgbClr r="0" g="0" b="0"/>
-      </a:fillRef>
-      <a:effectRef idx="0">
-        <a:scrgbClr r="0" g="0" b="0"/>
-      </a:effectRef>
-      <a:fontRef idx="minor"/>
-    </dgm:style>
-  </dgm:styleLbl>
-</dgm:styleDef>
+<file path=ppt/notesMasters/notesMaster1.xml><?xml version="1.0" encoding="utf-8"?>
+<p:notesMaster xmlns:a="http://schemas.openxmlformats.org/drawingml/2006/main" xmlns:r="http://schemas.openxmlformats.org/officeDocument/2006/relationships" xmlns:p="http://schemas.openxmlformats.org/presentationml/2006/main">
+  <p:cSld>
+    <p:bg>
+      <p:bgRef idx="1001">
+        <a:schemeClr val="bg1"/>
+      </p:bgRef>
+    </p:bg>
+    <p:spTree>
+      <p:nvGrpSpPr>
+        <p:cNvPr id="1" name=""/>
+        <p:cNvGrpSpPr/>
+        <p:nvPr/>
+      </p:nvGrpSpPr>
+      <p:grpSpPr>
+        <a:xfrm>
+          <a:off x="0" y="0"/>
+          <a:ext cx="0" cy="0"/>
+          <a:chOff x="0" y="0"/>
+          <a:chExt cx="0" cy="0"/>
+        </a:xfrm>
+      </p:grpSpPr>
+      <p:sp>
+        <p:nvSpPr>
+          <p:cNvPr id="2" name="Header Placeholder 1"/>
+          <p:cNvSpPr>
+            <a:spLocks noGrp="1"/>
+          </p:cNvSpPr>
+          <p:nvPr>
+            <p:ph type="hdr" sz="quarter"/>
+          </p:nvPr>
+        </p:nvSpPr>
+        <p:spPr>
+          <a:xfrm>
+            <a:off x="0" y="0"/>
+            <a:ext cx="2971800" cy="457200"/>
+          </a:xfrm>
+          <a:prstGeom prst="rect">
+            <a:avLst/>
+          </a:prstGeom>
+        </p:spPr>
+        <p:txBody>
+          <a:bodyPr vert="horz" lIns="91440" tIns="45720" rIns="91440" bIns="45720" rtlCol="0"/>
+          <a:lstStyle>
+            <a:lvl1pPr algn="l">
+              <a:defRPr sz="1200"/>
+            </a:lvl1pPr>
+          </a:lstStyle>
+          <a:p>
+            <a:endParaRPr lang="en-US"/>
+          </a:p>
+        </p:txBody>
+      </p:sp>
+      <p:sp>
+        <p:nvSpPr>
+          <p:cNvPr id="3" name="Date Placeholder 2"/>
+          <p:cNvSpPr>
+            <a:spLocks noGrp="1"/>
+          </p:cNvSpPr>
+          <p:nvPr>
+            <p:ph type="dt" idx="1"/>
+          </p:nvPr>
+        </p:nvSpPr>
+        <p:spPr>
+          <a:xfrm>
+            <a:off x="3884613" y="0"/>
+            <a:ext cx="2971800" cy="457200"/>
+          </a:xfrm>
+          <a:prstGeom prst="rect">
+            <a:avLst/>
+          </a:prstGeom>
+        </p:spPr>
+        <p:txBody>
+          <a:bodyPr vert="horz" lIns="91440" tIns="45720" rIns="91440" bIns="45720" rtlCol="0"/>
+          <a:lstStyle>
+            <a:lvl1pPr algn="r">
+              <a:defRPr sz="1200"/>
+            </a:lvl1pPr>
+          </a:lstStyle>
+          <a:p>
+            <a:fld id="{39DB3767-7454-4CF1-90CF-44DB48953473}" type="datetimeFigureOut">
+              <a:rPr lang="en-US" smtClean="0"/>
+              <a:t>3/16/2012</a:t>
+            </a:fld>
+            <a:endParaRPr lang="en-US"/>
+          </a:p>
+        </p:txBody>
+      </p:sp>
+      <p:sp>
+        <p:nvSpPr>
+          <p:cNvPr id="4" name="Slide Image Placeholder 3"/>
+          <p:cNvSpPr>
+            <a:spLocks noGrp="1" noRot="1" noChangeAspect="1"/>
+          </p:cNvSpPr>
+          <p:nvPr>
+            <p:ph type="sldImg" idx="2"/>
+          </p:nvPr>
+        </p:nvSpPr>
+        <p:spPr>
+          <a:xfrm>
+            <a:off x="1143000" y="685800"/>
+            <a:ext cx="4572000" cy="3429000"/>
+          </a:xfrm>
+          <a:prstGeom prst="rect">
+            <a:avLst/>
+          </a:prstGeom>
+          <a:noFill/>
+          <a:ln w="12700">
+            <a:solidFill>
+              <a:prstClr val="black"/>
+            </a:solidFill>
+          </a:ln>
+        </p:spPr>
+        <p:txBody>
+          <a:bodyPr vert="horz" lIns="91440" tIns="45720" rIns="91440" bIns="45720" rtlCol="0" anchor="ctr"/>
+          <a:lstStyle/>
+          <a:p>
+            <a:endParaRPr lang="en-US"/>
+          </a:p>
+        </p:txBody>
+      </p:sp>
+      <p:sp>
+        <p:nvSpPr>
+          <p:cNvPr id="5" name="Notes Placeholder 4"/>
+          <p:cNvSpPr>
+            <a:spLocks noGrp="1"/>
+          </p:cNvSpPr>
+          <p:nvPr>
+            <p:ph type="body" sz="quarter" idx="3"/>
+          </p:nvPr>
+        </p:nvSpPr>
+        <p:spPr>
+          <a:xfrm>
+            <a:off x="685800" y="4343400"/>
+            <a:ext cx="5486400" cy="4114800"/>
+          </a:xfrm>
+          <a:prstGeom prst="rect">
+            <a:avLst/>
+          </a:prstGeom>
+        </p:spPr>
+        <p:txBody>
+          <a:bodyPr vert="horz" lIns="91440" tIns="45720" rIns="91440" bIns="45720" rtlCol="0"/>
+          <a:lstStyle/>
+          <a:p>
+            <a:pPr lvl="0"/>
+            <a:r>
+              <a:rPr lang="en-US" smtClean="0"/>
+              <a:t>Click to edit Master text styles</a:t>
+            </a:r>
+          </a:p>
+          <a:p>
+            <a:pPr lvl="1"/>
+            <a:r>
+              <a:rPr lang="en-US" smtClean="0"/>
+              <a:t>Second level</a:t>
+            </a:r>
+          </a:p>
+          <a:p>
+            <a:pPr lvl="2"/>
+            <a:r>
+              <a:rPr lang="en-US" smtClean="0"/>
+              <a:t>Third level</a:t>
+            </a:r>
+          </a:p>
+          <a:p>
+            <a:pPr lvl="3"/>
+            <a:r>
+              <a:rPr lang="en-US" smtClean="0"/>
+              <a:t>Fourth level</a:t>
+            </a:r>
+          </a:p>
+          <a:p>
+            <a:pPr lvl="4"/>
+            <a:r>
+              <a:rPr lang="en-US" smtClean="0"/>
+              <a:t>Fifth level</a:t>
+            </a:r>
+            <a:endParaRPr lang="en-US"/>
+          </a:p>
+        </p:txBody>
+      </p:sp>
+      <p:sp>
+        <p:nvSpPr>
+          <p:cNvPr id="6" name="Footer Placeholder 5"/>
+          <p:cNvSpPr>
+            <a:spLocks noGrp="1"/>
+          </p:cNvSpPr>
+          <p:nvPr>
+            <p:ph type="ftr" sz="quarter" idx="4"/>
+          </p:nvPr>
+        </p:nvSpPr>
+        <p:spPr>
+          <a:xfrm>
+            <a:off x="0" y="8685213"/>
+            <a:ext cx="2971800" cy="457200"/>
+          </a:xfrm>
+          <a:prstGeom prst="rect">
+            <a:avLst/>
+          </a:prstGeom>
+        </p:spPr>
+        <p:txBody>
+          <a:bodyPr vert="horz" lIns="91440" tIns="45720" rIns="91440" bIns="45720" rtlCol="0" anchor="b"/>
+          <a:lstStyle>
+            <a:lvl1pPr algn="l">
+              <a:defRPr sz="1200"/>
+            </a:lvl1pPr>
+          </a:lstStyle>
+          <a:p>
+            <a:endParaRPr lang="en-US"/>
+          </a:p>
+        </p:txBody>
+      </p:sp>
+      <p:sp>
+        <p:nvSpPr>
+          <p:cNvPr id="7" name="Slide Number Placeholder 6"/>
+          <p:cNvSpPr>
+            <a:spLocks noGrp="1"/>
+          </p:cNvSpPr>
+          <p:nvPr>
+            <p:ph type="sldNum" sz="quarter" idx="5"/>
+          </p:nvPr>
+        </p:nvSpPr>
+        <p:spPr>
+          <a:xfrm>
+            <a:off x="3884613" y="8685213"/>
+            <a:ext cx="2971800" cy="457200"/>
+          </a:xfrm>
+          <a:prstGeom prst="rect">
+            <a:avLst/>
+          </a:prstGeom>
+        </p:spPr>
+        <p:txBody>
+          <a:bodyPr vert="horz" lIns="91440" tIns="45720" rIns="91440" bIns="45720" rtlCol="0" anchor="b"/>
+          <a:lstStyle>
+            <a:lvl1pPr algn="r">
+              <a:defRPr sz="1200"/>
+            </a:lvl1pPr>
+          </a:lstStyle>
+          <a:p>
+            <a:fld id="{FC500BFA-F919-40C2-B885-934A3C946D61}" type="slidenum">
+              <a:rPr lang="en-US" smtClean="0"/>
+              <a:t>‹#›</a:t>
+            </a:fld>
+            <a:endParaRPr lang="en-US"/>
+          </a:p>
+        </p:txBody>
+      </p:sp>
+    </p:spTree>
+    <p:extLst>
+      <p:ext uri="{BB962C8B-B14F-4D97-AF65-F5344CB8AC3E}">
+        <p14:creationId xmlns:p14="http://schemas.microsoft.com/office/powerpoint/2010/main" val="1285013924"/>
+      </p:ext>
+    </p:extLst>
+  </p:cSld>
+  <p:clrMap bg1="lt1" tx1="dk1" bg2="lt2" tx2="dk2" accent1="accent1" accent2="accent2" accent3="accent3" accent4="accent4" accent5="accent5" accent6="accent6" hlink="hlink" folHlink="folHlink"/>
+  <p:notesStyle>
+    <a:lvl1pPr marL="0" algn="l" defTabSz="914400" rtl="0" eaLnBrk="1" latinLnBrk="0" hangingPunct="1">
+      <a:defRPr sz="1200" kern="1200">
+        <a:solidFill>
+          <a:schemeClr val="tx1"/>
+        </a:solidFill>
+        <a:latin typeface="+mn-lt"/>
+        <a:ea typeface="+mn-ea"/>
+        <a:cs typeface="+mn-cs"/>
+      </a:defRPr>
+    </a:lvl1pPr>
+    <a:lvl2pPr marL="457200" algn="l" defTabSz="914400" rtl="0" eaLnBrk="1" latinLnBrk="0" hangingPunct="1">
+      <a:defRPr sz="1200" kern="1200">
+        <a:solidFill>
+          <a:schemeClr val="tx1"/>
+        </a:solidFill>
+        <a:latin typeface="+mn-lt"/>
+        <a:ea typeface="+mn-ea"/>
+        <a:cs typeface="+mn-cs"/>
+      </a:defRPr>
+    </a:lvl2pPr>
+    <a:lvl3pPr marL="914400" algn="l" defTabSz="914400" rtl="0" eaLnBrk="1" latinLnBrk="0" hangingPunct="1">
+      <a:defRPr sz="1200" kern="1200">
+        <a:solidFill>
+          <a:schemeClr val="tx1"/>
+        </a:solidFill>
+        <a:latin typeface="+mn-lt"/>
+        <a:ea typeface="+mn-ea"/>
+        <a:cs typeface="+mn-cs"/>
+      </a:defRPr>
+    </a:lvl3pPr>
+    <a:lvl4pPr marL="1371600" algn="l" defTabSz="914400" rtl="0" eaLnBrk="1" latinLnBrk="0" hangingPunct="1">
+      <a:defRPr sz="1200" kern="1200">
+        <a:solidFill>
+          <a:schemeClr val="tx1"/>
+        </a:solidFill>
+        <a:latin typeface="+mn-lt"/>
+        <a:ea typeface="+mn-ea"/>
+        <a:cs typeface="+mn-cs"/>
+      </a:defRPr>
+    </a:lvl4pPr>
+    <a:lvl5pPr marL="1828800" algn="l" defTabSz="914400" rtl="0" eaLnBrk="1" latinLnBrk="0" hangingPunct="1">
+      <a:defRPr sz="1200" kern="1200">
+        <a:solidFill>
+          <a:schemeClr val="tx1"/>
+        </a:solidFill>
+        <a:latin typeface="+mn-lt"/>
+        <a:ea typeface="+mn-ea"/>
+        <a:cs typeface="+mn-cs"/>
+      </a:defRPr>
+    </a:lvl5pPr>
+    <a:lvl6pPr marL="2286000" algn="l" defTabSz="914400" rtl="0" eaLnBrk="1" latinLnBrk="0" hangingPunct="1">
+      <a:defRPr sz="1200" kern="1200">
+        <a:solidFill>
+          <a:schemeClr val="tx1"/>
+        </a:solidFill>
+        <a:latin typeface="+mn-lt"/>
+        <a:ea typeface="+mn-ea"/>
+        <a:cs typeface="+mn-cs"/>
+      </a:defRPr>
+    </a:lvl6pPr>
+    <a:lvl7pPr marL="2743200" algn="l" defTabSz="914400" rtl="0" eaLnBrk="1" latinLnBrk="0" hangingPunct="1">
+      <a:defRPr sz="1200" kern="1200">
+        <a:solidFill>
+          <a:schemeClr val="tx1"/>
+        </a:solidFill>
+        <a:latin typeface="+mn-lt"/>
+        <a:ea typeface="+mn-ea"/>
+        <a:cs typeface="+mn-cs"/>
+      </a:defRPr>
+    </a:lvl7pPr>
+    <a:lvl8pPr marL="3200400" algn="l" defTabSz="914400" rtl="0" eaLnBrk="1" latinLnBrk="0" hangingPunct="1">
+      <a:defRPr sz="1200" kern="1200">
+        <a:solidFill>
+          <a:schemeClr val="tx1"/>
+        </a:solidFill>
+        <a:latin typeface="+mn-lt"/>
+        <a:ea typeface="+mn-ea"/>
+        <a:cs typeface="+mn-cs"/>
+      </a:defRPr>
+    </a:lvl8pPr>
+    <a:lvl9pPr marL="3657600" algn="l" defTabSz="914400" rtl="0" eaLnBrk="1" latinLnBrk="0" hangingPunct="1">
+      <a:defRPr sz="1200" kern="1200">
+        <a:solidFill>
+          <a:schemeClr val="tx1"/>
+        </a:solidFill>
+        <a:latin typeface="+mn-lt"/>
+        <a:ea typeface="+mn-ea"/>
+        <a:cs typeface="+mn-cs"/>
+      </a:defRPr>
+    </a:lvl9pPr>
+  </p:notesStyle>
+</p:notesMaster>
+</file>
+
+<file path=ppt/notesSlides/notesSlide1.xml><?xml version="1.0" encoding="utf-8"?>
+<p:notes xmlns:a="http://schemas.openxmlformats.org/drawingml/2006/main" xmlns:r="http://schemas.openxmlformats.org/officeDocument/2006/relationships" xmlns:p="http://schemas.openxmlformats.org/presentationml/2006/main">
+  <p:cSld>
+    <p:spTree>
+      <p:nvGrpSpPr>
+        <p:cNvPr id="1" name=""/>
+        <p:cNvGrpSpPr/>
+        <p:nvPr/>
+      </p:nvGrpSpPr>
+      <p:grpSpPr>
+        <a:xfrm>
+          <a:off x="0" y="0"/>
+          <a:ext cx="0" cy="0"/>
+          <a:chOff x="0" y="0"/>
+          <a:chExt cx="0" cy="0"/>
+        </a:xfrm>
+      </p:grpSpPr>
+      <p:sp>
+        <p:nvSpPr>
+          <p:cNvPr id="2" name="Slide Image Placeholder 1"/>
+          <p:cNvSpPr>
+            <a:spLocks noGrp="1" noRot="1" noChangeAspect="1"/>
+          </p:cNvSpPr>
+          <p:nvPr>
+            <p:ph type="sldImg"/>
+          </p:nvPr>
+        </p:nvSpPr>
+        <p:spPr/>
+      </p:sp>
+      <p:sp>
+        <p:nvSpPr>
+          <p:cNvPr id="3" name="Notes Placeholder 2"/>
+          <p:cNvSpPr>
+            <a:spLocks noGrp="1"/>
+          </p:cNvSpPr>
+          <p:nvPr>
+            <p:ph type="body" idx="1"/>
+          </p:nvPr>
+        </p:nvSpPr>
+        <p:spPr/>
+        <p:txBody>
+          <a:bodyPr/>
+          <a:lstStyle/>
+          <a:p>
+            <a:pPr marL="171450" indent="-171450">
+              <a:buFontTx/>
+              <a:buChar char="-"/>
+            </a:pPr>
+            <a:r>
+              <a:rPr lang="en-US" dirty="0" err="1" smtClean="0"/>
+              <a:t>Sort.Main</a:t>
+            </a:r>
+            <a:r>
+              <a:rPr lang="en-US" dirty="0" smtClean="0"/>
+              <a:t> – violates SRP</a:t>
+            </a:r>
+            <a:r>
+              <a:rPr lang="en-US" baseline="0" dirty="0" smtClean="0"/>
+              <a:t> badly – does input argument validation and everything else.</a:t>
+            </a:r>
+          </a:p>
+          <a:p>
+            <a:pPr marL="171450" indent="-171450">
+              <a:buFontTx/>
+              <a:buChar char="-"/>
+            </a:pPr>
+            <a:r>
+              <a:rPr lang="en-US" baseline="0" dirty="0" smtClean="0"/>
+              <a:t>Because of the direct dependency, cannot fake </a:t>
+            </a:r>
+            <a:r>
+              <a:rPr lang="en-US" baseline="0" dirty="0" err="1" smtClean="0"/>
+              <a:t>Sys.IO.File</a:t>
+            </a:r>
+            <a:r>
+              <a:rPr lang="en-US" baseline="0" dirty="0" smtClean="0"/>
+              <a:t>.</a:t>
+            </a:r>
+          </a:p>
+          <a:p>
+            <a:pPr marL="171450" indent="-171450">
+              <a:buFontTx/>
+              <a:buChar char="-"/>
+            </a:pPr>
+            <a:r>
+              <a:rPr lang="en-US" baseline="0" dirty="0" smtClean="0"/>
+              <a:t>On the other hand if we had a indirect, non-static dependency?</a:t>
+            </a:r>
+          </a:p>
+        </p:txBody>
+      </p:sp>
+      <p:sp>
+        <p:nvSpPr>
+          <p:cNvPr id="4" name="Slide Number Placeholder 3"/>
+          <p:cNvSpPr>
+            <a:spLocks noGrp="1"/>
+          </p:cNvSpPr>
+          <p:nvPr>
+            <p:ph type="sldNum" sz="quarter" idx="10"/>
+          </p:nvPr>
+        </p:nvSpPr>
+        <p:spPr/>
+        <p:txBody>
+          <a:bodyPr/>
+          <a:lstStyle/>
+          <a:p>
+            <a:fld id="{12F600E8-C170-468A-835D-19D719EA26A3}" type="slidenum">
+              <a:rPr lang="en-US" smtClean="0"/>
+              <a:t>1</a:t>
+            </a:fld>
+            <a:endParaRPr lang="en-US"/>
+          </a:p>
+        </p:txBody>
+      </p:sp>
+    </p:spTree>
+    <p:extLst>
+      <p:ext uri="{BB962C8B-B14F-4D97-AF65-F5344CB8AC3E}">
+        <p14:creationId xmlns:p14="http://schemas.microsoft.com/office/powerpoint/2010/main" val="2545165218"/>
+      </p:ext>
+    </p:extLst>
+  </p:cSld>
+  <p:clrMapOvr>
+    <a:masterClrMapping/>
+  </p:clrMapOvr>
+</p:notes>
+</file>
+
+<file path=ppt/notesSlides/notesSlide2.xml><?xml version="1.0" encoding="utf-8"?>
+<p:notes xmlns:a="http://schemas.openxmlformats.org/drawingml/2006/main" xmlns:r="http://schemas.openxmlformats.org/officeDocument/2006/relationships" xmlns:p="http://schemas.openxmlformats.org/presentationml/2006/main">
+  <p:cSld>
+    <p:spTree>
+      <p:nvGrpSpPr>
+        <p:cNvPr id="1" name=""/>
+        <p:cNvGrpSpPr/>
+        <p:nvPr/>
+      </p:nvGrpSpPr>
+      <p:grpSpPr>
+        <a:xfrm>
+          <a:off x="0" y="0"/>
+          <a:ext cx="0" cy="0"/>
+          <a:chOff x="0" y="0"/>
+          <a:chExt cx="0" cy="0"/>
+        </a:xfrm>
+      </p:grpSpPr>
+      <p:sp>
+        <p:nvSpPr>
+          <p:cNvPr id="2" name="Slide Image Placeholder 1"/>
+          <p:cNvSpPr>
+            <a:spLocks noGrp="1" noRot="1" noChangeAspect="1"/>
+          </p:cNvSpPr>
+          <p:nvPr>
+            <p:ph type="sldImg"/>
+          </p:nvPr>
+        </p:nvSpPr>
+        <p:spPr/>
+      </p:sp>
+      <p:sp>
+        <p:nvSpPr>
+          <p:cNvPr id="3" name="Notes Placeholder 2"/>
+          <p:cNvSpPr>
+            <a:spLocks noGrp="1"/>
+          </p:cNvSpPr>
+          <p:nvPr>
+            <p:ph type="body" idx="1"/>
+          </p:nvPr>
+        </p:nvSpPr>
+        <p:spPr/>
+        <p:txBody>
+          <a:bodyPr/>
+          <a:lstStyle/>
+          <a:p>
+            <a:pPr marL="171450" indent="-171450">
+              <a:buFontTx/>
+              <a:buChar char="-"/>
+            </a:pPr>
+            <a:r>
+              <a:rPr lang="en-US" baseline="0" dirty="0" smtClean="0"/>
+              <a:t>Because of the direct dependency, cannot fake </a:t>
+            </a:r>
+            <a:r>
+              <a:rPr lang="en-US" baseline="0" dirty="0" err="1" smtClean="0"/>
+              <a:t>Sys.IO.File</a:t>
+            </a:r>
+            <a:r>
+              <a:rPr lang="en-US" baseline="0" dirty="0" smtClean="0"/>
+              <a:t>.</a:t>
+            </a:r>
+          </a:p>
+          <a:p>
+            <a:pPr marL="171450" indent="-171450">
+              <a:buFontTx/>
+              <a:buChar char="-"/>
+            </a:pPr>
+            <a:r>
+              <a:rPr lang="en-US" baseline="0" dirty="0" smtClean="0"/>
+              <a:t>On the other hand if we had a indirect, non-static dependency?</a:t>
+            </a:r>
+          </a:p>
+          <a:p>
+            <a:endParaRPr lang="en-US" dirty="0"/>
+          </a:p>
+        </p:txBody>
+      </p:sp>
+      <p:sp>
+        <p:nvSpPr>
+          <p:cNvPr id="4" name="Slide Number Placeholder 3"/>
+          <p:cNvSpPr>
+            <a:spLocks noGrp="1"/>
+          </p:cNvSpPr>
+          <p:nvPr>
+            <p:ph type="sldNum" sz="quarter" idx="10"/>
+          </p:nvPr>
+        </p:nvSpPr>
+        <p:spPr/>
+        <p:txBody>
+          <a:bodyPr/>
+          <a:lstStyle/>
+          <a:p>
+            <a:fld id="{12F600E8-C170-468A-835D-19D719EA26A3}" type="slidenum">
+              <a:rPr lang="en-US" smtClean="0"/>
+              <a:t>2</a:t>
+            </a:fld>
+            <a:endParaRPr lang="en-US"/>
+          </a:p>
+        </p:txBody>
+      </p:sp>
+    </p:spTree>
+    <p:extLst>
+      <p:ext uri="{BB962C8B-B14F-4D97-AF65-F5344CB8AC3E}">
+        <p14:creationId xmlns:p14="http://schemas.microsoft.com/office/powerpoint/2010/main" val="519488080"/>
+      </p:ext>
+    </p:extLst>
+  </p:cSld>
+  <p:clrMapOvr>
+    <a:masterClrMapping/>
+  </p:clrMapOvr>
+</p:notes>
+</file>
+
+<file path=ppt/notesSlides/notesSlide3.xml><?xml version="1.0" encoding="utf-8"?>
+<p:notes xmlns:a="http://schemas.openxmlformats.org/drawingml/2006/main" xmlns:r="http://schemas.openxmlformats.org/officeDocument/2006/relationships" xmlns:p="http://schemas.openxmlformats.org/presentationml/2006/main">
+  <p:cSld>
+    <p:spTree>
+      <p:nvGrpSpPr>
+        <p:cNvPr id="1" name=""/>
+        <p:cNvGrpSpPr/>
+        <p:nvPr/>
+      </p:nvGrpSpPr>
+      <p:grpSpPr>
+        <a:xfrm>
+          <a:off x="0" y="0"/>
+          <a:ext cx="0" cy="0"/>
+          <a:chOff x="0" y="0"/>
+          <a:chExt cx="0" cy="0"/>
+        </a:xfrm>
+      </p:grpSpPr>
+      <p:sp>
+        <p:nvSpPr>
+          <p:cNvPr id="2" name="Slide Image Placeholder 1"/>
+          <p:cNvSpPr>
+            <a:spLocks noGrp="1" noRot="1" noChangeAspect="1"/>
+          </p:cNvSpPr>
+          <p:nvPr>
+            <p:ph type="sldImg"/>
+          </p:nvPr>
+        </p:nvSpPr>
+        <p:spPr/>
+      </p:sp>
+      <p:sp>
+        <p:nvSpPr>
+          <p:cNvPr id="3" name="Notes Placeholder 2"/>
+          <p:cNvSpPr>
+            <a:spLocks noGrp="1"/>
+          </p:cNvSpPr>
+          <p:nvPr>
+            <p:ph type="body" idx="1"/>
+          </p:nvPr>
+        </p:nvSpPr>
+        <p:spPr/>
+        <p:txBody>
+          <a:bodyPr/>
+          <a:lstStyle/>
+          <a:p>
+            <a:endParaRPr lang="en-US" dirty="0"/>
+          </a:p>
+        </p:txBody>
+      </p:sp>
+      <p:sp>
+        <p:nvSpPr>
+          <p:cNvPr id="4" name="Slide Number Placeholder 3"/>
+          <p:cNvSpPr>
+            <a:spLocks noGrp="1"/>
+          </p:cNvSpPr>
+          <p:nvPr>
+            <p:ph type="sldNum" sz="quarter" idx="10"/>
+          </p:nvPr>
+        </p:nvSpPr>
+        <p:spPr/>
+        <p:txBody>
+          <a:bodyPr/>
+          <a:lstStyle/>
+          <a:p>
+            <a:fld id="{12F600E8-C170-468A-835D-19D719EA26A3}" type="slidenum">
+              <a:rPr lang="en-US" smtClean="0"/>
+              <a:t>3</a:t>
+            </a:fld>
+            <a:endParaRPr lang="en-US"/>
+          </a:p>
+        </p:txBody>
+      </p:sp>
+    </p:spTree>
+    <p:extLst>
+      <p:ext uri="{BB962C8B-B14F-4D97-AF65-F5344CB8AC3E}">
+        <p14:creationId xmlns:p14="http://schemas.microsoft.com/office/powerpoint/2010/main" val="2678427724"/>
+      </p:ext>
+    </p:extLst>
+  </p:cSld>
+  <p:clrMapOvr>
+    <a:masterClrMapping/>
+  </p:clrMapOvr>
+</p:notes>
+</file>
+
+<file path=ppt/notesSlides/notesSlide4.xml><?xml version="1.0" encoding="utf-8"?>
+<p:notes xmlns:a="http://schemas.openxmlformats.org/drawingml/2006/main" xmlns:r="http://schemas.openxmlformats.org/officeDocument/2006/relationships" xmlns:p="http://schemas.openxmlformats.org/presentationml/2006/main">
+  <p:cSld>
+    <p:spTree>
+      <p:nvGrpSpPr>
+        <p:cNvPr id="1" name=""/>
+        <p:cNvGrpSpPr/>
+        <p:nvPr/>
+      </p:nvGrpSpPr>
+      <p:grpSpPr>
+        <a:xfrm>
+          <a:off x="0" y="0"/>
+          <a:ext cx="0" cy="0"/>
+          <a:chOff x="0" y="0"/>
+          <a:chExt cx="0" cy="0"/>
+        </a:xfrm>
+      </p:grpSpPr>
+      <p:sp>
+        <p:nvSpPr>
+          <p:cNvPr id="2" name="Slide Image Placeholder 1"/>
+          <p:cNvSpPr>
+            <a:spLocks noGrp="1" noRot="1" noChangeAspect="1"/>
+          </p:cNvSpPr>
+          <p:nvPr>
+            <p:ph type="sldImg"/>
+          </p:nvPr>
+        </p:nvSpPr>
+        <p:spPr/>
+      </p:sp>
+      <p:sp>
+        <p:nvSpPr>
+          <p:cNvPr id="3" name="Notes Placeholder 2"/>
+          <p:cNvSpPr>
+            <a:spLocks noGrp="1"/>
+          </p:cNvSpPr>
+          <p:nvPr>
+            <p:ph type="body" idx="1"/>
+          </p:nvPr>
+        </p:nvSpPr>
+        <p:spPr/>
+        <p:txBody>
+          <a:bodyPr/>
+          <a:lstStyle/>
+          <a:p>
+            <a:r>
+              <a:rPr lang="en-US" dirty="0" smtClean="0"/>
+              <a:t>- </a:t>
+            </a:r>
+            <a:r>
+              <a:rPr lang="en-US" dirty="0" err="1" smtClean="0"/>
+              <a:t>Sort.Main</a:t>
+            </a:r>
+            <a:r>
+              <a:rPr lang="en-US" dirty="0" smtClean="0"/>
+              <a:t> – violates SRP</a:t>
+            </a:r>
+            <a:r>
+              <a:rPr lang="en-US" baseline="0" dirty="0" smtClean="0"/>
+              <a:t> badly – does input argument validation and </a:t>
+            </a:r>
+            <a:r>
+              <a:rPr lang="en-US" baseline="0" smtClean="0"/>
+              <a:t>everything else.</a:t>
+            </a:r>
+            <a:endParaRPr lang="en-US" dirty="0"/>
+          </a:p>
+        </p:txBody>
+      </p:sp>
+      <p:sp>
+        <p:nvSpPr>
+          <p:cNvPr id="4" name="Slide Number Placeholder 3"/>
+          <p:cNvSpPr>
+            <a:spLocks noGrp="1"/>
+          </p:cNvSpPr>
+          <p:nvPr>
+            <p:ph type="sldNum" sz="quarter" idx="10"/>
+          </p:nvPr>
+        </p:nvSpPr>
+        <p:spPr/>
+        <p:txBody>
+          <a:bodyPr/>
+          <a:lstStyle/>
+          <a:p>
+            <a:fld id="{12F600E8-C170-468A-835D-19D719EA26A3}" type="slidenum">
+              <a:rPr lang="en-US" smtClean="0"/>
+              <a:t>4</a:t>
+            </a:fld>
+            <a:endParaRPr lang="en-US"/>
+          </a:p>
+        </p:txBody>
+      </p:sp>
+    </p:spTree>
+    <p:extLst>
+      <p:ext uri="{BB962C8B-B14F-4D97-AF65-F5344CB8AC3E}">
+        <p14:creationId xmlns:p14="http://schemas.microsoft.com/office/powerpoint/2010/main" val="2545165218"/>
+      </p:ext>
+    </p:extLst>
+  </p:cSld>
+  <p:clrMapOvr>
+    <a:masterClrMapping/>
+  </p:clrMapOvr>
+</p:notes>
+</file>
+
+<file path=ppt/notesSlides/notesSlide5.xml><?xml version="1.0" encoding="utf-8"?>
+<p:notes xmlns:a="http://schemas.openxmlformats.org/drawingml/2006/main" xmlns:r="http://schemas.openxmlformats.org/officeDocument/2006/relationships" xmlns:p="http://schemas.openxmlformats.org/presentationml/2006/main">
+  <p:cSld>
+    <p:spTree>
+      <p:nvGrpSpPr>
+        <p:cNvPr id="1" name=""/>
+        <p:cNvGrpSpPr/>
+        <p:nvPr/>
+      </p:nvGrpSpPr>
+      <p:grpSpPr>
+        <a:xfrm>
+          <a:off x="0" y="0"/>
+          <a:ext cx="0" cy="0"/>
+          <a:chOff x="0" y="0"/>
+          <a:chExt cx="0" cy="0"/>
+        </a:xfrm>
+      </p:grpSpPr>
+      <p:sp>
+        <p:nvSpPr>
+          <p:cNvPr id="2" name="Slide Image Placeholder 1"/>
+          <p:cNvSpPr>
+            <a:spLocks noGrp="1" noRot="1" noChangeAspect="1"/>
+          </p:cNvSpPr>
+          <p:nvPr>
+            <p:ph type="sldImg"/>
+          </p:nvPr>
+        </p:nvSpPr>
+        <p:spPr/>
+      </p:sp>
+      <p:sp>
+        <p:nvSpPr>
+          <p:cNvPr id="3" name="Notes Placeholder 2"/>
+          <p:cNvSpPr>
+            <a:spLocks noGrp="1"/>
+          </p:cNvSpPr>
+          <p:nvPr>
+            <p:ph type="body" idx="1"/>
+          </p:nvPr>
+        </p:nvSpPr>
+        <p:spPr/>
+        <p:txBody>
+          <a:bodyPr/>
+          <a:lstStyle/>
+          <a:p>
+            <a:r>
+              <a:rPr lang="en-US" dirty="0" smtClean="0"/>
+              <a:t>- </a:t>
+            </a:r>
+            <a:r>
+              <a:rPr lang="en-US" dirty="0" err="1" smtClean="0"/>
+              <a:t>Sort.Main</a:t>
+            </a:r>
+            <a:r>
+              <a:rPr lang="en-US" dirty="0" smtClean="0"/>
+              <a:t> – violates SRP</a:t>
+            </a:r>
+            <a:r>
+              <a:rPr lang="en-US" baseline="0" dirty="0" smtClean="0"/>
+              <a:t> badly – does input argument validation and </a:t>
+            </a:r>
+            <a:r>
+              <a:rPr lang="en-US" baseline="0" smtClean="0"/>
+              <a:t>everything else.</a:t>
+            </a:r>
+            <a:endParaRPr lang="en-US" dirty="0"/>
+          </a:p>
+        </p:txBody>
+      </p:sp>
+      <p:sp>
+        <p:nvSpPr>
+          <p:cNvPr id="4" name="Slide Number Placeholder 3"/>
+          <p:cNvSpPr>
+            <a:spLocks noGrp="1"/>
+          </p:cNvSpPr>
+          <p:nvPr>
+            <p:ph type="sldNum" sz="quarter" idx="10"/>
+          </p:nvPr>
+        </p:nvSpPr>
+        <p:spPr/>
+        <p:txBody>
+          <a:bodyPr/>
+          <a:lstStyle/>
+          <a:p>
+            <a:fld id="{12F600E8-C170-468A-835D-19D719EA26A3}" type="slidenum">
+              <a:rPr lang="en-US" smtClean="0"/>
+              <a:t>5</a:t>
+            </a:fld>
+            <a:endParaRPr lang="en-US"/>
+          </a:p>
+        </p:txBody>
+      </p:sp>
+    </p:spTree>
+    <p:extLst>
+      <p:ext uri="{BB962C8B-B14F-4D97-AF65-F5344CB8AC3E}">
+        <p14:creationId xmlns:p14="http://schemas.microsoft.com/office/powerpoint/2010/main" val="2545165218"/>
+      </p:ext>
+    </p:extLst>
+  </p:cSld>
+  <p:clrMapOvr>
+    <a:masterClrMapping/>
+  </p:clrMapOvr>
+</p:notes>
 </file>
 
 <file path=ppt/slideLayouts/slideLayout1.xml><?xml version="1.0" encoding="utf-8"?>
@@ -8709,7 +7158,7 @@
           <a:p>
             <a:fld id="{55301492-41F6-4A7B-8FB9-1F718E0E05F4}" type="datetimeFigureOut">
               <a:rPr lang="en-US" smtClean="0"/>
-              <a:t>3/7/2012</a:t>
+              <a:t>3/16/2012</a:t>
             </a:fld>
             <a:endParaRPr lang="en-US"/>
           </a:p>
@@ -8879,7 +7328,7 @@
           <a:p>
             <a:fld id="{55301492-41F6-4A7B-8FB9-1F718E0E05F4}" type="datetimeFigureOut">
               <a:rPr lang="en-US" smtClean="0"/>
-              <a:t>3/7/2012</a:t>
+              <a:t>3/16/2012</a:t>
             </a:fld>
             <a:endParaRPr lang="en-US"/>
           </a:p>
@@ -9059,7 +7508,7 @@
           <a:p>
             <a:fld id="{55301492-41F6-4A7B-8FB9-1F718E0E05F4}" type="datetimeFigureOut">
               <a:rPr lang="en-US" smtClean="0"/>
-              <a:t>3/7/2012</a:t>
+              <a:t>3/16/2012</a:t>
             </a:fld>
             <a:endParaRPr lang="en-US"/>
           </a:p>
@@ -9229,7 +7678,7 @@
           <a:p>
             <a:fld id="{55301492-41F6-4A7B-8FB9-1F718E0E05F4}" type="datetimeFigureOut">
               <a:rPr lang="en-US" smtClean="0"/>
-              <a:t>3/7/2012</a:t>
+              <a:t>3/16/2012</a:t>
             </a:fld>
             <a:endParaRPr lang="en-US"/>
           </a:p>
@@ -9475,7 +7924,7 @@
           <a:p>
             <a:fld id="{55301492-41F6-4A7B-8FB9-1F718E0E05F4}" type="datetimeFigureOut">
               <a:rPr lang="en-US" smtClean="0"/>
-              <a:t>3/7/2012</a:t>
+              <a:t>3/16/2012</a:t>
             </a:fld>
             <a:endParaRPr lang="en-US"/>
           </a:p>
@@ -9763,7 +8212,7 @@
           <a:p>
             <a:fld id="{55301492-41F6-4A7B-8FB9-1F718E0E05F4}" type="datetimeFigureOut">
               <a:rPr lang="en-US" smtClean="0"/>
-              <a:t>3/7/2012</a:t>
+              <a:t>3/16/2012</a:t>
             </a:fld>
             <a:endParaRPr lang="en-US"/>
           </a:p>
@@ -10185,7 +8634,7 @@
           <a:p>
             <a:fld id="{55301492-41F6-4A7B-8FB9-1F718E0E05F4}" type="datetimeFigureOut">
               <a:rPr lang="en-US" smtClean="0"/>
-              <a:t>3/7/2012</a:t>
+              <a:t>3/16/2012</a:t>
             </a:fld>
             <a:endParaRPr lang="en-US"/>
           </a:p>
@@ -10303,7 +8752,7 @@
           <a:p>
             <a:fld id="{55301492-41F6-4A7B-8FB9-1F718E0E05F4}" type="datetimeFigureOut">
               <a:rPr lang="en-US" smtClean="0"/>
-              <a:t>3/7/2012</a:t>
+              <a:t>3/16/2012</a:t>
             </a:fld>
             <a:endParaRPr lang="en-US"/>
           </a:p>
@@ -10398,7 +8847,7 @@
           <a:p>
             <a:fld id="{55301492-41F6-4A7B-8FB9-1F718E0E05F4}" type="datetimeFigureOut">
               <a:rPr lang="en-US" smtClean="0"/>
-              <a:t>3/7/2012</a:t>
+              <a:t>3/16/2012</a:t>
             </a:fld>
             <a:endParaRPr lang="en-US"/>
           </a:p>
@@ -10675,7 +9124,7 @@
           <a:p>
             <a:fld id="{55301492-41F6-4A7B-8FB9-1F718E0E05F4}" type="datetimeFigureOut">
               <a:rPr lang="en-US" smtClean="0"/>
-              <a:t>3/7/2012</a:t>
+              <a:t>3/16/2012</a:t>
             </a:fld>
             <a:endParaRPr lang="en-US"/>
           </a:p>
@@ -10928,7 +9377,7 @@
           <a:p>
             <a:fld id="{55301492-41F6-4A7B-8FB9-1F718E0E05F4}" type="datetimeFigureOut">
               <a:rPr lang="en-US" smtClean="0"/>
-              <a:t>3/7/2012</a:t>
+              <a:t>3/16/2012</a:t>
             </a:fld>
             <a:endParaRPr lang="en-US"/>
           </a:p>
@@ -11141,7 +9590,7 @@
           <a:p>
             <a:fld id="{55301492-41F6-4A7B-8FB9-1F718E0E05F4}" type="datetimeFigureOut">
               <a:rPr lang="en-US" smtClean="0"/>
-              <a:t>3/7/2012</a:t>
+              <a:t>3/16/2012</a:t>
             </a:fld>
             <a:endParaRPr lang="en-US"/>
           </a:p>
@@ -11516,54 +9965,401 @@
           <a:chExt cx="0" cy="0"/>
         </a:xfrm>
       </p:grpSpPr>
-      <p:graphicFrame>
-        <p:nvGraphicFramePr>
-          <p:cNvPr id="5" name="Diagram 4"/>
-          <p:cNvGraphicFramePr/>
-          <p:nvPr>
-            <p:extLst>
-              <p:ext uri="{D42A27DB-BD31-4B8C-83A1-F6EECF244321}">
-                <p14:modId xmlns:p14="http://schemas.microsoft.com/office/powerpoint/2010/main" val="3448346310"/>
-              </p:ext>
-            </p:extLst>
-          </p:nvPr>
-        </p:nvGraphicFramePr>
-        <p:xfrm>
-          <a:off x="533400" y="1295400"/>
-          <a:ext cx="6096000" cy="4064000"/>
-        </p:xfrm>
-        <a:graphic>
-          <a:graphicData uri="http://schemas.openxmlformats.org/drawingml/2006/diagram">
-            <dgm:relIds xmlns:dgm="http://schemas.openxmlformats.org/drawingml/2006/diagram" xmlns:r="http://schemas.openxmlformats.org/officeDocument/2006/relationships" r:dm="rId2" r:lo="rId3" r:qs="rId4" r:cs="rId5"/>
-          </a:graphicData>
-        </a:graphic>
-      </p:graphicFrame>
-      <p:graphicFrame>
-        <p:nvGraphicFramePr>
-          <p:cNvPr id="4" name="Diagram 3"/>
-          <p:cNvGraphicFramePr/>
-          <p:nvPr>
-            <p:extLst>
-              <p:ext uri="{D42A27DB-BD31-4B8C-83A1-F6EECF244321}">
-                <p14:modId xmlns:p14="http://schemas.microsoft.com/office/powerpoint/2010/main" val="4147130976"/>
-              </p:ext>
-            </p:extLst>
-          </p:nvPr>
-        </p:nvGraphicFramePr>
-        <p:xfrm>
-          <a:off x="2133600" y="1295400"/>
-          <a:ext cx="6096000" cy="4064000"/>
-        </p:xfrm>
-        <a:graphic>
-          <a:graphicData uri="http://schemas.openxmlformats.org/drawingml/2006/diagram">
-            <dgm:relIds xmlns:dgm="http://schemas.openxmlformats.org/drawingml/2006/diagram" xmlns:r="http://schemas.openxmlformats.org/officeDocument/2006/relationships" r:dm="rId7" r:lo="rId8" r:qs="rId9" r:cs="rId10"/>
-          </a:graphicData>
-        </a:graphic>
-      </p:graphicFrame>
+      <p:sp>
+        <p:nvSpPr>
+          <p:cNvPr id="4" name="Rounded Rectangle 3"/>
+          <p:cNvSpPr/>
+          <p:nvPr/>
+        </p:nvSpPr>
+        <p:spPr>
+          <a:xfrm>
+            <a:off x="3352800" y="1676400"/>
+            <a:ext cx="1981200" cy="2895600"/>
+          </a:xfrm>
+          <a:prstGeom prst="roundRect">
+            <a:avLst/>
+          </a:prstGeom>
+        </p:spPr>
+        <p:style>
+          <a:lnRef idx="2">
+            <a:schemeClr val="accent1">
+              <a:shade val="50000"/>
+            </a:schemeClr>
+          </a:lnRef>
+          <a:fillRef idx="1">
+            <a:schemeClr val="accent1"/>
+          </a:fillRef>
+          <a:effectRef idx="0">
+            <a:schemeClr val="accent1"/>
+          </a:effectRef>
+          <a:fontRef idx="minor">
+            <a:schemeClr val="lt1"/>
+          </a:fontRef>
+        </p:style>
+        <p:txBody>
+          <a:bodyPr rtlCol="0" anchor="ctr"/>
+          <a:lstStyle/>
+          <a:p>
+            <a:pPr algn="ctr"/>
+            <a:r>
+              <a:rPr lang="en-US" dirty="0" err="1" smtClean="0"/>
+              <a:t>Sort.Main</a:t>
+            </a:r>
+            <a:endParaRPr lang="en-US" dirty="0" smtClean="0"/>
+          </a:p>
+          <a:p>
+            <a:pPr algn="ctr"/>
+            <a:endParaRPr lang="en-US" dirty="0"/>
+          </a:p>
+        </p:txBody>
+      </p:sp>
+      <p:sp>
+        <p:nvSpPr>
+          <p:cNvPr id="5" name="TextBox 4"/>
+          <p:cNvSpPr txBox="1"/>
+          <p:nvPr/>
+        </p:nvSpPr>
+        <p:spPr>
+          <a:xfrm>
+            <a:off x="3352800" y="1295400"/>
+            <a:ext cx="569387" cy="369332"/>
+          </a:xfrm>
+          <a:prstGeom prst="rect">
+            <a:avLst/>
+          </a:prstGeom>
+          <a:noFill/>
+        </p:spPr>
+        <p:txBody>
+          <a:bodyPr wrap="none" rtlCol="0">
+            <a:spAutoFit/>
+          </a:bodyPr>
+          <a:lstStyle/>
+          <a:p>
+            <a:r>
+              <a:rPr lang="en-US" dirty="0" smtClean="0"/>
+              <a:t>Sort</a:t>
+            </a:r>
+            <a:endParaRPr lang="en-US" dirty="0"/>
+          </a:p>
+        </p:txBody>
+      </p:sp>
+      <p:cxnSp>
+        <p:nvCxnSpPr>
+          <p:cNvPr id="7" name="Straight Connector 6"/>
+          <p:cNvCxnSpPr/>
+          <p:nvPr/>
+        </p:nvCxnSpPr>
+        <p:spPr>
+          <a:xfrm>
+            <a:off x="2895600" y="152400"/>
+            <a:ext cx="0" cy="6096000"/>
+          </a:xfrm>
+          <a:prstGeom prst="line">
+            <a:avLst/>
+          </a:prstGeom>
+        </p:spPr>
+        <p:style>
+          <a:lnRef idx="1">
+            <a:schemeClr val="accent1"/>
+          </a:lnRef>
+          <a:fillRef idx="0">
+            <a:schemeClr val="accent1"/>
+          </a:fillRef>
+          <a:effectRef idx="0">
+            <a:schemeClr val="accent1"/>
+          </a:effectRef>
+          <a:fontRef idx="minor">
+            <a:schemeClr val="tx1"/>
+          </a:fontRef>
+        </p:style>
+      </p:cxnSp>
+      <p:sp>
+        <p:nvSpPr>
+          <p:cNvPr id="8" name="Rounded Rectangle 7"/>
+          <p:cNvSpPr/>
+          <p:nvPr/>
+        </p:nvSpPr>
+        <p:spPr>
+          <a:xfrm>
+            <a:off x="228600" y="1295400"/>
+            <a:ext cx="2133600" cy="4419600"/>
+          </a:xfrm>
+          <a:prstGeom prst="roundRect">
+            <a:avLst/>
+          </a:prstGeom>
+        </p:spPr>
+        <p:style>
+          <a:lnRef idx="2">
+            <a:schemeClr val="accent3">
+              <a:shade val="50000"/>
+            </a:schemeClr>
+          </a:lnRef>
+          <a:fillRef idx="1">
+            <a:schemeClr val="accent3"/>
+          </a:fillRef>
+          <a:effectRef idx="0">
+            <a:schemeClr val="accent3"/>
+          </a:effectRef>
+          <a:fontRef idx="minor">
+            <a:schemeClr val="lt1"/>
+          </a:fontRef>
+        </p:style>
+        <p:txBody>
+          <a:bodyPr rtlCol="0" anchor="ctr"/>
+          <a:lstStyle/>
+          <a:p>
+            <a:pPr algn="ctr"/>
+            <a:r>
+              <a:rPr lang="en-US" dirty="0" err="1" smtClean="0"/>
+              <a:t>ArgumentTest</a:t>
+            </a:r>
+            <a:endParaRPr lang="en-US" dirty="0" smtClean="0"/>
+          </a:p>
+          <a:p>
+            <a:pPr algn="ctr"/>
+            <a:endParaRPr lang="en-US" dirty="0"/>
+          </a:p>
+          <a:p>
+            <a:pPr algn="ctr"/>
+            <a:endParaRPr lang="en-US" dirty="0" smtClean="0"/>
+          </a:p>
+          <a:p>
+            <a:pPr algn="ctr"/>
+            <a:endParaRPr lang="en-US" dirty="0"/>
+          </a:p>
+          <a:p>
+            <a:pPr algn="ctr"/>
+            <a:r>
+              <a:rPr lang="en-US" dirty="0" err="1" smtClean="0"/>
+              <a:t>FileInvalidTest</a:t>
+            </a:r>
+            <a:endParaRPr lang="en-US" dirty="0" smtClean="0"/>
+          </a:p>
+          <a:p>
+            <a:pPr algn="ctr"/>
+            <a:endParaRPr lang="en-US" dirty="0"/>
+          </a:p>
+          <a:p>
+            <a:pPr algn="ctr"/>
+            <a:endParaRPr lang="en-US" dirty="0" smtClean="0"/>
+          </a:p>
+          <a:p>
+            <a:pPr algn="ctr"/>
+            <a:endParaRPr lang="en-US" dirty="0"/>
+          </a:p>
+          <a:p>
+            <a:pPr algn="ctr"/>
+            <a:r>
+              <a:rPr lang="en-US" dirty="0" err="1" smtClean="0"/>
+              <a:t>FileValidTest</a:t>
+            </a:r>
+            <a:endParaRPr lang="en-US" dirty="0"/>
+          </a:p>
+          <a:p>
+            <a:pPr algn="ctr"/>
+            <a:endParaRPr lang="en-US" dirty="0" smtClean="0"/>
+          </a:p>
+          <a:p>
+            <a:pPr algn="ctr"/>
+            <a:r>
+              <a:rPr lang="en-US" dirty="0" smtClean="0"/>
+              <a:t>…..</a:t>
+            </a:r>
+          </a:p>
+        </p:txBody>
+      </p:sp>
+      <p:sp>
+        <p:nvSpPr>
+          <p:cNvPr id="12" name="Cloud 11"/>
+          <p:cNvSpPr/>
+          <p:nvPr/>
+        </p:nvSpPr>
+        <p:spPr>
+          <a:xfrm>
+            <a:off x="5651500" y="342900"/>
+            <a:ext cx="3200400" cy="1866900"/>
+          </a:xfrm>
+          <a:prstGeom prst="cloud">
+            <a:avLst/>
+          </a:prstGeom>
+          <a:ln/>
+        </p:spPr>
+        <p:style>
+          <a:lnRef idx="2">
+            <a:schemeClr val="accent6"/>
+          </a:lnRef>
+          <a:fillRef idx="1">
+            <a:schemeClr val="lt1"/>
+          </a:fillRef>
+          <a:effectRef idx="0">
+            <a:schemeClr val="accent6"/>
+          </a:effectRef>
+          <a:fontRef idx="minor">
+            <a:schemeClr val="dk1"/>
+          </a:fontRef>
+        </p:style>
+        <p:txBody>
+          <a:bodyPr rtlCol="0" anchor="ctr"/>
+          <a:lstStyle/>
+          <a:p>
+            <a:pPr algn="ctr"/>
+            <a:r>
+              <a:rPr lang="en-US" dirty="0" smtClean="0"/>
+              <a:t>Current state:</a:t>
+            </a:r>
+          </a:p>
+          <a:p>
+            <a:pPr algn="ctr"/>
+            <a:r>
+              <a:rPr lang="en-US" dirty="0" smtClean="0"/>
+              <a:t>Sort class – one system entry point</a:t>
+            </a:r>
+          </a:p>
+        </p:txBody>
+      </p:sp>
+      <p:cxnSp>
+        <p:nvCxnSpPr>
+          <p:cNvPr id="14" name="Straight Arrow Connector 13"/>
+          <p:cNvCxnSpPr>
+            <a:endCxn id="15" idx="1"/>
+          </p:cNvCxnSpPr>
+          <p:nvPr/>
+        </p:nvCxnSpPr>
+        <p:spPr>
+          <a:xfrm>
+            <a:off x="4495800" y="3048000"/>
+            <a:ext cx="2209800" cy="266700"/>
+          </a:xfrm>
+          <a:prstGeom prst="straightConnector1">
+            <a:avLst/>
+          </a:prstGeom>
+          <a:ln>
+            <a:tailEnd type="arrow"/>
+          </a:ln>
+        </p:spPr>
+        <p:style>
+          <a:lnRef idx="1">
+            <a:schemeClr val="accent1"/>
+          </a:lnRef>
+          <a:fillRef idx="0">
+            <a:schemeClr val="accent1"/>
+          </a:fillRef>
+          <a:effectRef idx="0">
+            <a:schemeClr val="accent1"/>
+          </a:effectRef>
+          <a:fontRef idx="minor">
+            <a:schemeClr val="tx1"/>
+          </a:fontRef>
+        </p:style>
+      </p:cxnSp>
+      <p:sp>
+        <p:nvSpPr>
+          <p:cNvPr id="15" name="Rounded Rectangle 14"/>
+          <p:cNvSpPr/>
+          <p:nvPr/>
+        </p:nvSpPr>
+        <p:spPr>
+          <a:xfrm>
+            <a:off x="6705600" y="2819400"/>
+            <a:ext cx="1752600" cy="990600"/>
+          </a:xfrm>
+          <a:prstGeom prst="roundRect">
+            <a:avLst/>
+          </a:prstGeom>
+        </p:spPr>
+        <p:style>
+          <a:lnRef idx="2">
+            <a:schemeClr val="accent6">
+              <a:shade val="50000"/>
+            </a:schemeClr>
+          </a:lnRef>
+          <a:fillRef idx="1">
+            <a:schemeClr val="accent6"/>
+          </a:fillRef>
+          <a:effectRef idx="0">
+            <a:schemeClr val="accent6"/>
+          </a:effectRef>
+          <a:fontRef idx="minor">
+            <a:schemeClr val="lt1"/>
+          </a:fontRef>
+        </p:style>
+        <p:txBody>
+          <a:bodyPr rtlCol="0" anchor="ctr"/>
+          <a:lstStyle/>
+          <a:p>
+            <a:pPr algn="ctr"/>
+            <a:r>
+              <a:rPr lang="en-US" dirty="0" err="1" smtClean="0"/>
+              <a:t>System.IO.File</a:t>
+            </a:r>
+            <a:endParaRPr lang="en-US" dirty="0"/>
+          </a:p>
+        </p:txBody>
+      </p:sp>
+      <p:sp>
+        <p:nvSpPr>
+          <p:cNvPr id="16" name="TextBox 15"/>
+          <p:cNvSpPr txBox="1"/>
+          <p:nvPr/>
+        </p:nvSpPr>
+        <p:spPr>
+          <a:xfrm>
+            <a:off x="685800" y="533400"/>
+            <a:ext cx="645690" cy="369332"/>
+          </a:xfrm>
+          <a:prstGeom prst="rect">
+            <a:avLst/>
+          </a:prstGeom>
+          <a:noFill/>
+        </p:spPr>
+        <p:txBody>
+          <a:bodyPr wrap="none" rtlCol="0">
+            <a:spAutoFit/>
+          </a:bodyPr>
+          <a:lstStyle/>
+          <a:p>
+            <a:r>
+              <a:rPr lang="en-US" dirty="0" smtClean="0"/>
+              <a:t>Tests</a:t>
+            </a:r>
+            <a:endParaRPr lang="en-US" dirty="0"/>
+          </a:p>
+        </p:txBody>
+      </p:sp>
+      <p:sp>
+        <p:nvSpPr>
+          <p:cNvPr id="17" name="TextBox 16"/>
+          <p:cNvSpPr txBox="1"/>
+          <p:nvPr/>
+        </p:nvSpPr>
+        <p:spPr>
+          <a:xfrm>
+            <a:off x="3352800" y="501134"/>
+            <a:ext cx="667170" cy="369332"/>
+          </a:xfrm>
+          <a:prstGeom prst="rect">
+            <a:avLst/>
+          </a:prstGeom>
+          <a:noFill/>
+        </p:spPr>
+        <p:txBody>
+          <a:bodyPr wrap="none" rtlCol="0">
+            <a:spAutoFit/>
+          </a:bodyPr>
+          <a:lstStyle/>
+          <a:p>
+            <a:r>
+              <a:rPr lang="en-US" dirty="0" smtClean="0"/>
+              <a:t>Code</a:t>
+            </a:r>
+            <a:endParaRPr lang="en-US" dirty="0"/>
+          </a:p>
+        </p:txBody>
+      </p:sp>
     </p:spTree>
     <p:extLst>
       <p:ext uri="{BB962C8B-B14F-4D97-AF65-F5344CB8AC3E}">
-        <p14:creationId xmlns:p14="http://schemas.microsoft.com/office/powerpoint/2010/main" val="2267684826"/>
+        <p14:creationId xmlns:p14="http://schemas.microsoft.com/office/powerpoint/2010/main" val="2537542053"/>
       </p:ext>
     </p:extLst>
   </p:cSld>
@@ -11597,20 +10393,3165 @@
           <a:chExt cx="0" cy="0"/>
         </a:xfrm>
       </p:grpSpPr>
+      <p:sp>
+        <p:nvSpPr>
+          <p:cNvPr id="4" name="Cloud 3"/>
+          <p:cNvSpPr/>
+          <p:nvPr/>
+        </p:nvSpPr>
+        <p:spPr>
+          <a:xfrm>
+            <a:off x="0" y="0"/>
+            <a:ext cx="3886200" cy="2895600"/>
+          </a:xfrm>
+          <a:prstGeom prst="cloud">
+            <a:avLst/>
+          </a:prstGeom>
+        </p:spPr>
+        <p:style>
+          <a:lnRef idx="2">
+            <a:schemeClr val="accent6"/>
+          </a:lnRef>
+          <a:fillRef idx="1">
+            <a:schemeClr val="lt1"/>
+          </a:fillRef>
+          <a:effectRef idx="0">
+            <a:schemeClr val="accent6"/>
+          </a:effectRef>
+          <a:fontRef idx="minor">
+            <a:schemeClr val="dk1"/>
+          </a:fontRef>
+        </p:style>
+        <p:txBody>
+          <a:bodyPr rtlCol="0" anchor="ctr"/>
+          <a:lstStyle/>
+          <a:p>
+            <a:pPr algn="ctr"/>
+            <a:r>
+              <a:rPr lang="en-US" dirty="0" smtClean="0"/>
+              <a:t>Static calls don’t lend themselves to testability</a:t>
+            </a:r>
+          </a:p>
+          <a:p>
+            <a:pPr algn="ctr"/>
+            <a:endParaRPr lang="en-US" dirty="0"/>
+          </a:p>
+          <a:p>
+            <a:pPr algn="ctr"/>
+            <a:r>
+              <a:rPr lang="en-US" dirty="0" smtClean="0"/>
+              <a:t>Cannot fake, cannot replace and are ‘Hard’ wired.</a:t>
+            </a:r>
+            <a:endParaRPr lang="en-US" dirty="0"/>
+          </a:p>
+        </p:txBody>
+      </p:sp>
+      <p:sp>
+        <p:nvSpPr>
+          <p:cNvPr id="5" name="Cloud 4"/>
+          <p:cNvSpPr/>
+          <p:nvPr/>
+        </p:nvSpPr>
+        <p:spPr>
+          <a:xfrm>
+            <a:off x="3048000" y="1905000"/>
+            <a:ext cx="2895600" cy="2133600"/>
+          </a:xfrm>
+          <a:prstGeom prst="cloud">
+            <a:avLst/>
+          </a:prstGeom>
+        </p:spPr>
+        <p:style>
+          <a:lnRef idx="2">
+            <a:schemeClr val="accent6"/>
+          </a:lnRef>
+          <a:fillRef idx="1">
+            <a:schemeClr val="lt1"/>
+          </a:fillRef>
+          <a:effectRef idx="0">
+            <a:schemeClr val="accent6"/>
+          </a:effectRef>
+          <a:fontRef idx="minor">
+            <a:schemeClr val="dk1"/>
+          </a:fontRef>
+        </p:style>
+        <p:txBody>
+          <a:bodyPr rtlCol="0" anchor="ctr"/>
+          <a:lstStyle/>
+          <a:p>
+            <a:pPr algn="ctr"/>
+            <a:r>
+              <a:rPr lang="en-US" dirty="0" smtClean="0"/>
+              <a:t>So, let’s wrap up the static call inside an object?</a:t>
+            </a:r>
+          </a:p>
+          <a:p>
+            <a:pPr algn="ctr"/>
+            <a:r>
+              <a:rPr lang="en-US" dirty="0" smtClean="0"/>
+              <a:t>Say a “</a:t>
+            </a:r>
+            <a:r>
+              <a:rPr lang="en-US" dirty="0" err="1" smtClean="0"/>
+              <a:t>FileWrapper</a:t>
+            </a:r>
+            <a:r>
+              <a:rPr lang="en-US" dirty="0" smtClean="0"/>
+              <a:t>”?</a:t>
+            </a:r>
+            <a:endParaRPr lang="en-US" dirty="0"/>
+          </a:p>
+        </p:txBody>
+      </p:sp>
+      <p:sp>
+        <p:nvSpPr>
+          <p:cNvPr id="6" name="Cloud 5"/>
+          <p:cNvSpPr/>
+          <p:nvPr/>
+        </p:nvSpPr>
+        <p:spPr>
+          <a:xfrm>
+            <a:off x="5181600" y="3810000"/>
+            <a:ext cx="3886200" cy="2895600"/>
+          </a:xfrm>
+          <a:prstGeom prst="cloud">
+            <a:avLst/>
+          </a:prstGeom>
+        </p:spPr>
+        <p:style>
+          <a:lnRef idx="2">
+            <a:schemeClr val="accent6"/>
+          </a:lnRef>
+          <a:fillRef idx="1">
+            <a:schemeClr val="lt1"/>
+          </a:fillRef>
+          <a:effectRef idx="0">
+            <a:schemeClr val="accent6"/>
+          </a:effectRef>
+          <a:fontRef idx="minor">
+            <a:schemeClr val="dk1"/>
+          </a:fontRef>
+        </p:style>
+        <p:txBody>
+          <a:bodyPr rtlCol="0" anchor="ctr"/>
+          <a:lstStyle/>
+          <a:p>
+            <a:pPr algn="ctr"/>
+            <a:r>
+              <a:rPr lang="en-US" dirty="0" smtClean="0"/>
+              <a:t>With an object dependency, then we could use different objects– A real and a fake one…</a:t>
+            </a:r>
+            <a:endParaRPr lang="en-US" dirty="0"/>
+          </a:p>
+        </p:txBody>
+      </p:sp>
+      <p:sp>
+        <p:nvSpPr>
+          <p:cNvPr id="7" name="Rectangle 6"/>
+          <p:cNvSpPr/>
+          <p:nvPr/>
+        </p:nvSpPr>
+        <p:spPr>
+          <a:xfrm>
+            <a:off x="1905000" y="4267200"/>
+            <a:ext cx="3200400" cy="2438400"/>
+          </a:xfrm>
+          <a:prstGeom prst="rect">
+            <a:avLst/>
+          </a:prstGeom>
+        </p:spPr>
+        <p:style>
+          <a:lnRef idx="2">
+            <a:schemeClr val="accent1"/>
+          </a:lnRef>
+          <a:fillRef idx="1">
+            <a:schemeClr val="lt1"/>
+          </a:fillRef>
+          <a:effectRef idx="0">
+            <a:schemeClr val="accent1"/>
+          </a:effectRef>
+          <a:fontRef idx="minor">
+            <a:schemeClr val="dk1"/>
+          </a:fontRef>
+        </p:style>
+        <p:txBody>
+          <a:bodyPr rtlCol="0" anchor="ctr"/>
+          <a:lstStyle/>
+          <a:p>
+            <a:r>
+              <a:rPr lang="en-US" dirty="0" smtClean="0"/>
+              <a:t>Class </a:t>
+            </a:r>
+            <a:r>
+              <a:rPr lang="en-US" dirty="0" err="1" smtClean="0"/>
+              <a:t>FileWrapper</a:t>
+            </a:r>
+            <a:r>
+              <a:rPr lang="en-US" dirty="0" smtClean="0"/>
+              <a:t> </a:t>
+            </a:r>
+          </a:p>
+          <a:p>
+            <a:r>
+              <a:rPr lang="en-US" dirty="0" smtClean="0"/>
+              <a:t>{</a:t>
+            </a:r>
+          </a:p>
+          <a:p>
+            <a:r>
+              <a:rPr lang="en-US" dirty="0" smtClean="0"/>
+              <a:t>     string path;</a:t>
+            </a:r>
+          </a:p>
+          <a:p>
+            <a:r>
+              <a:rPr lang="en-US" dirty="0"/>
+              <a:t> </a:t>
+            </a:r>
+            <a:r>
+              <a:rPr lang="en-US" dirty="0" smtClean="0"/>
+              <a:t>    </a:t>
+            </a:r>
+            <a:r>
+              <a:rPr lang="en-US" dirty="0" err="1"/>
+              <a:t>b</a:t>
+            </a:r>
+            <a:r>
+              <a:rPr lang="en-US" dirty="0" err="1" smtClean="0"/>
+              <a:t>ool</a:t>
+            </a:r>
+            <a:r>
+              <a:rPr lang="en-US" dirty="0" smtClean="0"/>
+              <a:t> Exists () </a:t>
+            </a:r>
+          </a:p>
+          <a:p>
+            <a:r>
+              <a:rPr lang="en-US" dirty="0"/>
+              <a:t>	</a:t>
+            </a:r>
+            <a:r>
+              <a:rPr lang="en-US" dirty="0" smtClean="0"/>
+              <a:t>{</a:t>
+            </a:r>
+          </a:p>
+          <a:p>
+            <a:r>
+              <a:rPr lang="en-US" dirty="0" smtClean="0"/>
+              <a:t>                 return </a:t>
+            </a:r>
+            <a:r>
+              <a:rPr lang="en-US" dirty="0" err="1" smtClean="0"/>
+              <a:t>File.Exists</a:t>
+            </a:r>
+            <a:r>
+              <a:rPr lang="en-US" dirty="0" smtClean="0"/>
+              <a:t> (path)</a:t>
+            </a:r>
+          </a:p>
+          <a:p>
+            <a:r>
+              <a:rPr lang="en-US" dirty="0" smtClean="0"/>
+              <a:t>	}</a:t>
+            </a:r>
+          </a:p>
+          <a:p>
+            <a:r>
+              <a:rPr lang="en-US" dirty="0"/>
+              <a:t>}</a:t>
+            </a:r>
+          </a:p>
+        </p:txBody>
+      </p:sp>
+    </p:spTree>
+    <p:extLst>
+      <p:ext uri="{BB962C8B-B14F-4D97-AF65-F5344CB8AC3E}">
+        <p14:creationId xmlns:p14="http://schemas.microsoft.com/office/powerpoint/2010/main" val="2266963921"/>
+      </p:ext>
+    </p:extLst>
+  </p:cSld>
+  <p:clrMapOvr>
+    <a:masterClrMapping/>
+  </p:clrMapOvr>
+  <p:timing>
+    <p:tnLst>
+      <p:par>
+        <p:cTn id="1" dur="indefinite" restart="never" nodeType="tmRoot">
+          <p:childTnLst>
+            <p:seq concurrent="1" nextAc="seek">
+              <p:cTn id="2" dur="indefinite" nodeType="mainSeq">
+                <p:childTnLst>
+                  <p:par>
+                    <p:cTn id="3" fill="hold">
+                      <p:stCondLst>
+                        <p:cond delay="indefinite"/>
+                      </p:stCondLst>
+                      <p:childTnLst>
+                        <p:par>
+                          <p:cTn id="4" fill="hold">
+                            <p:stCondLst>
+                              <p:cond delay="0"/>
+                            </p:stCondLst>
+                            <p:childTnLst>
+                              <p:par>
+                                <p:cTn id="5" presetID="10" presetClass="entr" presetSubtype="0" fill="hold" grpId="0" nodeType="clickEffect">
+                                  <p:stCondLst>
+                                    <p:cond delay="0"/>
+                                  </p:stCondLst>
+                                  <p:childTnLst>
+                                    <p:set>
+                                      <p:cBhvr>
+                                        <p:cTn id="6" dur="1" fill="hold">
+                                          <p:stCondLst>
+                                            <p:cond delay="0"/>
+                                          </p:stCondLst>
+                                        </p:cTn>
+                                        <p:tgtEl>
+                                          <p:spTgt spid="5"/>
+                                        </p:tgtEl>
+                                        <p:attrNameLst>
+                                          <p:attrName>style.visibility</p:attrName>
+                                        </p:attrNameLst>
+                                      </p:cBhvr>
+                                      <p:to>
+                                        <p:strVal val="visible"/>
+                                      </p:to>
+                                    </p:set>
+                                    <p:animEffect transition="in" filter="fade">
+                                      <p:cBhvr>
+                                        <p:cTn id="7" dur="500"/>
+                                        <p:tgtEl>
+                                          <p:spTgt spid="5"/>
+                                        </p:tgtEl>
+                                      </p:cBhvr>
+                                    </p:animEffect>
+                                  </p:childTnLst>
+                                </p:cTn>
+                              </p:par>
+                            </p:childTnLst>
+                          </p:cTn>
+                        </p:par>
+                      </p:childTnLst>
+                    </p:cTn>
+                  </p:par>
+                  <p:par>
+                    <p:cTn id="8" fill="hold">
+                      <p:stCondLst>
+                        <p:cond delay="indefinite"/>
+                      </p:stCondLst>
+                      <p:childTnLst>
+                        <p:par>
+                          <p:cTn id="9" fill="hold">
+                            <p:stCondLst>
+                              <p:cond delay="0"/>
+                            </p:stCondLst>
+                            <p:childTnLst>
+                              <p:par>
+                                <p:cTn id="10" presetID="10" presetClass="entr" presetSubtype="0" fill="hold" grpId="0" nodeType="clickEffect">
+                                  <p:stCondLst>
+                                    <p:cond delay="0"/>
+                                  </p:stCondLst>
+                                  <p:childTnLst>
+                                    <p:set>
+                                      <p:cBhvr>
+                                        <p:cTn id="11" dur="1" fill="hold">
+                                          <p:stCondLst>
+                                            <p:cond delay="0"/>
+                                          </p:stCondLst>
+                                        </p:cTn>
+                                        <p:tgtEl>
+                                          <p:spTgt spid="7"/>
+                                        </p:tgtEl>
+                                        <p:attrNameLst>
+                                          <p:attrName>style.visibility</p:attrName>
+                                        </p:attrNameLst>
+                                      </p:cBhvr>
+                                      <p:to>
+                                        <p:strVal val="visible"/>
+                                      </p:to>
+                                    </p:set>
+                                    <p:animEffect transition="in" filter="fade">
+                                      <p:cBhvr>
+                                        <p:cTn id="12" dur="500"/>
+                                        <p:tgtEl>
+                                          <p:spTgt spid="7"/>
+                                        </p:tgtEl>
+                                      </p:cBhvr>
+                                    </p:animEffect>
+                                  </p:childTnLst>
+                                </p:cTn>
+                              </p:par>
+                            </p:childTnLst>
+                          </p:cTn>
+                        </p:par>
+                      </p:childTnLst>
+                    </p:cTn>
+                  </p:par>
+                  <p:par>
+                    <p:cTn id="13" fill="hold">
+                      <p:stCondLst>
+                        <p:cond delay="indefinite"/>
+                      </p:stCondLst>
+                      <p:childTnLst>
+                        <p:par>
+                          <p:cTn id="14" fill="hold">
+                            <p:stCondLst>
+                              <p:cond delay="0"/>
+                            </p:stCondLst>
+                            <p:childTnLst>
+                              <p:par>
+                                <p:cTn id="15" presetID="10" presetClass="entr" presetSubtype="0" fill="hold" grpId="0" nodeType="clickEffect">
+                                  <p:stCondLst>
+                                    <p:cond delay="0"/>
+                                  </p:stCondLst>
+                                  <p:childTnLst>
+                                    <p:set>
+                                      <p:cBhvr>
+                                        <p:cTn id="16" dur="1" fill="hold">
+                                          <p:stCondLst>
+                                            <p:cond delay="0"/>
+                                          </p:stCondLst>
+                                        </p:cTn>
+                                        <p:tgtEl>
+                                          <p:spTgt spid="6"/>
+                                        </p:tgtEl>
+                                        <p:attrNameLst>
+                                          <p:attrName>style.visibility</p:attrName>
+                                        </p:attrNameLst>
+                                      </p:cBhvr>
+                                      <p:to>
+                                        <p:strVal val="visible"/>
+                                      </p:to>
+                                    </p:set>
+                                    <p:animEffect transition="in" filter="fade">
+                                      <p:cBhvr>
+                                        <p:cTn id="17" dur="500"/>
+                                        <p:tgtEl>
+                                          <p:spTgt spid="6"/>
+                                        </p:tgtEl>
+                                      </p:cBhvr>
+                                    </p:animEffect>
+                                  </p:childTnLst>
+                                </p:cTn>
+                              </p:par>
+                            </p:childTnLst>
+                          </p:cTn>
+                        </p:par>
+                      </p:childTnLst>
+                    </p:cTn>
+                  </p:par>
+                </p:childTnLst>
+              </p:cTn>
+              <p:prevCondLst>
+                <p:cond evt="onPrev" delay="0">
+                  <p:tgtEl>
+                    <p:sldTgt/>
+                  </p:tgtEl>
+                </p:cond>
+              </p:prevCondLst>
+              <p:nextCondLst>
+                <p:cond evt="onNext" delay="0">
+                  <p:tgtEl>
+                    <p:sldTgt/>
+                  </p:tgtEl>
+                </p:cond>
+              </p:nextCondLst>
+            </p:seq>
+          </p:childTnLst>
+        </p:cTn>
+      </p:par>
+    </p:tnLst>
+    <p:bldLst>
+      <p:bldP spid="5" grpId="0" animBg="1"/>
+      <p:bldP spid="6" grpId="0" animBg="1"/>
+      <p:bldP spid="7" grpId="0" animBg="1"/>
+    </p:bldLst>
+  </p:timing>
+</p:sld>
+</file>
+
+<file path=ppt/slides/slide3.xml><?xml version="1.0" encoding="utf-8"?>
+<p:sld xmlns:a="http://schemas.openxmlformats.org/drawingml/2006/main" xmlns:r="http://schemas.openxmlformats.org/officeDocument/2006/relationships" xmlns:p="http://schemas.openxmlformats.org/presentationml/2006/main">
+  <p:cSld>
+    <p:spTree>
+      <p:nvGrpSpPr>
+        <p:cNvPr id="1" name=""/>
+        <p:cNvGrpSpPr/>
+        <p:nvPr/>
+      </p:nvGrpSpPr>
+      <p:grpSpPr>
+        <a:xfrm>
+          <a:off x="0" y="0"/>
+          <a:ext cx="0" cy="0"/>
+          <a:chOff x="0" y="0"/>
+          <a:chExt cx="0" cy="0"/>
+        </a:xfrm>
+      </p:grpSpPr>
+      <p:sp>
+        <p:nvSpPr>
+          <p:cNvPr id="4" name="Cloud 3"/>
+          <p:cNvSpPr/>
+          <p:nvPr/>
+        </p:nvSpPr>
+        <p:spPr>
+          <a:xfrm>
+            <a:off x="152400" y="228600"/>
+            <a:ext cx="3886200" cy="2286000"/>
+          </a:xfrm>
+          <a:prstGeom prst="cloud">
+            <a:avLst/>
+          </a:prstGeom>
+        </p:spPr>
+        <p:style>
+          <a:lnRef idx="2">
+            <a:schemeClr val="accent6"/>
+          </a:lnRef>
+          <a:fillRef idx="1">
+            <a:schemeClr val="lt1"/>
+          </a:fillRef>
+          <a:effectRef idx="0">
+            <a:schemeClr val="accent6"/>
+          </a:effectRef>
+          <a:fontRef idx="minor">
+            <a:schemeClr val="dk1"/>
+          </a:fontRef>
+        </p:style>
+        <p:txBody>
+          <a:bodyPr rtlCol="0" anchor="ctr"/>
+          <a:lstStyle/>
+          <a:p>
+            <a:pPr algn="ctr"/>
+            <a:r>
+              <a:rPr lang="en-US" dirty="0" smtClean="0"/>
+              <a:t>We’ve got a </a:t>
+            </a:r>
+            <a:r>
+              <a:rPr lang="en-US" dirty="0" err="1" smtClean="0"/>
+              <a:t>filewrapper</a:t>
+            </a:r>
+            <a:r>
+              <a:rPr lang="en-US" dirty="0" smtClean="0"/>
+              <a:t> – but we need a fake one to behave differently from a real one…</a:t>
+            </a:r>
+          </a:p>
+          <a:p>
+            <a:pPr algn="ctr"/>
+            <a:endParaRPr lang="en-US" dirty="0"/>
+          </a:p>
+        </p:txBody>
+      </p:sp>
+      <p:sp>
+        <p:nvSpPr>
+          <p:cNvPr id="5" name="Rounded Rectangle 4"/>
+          <p:cNvSpPr/>
+          <p:nvPr/>
+        </p:nvSpPr>
+        <p:spPr>
+          <a:xfrm>
+            <a:off x="3429000" y="2171700"/>
+            <a:ext cx="1981200" cy="990600"/>
+          </a:xfrm>
+          <a:prstGeom prst="roundRect">
+            <a:avLst/>
+          </a:prstGeom>
+        </p:spPr>
+        <p:style>
+          <a:lnRef idx="2">
+            <a:schemeClr val="accent1">
+              <a:shade val="50000"/>
+            </a:schemeClr>
+          </a:lnRef>
+          <a:fillRef idx="1">
+            <a:schemeClr val="accent1"/>
+          </a:fillRef>
+          <a:effectRef idx="0">
+            <a:schemeClr val="accent1"/>
+          </a:effectRef>
+          <a:fontRef idx="minor">
+            <a:schemeClr val="lt1"/>
+          </a:fontRef>
+        </p:style>
+        <p:txBody>
+          <a:bodyPr rtlCol="0" anchor="ctr"/>
+          <a:lstStyle/>
+          <a:p>
+            <a:pPr algn="ctr"/>
+            <a:r>
+              <a:rPr lang="en-US" dirty="0" err="1" smtClean="0"/>
+              <a:t>IFileWrapper</a:t>
+            </a:r>
+            <a:endParaRPr lang="en-US" dirty="0" smtClean="0"/>
+          </a:p>
+          <a:p>
+            <a:pPr algn="ctr"/>
+            <a:endParaRPr lang="en-US" dirty="0"/>
+          </a:p>
+        </p:txBody>
+      </p:sp>
+      <p:cxnSp>
+        <p:nvCxnSpPr>
+          <p:cNvPr id="9" name="Elbow Connector 8"/>
+          <p:cNvCxnSpPr>
+            <a:endCxn id="5" idx="2"/>
+          </p:cNvCxnSpPr>
+          <p:nvPr/>
+        </p:nvCxnSpPr>
+        <p:spPr>
+          <a:xfrm rot="16200000" flipV="1">
+            <a:off x="4248150" y="3333750"/>
+            <a:ext cx="1866900" cy="1524000"/>
+          </a:xfrm>
+          <a:prstGeom prst="bentConnector3">
+            <a:avLst>
+              <a:gd name="adj1" fmla="val 50000"/>
+            </a:avLst>
+          </a:prstGeom>
+          <a:ln>
+            <a:tailEnd type="arrow"/>
+          </a:ln>
+        </p:spPr>
+        <p:style>
+          <a:lnRef idx="1">
+            <a:schemeClr val="accent1"/>
+          </a:lnRef>
+          <a:fillRef idx="0">
+            <a:schemeClr val="accent1"/>
+          </a:fillRef>
+          <a:effectRef idx="0">
+            <a:schemeClr val="accent1"/>
+          </a:effectRef>
+          <a:fontRef idx="minor">
+            <a:schemeClr val="tx1"/>
+          </a:fontRef>
+        </p:style>
+      </p:cxnSp>
+      <p:cxnSp>
+        <p:nvCxnSpPr>
+          <p:cNvPr id="11" name="Elbow Connector 10"/>
+          <p:cNvCxnSpPr/>
+          <p:nvPr/>
+        </p:nvCxnSpPr>
+        <p:spPr>
+          <a:xfrm rot="5400000" flipH="1" flipV="1">
+            <a:off x="2831523" y="3311236"/>
+            <a:ext cx="1714500" cy="1447800"/>
+          </a:xfrm>
+          <a:prstGeom prst="bentConnector3">
+            <a:avLst>
+              <a:gd name="adj1" fmla="val 50000"/>
+            </a:avLst>
+          </a:prstGeom>
+          <a:ln>
+            <a:tailEnd type="arrow"/>
+          </a:ln>
+        </p:spPr>
+        <p:style>
+          <a:lnRef idx="1">
+            <a:schemeClr val="accent1"/>
+          </a:lnRef>
+          <a:fillRef idx="0">
+            <a:schemeClr val="accent1"/>
+          </a:fillRef>
+          <a:effectRef idx="0">
+            <a:schemeClr val="accent1"/>
+          </a:effectRef>
+          <a:fontRef idx="minor">
+            <a:schemeClr val="tx1"/>
+          </a:fontRef>
+        </p:style>
+      </p:cxnSp>
+      <p:sp>
+        <p:nvSpPr>
+          <p:cNvPr id="13" name="Rounded Rectangle 12"/>
+          <p:cNvSpPr/>
+          <p:nvPr/>
+        </p:nvSpPr>
+        <p:spPr>
+          <a:xfrm>
+            <a:off x="1974273" y="4892386"/>
+            <a:ext cx="1981200" cy="990600"/>
+          </a:xfrm>
+          <a:prstGeom prst="roundRect">
+            <a:avLst/>
+          </a:prstGeom>
+        </p:spPr>
+        <p:style>
+          <a:lnRef idx="2">
+            <a:schemeClr val="accent1">
+              <a:shade val="50000"/>
+            </a:schemeClr>
+          </a:lnRef>
+          <a:fillRef idx="1">
+            <a:schemeClr val="accent1"/>
+          </a:fillRef>
+          <a:effectRef idx="0">
+            <a:schemeClr val="accent1"/>
+          </a:effectRef>
+          <a:fontRef idx="minor">
+            <a:schemeClr val="lt1"/>
+          </a:fontRef>
+        </p:style>
+        <p:txBody>
+          <a:bodyPr rtlCol="0" anchor="ctr"/>
+          <a:lstStyle/>
+          <a:p>
+            <a:pPr algn="ctr"/>
+            <a:r>
+              <a:rPr lang="en-US" dirty="0" err="1" smtClean="0"/>
+              <a:t>FileWrapper</a:t>
+            </a:r>
+            <a:endParaRPr lang="en-US" dirty="0" smtClean="0"/>
+          </a:p>
+          <a:p>
+            <a:pPr algn="ctr"/>
+            <a:endParaRPr lang="en-US" dirty="0"/>
+          </a:p>
+        </p:txBody>
+      </p:sp>
+      <p:sp>
+        <p:nvSpPr>
+          <p:cNvPr id="14" name="Rounded Rectangle 13"/>
+          <p:cNvSpPr/>
+          <p:nvPr/>
+        </p:nvSpPr>
+        <p:spPr>
+          <a:xfrm>
+            <a:off x="4953000" y="5044786"/>
+            <a:ext cx="1981200" cy="990600"/>
+          </a:xfrm>
+          <a:prstGeom prst="roundRect">
+            <a:avLst/>
+          </a:prstGeom>
+        </p:spPr>
+        <p:style>
+          <a:lnRef idx="2">
+            <a:schemeClr val="accent3">
+              <a:shade val="50000"/>
+            </a:schemeClr>
+          </a:lnRef>
+          <a:fillRef idx="1">
+            <a:schemeClr val="accent3"/>
+          </a:fillRef>
+          <a:effectRef idx="0">
+            <a:schemeClr val="accent3"/>
+          </a:effectRef>
+          <a:fontRef idx="minor">
+            <a:schemeClr val="lt1"/>
+          </a:fontRef>
+        </p:style>
+        <p:txBody>
+          <a:bodyPr rtlCol="0" anchor="ctr"/>
+          <a:lstStyle/>
+          <a:p>
+            <a:pPr algn="ctr"/>
+            <a:r>
+              <a:rPr lang="en-US" dirty="0" err="1" smtClean="0"/>
+              <a:t>FakeFileWrapper</a:t>
+            </a:r>
+            <a:endParaRPr lang="en-US" dirty="0" smtClean="0"/>
+          </a:p>
+          <a:p>
+            <a:pPr algn="ctr"/>
+            <a:endParaRPr lang="en-US" dirty="0"/>
+          </a:p>
+        </p:txBody>
+      </p:sp>
+      <p:sp>
+        <p:nvSpPr>
+          <p:cNvPr id="15" name="Cloud 14"/>
+          <p:cNvSpPr/>
+          <p:nvPr/>
+        </p:nvSpPr>
+        <p:spPr>
+          <a:xfrm>
+            <a:off x="5257800" y="19396"/>
+            <a:ext cx="3886200" cy="2286000"/>
+          </a:xfrm>
+          <a:prstGeom prst="cloud">
+            <a:avLst/>
+          </a:prstGeom>
+        </p:spPr>
+        <p:style>
+          <a:lnRef idx="2">
+            <a:schemeClr val="accent6"/>
+          </a:lnRef>
+          <a:fillRef idx="1">
+            <a:schemeClr val="lt1"/>
+          </a:fillRef>
+          <a:effectRef idx="0">
+            <a:schemeClr val="accent6"/>
+          </a:effectRef>
+          <a:fontRef idx="minor">
+            <a:schemeClr val="dk1"/>
+          </a:fontRef>
+        </p:style>
+        <p:txBody>
+          <a:bodyPr rtlCol="0" anchor="ctr"/>
+          <a:lstStyle/>
+          <a:p>
+            <a:pPr>
+              <a:defRPr/>
+            </a:pPr>
+            <a:r>
+              <a:rPr lang="en-US" dirty="0"/>
+              <a:t>And we don’t want to hardwire the </a:t>
+            </a:r>
+            <a:r>
+              <a:rPr lang="en-US" dirty="0" err="1"/>
+              <a:t>filewrapper</a:t>
+            </a:r>
+            <a:r>
+              <a:rPr lang="en-US" dirty="0"/>
+              <a:t> dependency now</a:t>
+            </a:r>
+          </a:p>
+          <a:p>
+            <a:pPr algn="ctr"/>
+            <a:endParaRPr lang="en-US" dirty="0"/>
+          </a:p>
+        </p:txBody>
+      </p:sp>
+    </p:spTree>
+    <p:extLst>
+      <p:ext uri="{BB962C8B-B14F-4D97-AF65-F5344CB8AC3E}">
+        <p14:creationId xmlns:p14="http://schemas.microsoft.com/office/powerpoint/2010/main" val="3087955022"/>
+      </p:ext>
+    </p:extLst>
+  </p:cSld>
+  <p:clrMapOvr>
+    <a:masterClrMapping/>
+  </p:clrMapOvr>
+  <p:timing>
+    <p:tnLst>
+      <p:par>
+        <p:cTn id="1" dur="indefinite" restart="never" nodeType="tmRoot">
+          <p:childTnLst>
+            <p:seq concurrent="1" nextAc="seek">
+              <p:cTn id="2" dur="indefinite" nodeType="mainSeq">
+                <p:childTnLst>
+                  <p:par>
+                    <p:cTn id="3" fill="hold">
+                      <p:stCondLst>
+                        <p:cond delay="indefinite"/>
+                      </p:stCondLst>
+                      <p:childTnLst>
+                        <p:par>
+                          <p:cTn id="4" fill="hold">
+                            <p:stCondLst>
+                              <p:cond delay="0"/>
+                            </p:stCondLst>
+                            <p:childTnLst>
+                              <p:par>
+                                <p:cTn id="5" presetID="10" presetClass="entr" presetSubtype="0" fill="hold" grpId="0" nodeType="clickEffect">
+                                  <p:stCondLst>
+                                    <p:cond delay="0"/>
+                                  </p:stCondLst>
+                                  <p:childTnLst>
+                                    <p:set>
+                                      <p:cBhvr>
+                                        <p:cTn id="6" dur="1" fill="hold">
+                                          <p:stCondLst>
+                                            <p:cond delay="0"/>
+                                          </p:stCondLst>
+                                        </p:cTn>
+                                        <p:tgtEl>
+                                          <p:spTgt spid="15"/>
+                                        </p:tgtEl>
+                                        <p:attrNameLst>
+                                          <p:attrName>style.visibility</p:attrName>
+                                        </p:attrNameLst>
+                                      </p:cBhvr>
+                                      <p:to>
+                                        <p:strVal val="visible"/>
+                                      </p:to>
+                                    </p:set>
+                                    <p:animEffect transition="in" filter="fade">
+                                      <p:cBhvr>
+                                        <p:cTn id="7" dur="500"/>
+                                        <p:tgtEl>
+                                          <p:spTgt spid="15"/>
+                                        </p:tgtEl>
+                                      </p:cBhvr>
+                                    </p:animEffect>
+                                  </p:childTnLst>
+                                </p:cTn>
+                              </p:par>
+                            </p:childTnLst>
+                          </p:cTn>
+                        </p:par>
+                      </p:childTnLst>
+                    </p:cTn>
+                  </p:par>
+                  <p:par>
+                    <p:cTn id="8" fill="hold">
+                      <p:stCondLst>
+                        <p:cond delay="indefinite"/>
+                      </p:stCondLst>
+                      <p:childTnLst>
+                        <p:par>
+                          <p:cTn id="9" fill="hold">
+                            <p:stCondLst>
+                              <p:cond delay="0"/>
+                            </p:stCondLst>
+                            <p:childTnLst>
+                              <p:par>
+                                <p:cTn id="10" presetID="10" presetClass="entr" presetSubtype="0" fill="hold" grpId="0" nodeType="clickEffect">
+                                  <p:stCondLst>
+                                    <p:cond delay="0"/>
+                                  </p:stCondLst>
+                                  <p:childTnLst>
+                                    <p:set>
+                                      <p:cBhvr>
+                                        <p:cTn id="11" dur="1" fill="hold">
+                                          <p:stCondLst>
+                                            <p:cond delay="0"/>
+                                          </p:stCondLst>
+                                        </p:cTn>
+                                        <p:tgtEl>
+                                          <p:spTgt spid="5"/>
+                                        </p:tgtEl>
+                                        <p:attrNameLst>
+                                          <p:attrName>style.visibility</p:attrName>
+                                        </p:attrNameLst>
+                                      </p:cBhvr>
+                                      <p:to>
+                                        <p:strVal val="visible"/>
+                                      </p:to>
+                                    </p:set>
+                                    <p:animEffect transition="in" filter="fade">
+                                      <p:cBhvr>
+                                        <p:cTn id="12" dur="500"/>
+                                        <p:tgtEl>
+                                          <p:spTgt spid="5"/>
+                                        </p:tgtEl>
+                                      </p:cBhvr>
+                                    </p:animEffect>
+                                  </p:childTnLst>
+                                </p:cTn>
+                              </p:par>
+                              <p:par>
+                                <p:cTn id="13" presetID="10" presetClass="entr" presetSubtype="0" fill="hold" grpId="0" nodeType="withEffect">
+                                  <p:stCondLst>
+                                    <p:cond delay="0"/>
+                                  </p:stCondLst>
+                                  <p:childTnLst>
+                                    <p:set>
+                                      <p:cBhvr>
+                                        <p:cTn id="14" dur="1" fill="hold">
+                                          <p:stCondLst>
+                                            <p:cond delay="0"/>
+                                          </p:stCondLst>
+                                        </p:cTn>
+                                        <p:tgtEl>
+                                          <p:spTgt spid="13"/>
+                                        </p:tgtEl>
+                                        <p:attrNameLst>
+                                          <p:attrName>style.visibility</p:attrName>
+                                        </p:attrNameLst>
+                                      </p:cBhvr>
+                                      <p:to>
+                                        <p:strVal val="visible"/>
+                                      </p:to>
+                                    </p:set>
+                                    <p:animEffect transition="in" filter="fade">
+                                      <p:cBhvr>
+                                        <p:cTn id="15" dur="500"/>
+                                        <p:tgtEl>
+                                          <p:spTgt spid="13"/>
+                                        </p:tgtEl>
+                                      </p:cBhvr>
+                                    </p:animEffect>
+                                  </p:childTnLst>
+                                </p:cTn>
+                              </p:par>
+                              <p:par>
+                                <p:cTn id="16" presetID="10" presetClass="entr" presetSubtype="0" fill="hold" nodeType="withEffect">
+                                  <p:stCondLst>
+                                    <p:cond delay="0"/>
+                                  </p:stCondLst>
+                                  <p:childTnLst>
+                                    <p:set>
+                                      <p:cBhvr>
+                                        <p:cTn id="17" dur="1" fill="hold">
+                                          <p:stCondLst>
+                                            <p:cond delay="0"/>
+                                          </p:stCondLst>
+                                        </p:cTn>
+                                        <p:tgtEl>
+                                          <p:spTgt spid="11"/>
+                                        </p:tgtEl>
+                                        <p:attrNameLst>
+                                          <p:attrName>style.visibility</p:attrName>
+                                        </p:attrNameLst>
+                                      </p:cBhvr>
+                                      <p:to>
+                                        <p:strVal val="visible"/>
+                                      </p:to>
+                                    </p:set>
+                                    <p:animEffect transition="in" filter="fade">
+                                      <p:cBhvr>
+                                        <p:cTn id="18" dur="500"/>
+                                        <p:tgtEl>
+                                          <p:spTgt spid="11"/>
+                                        </p:tgtEl>
+                                      </p:cBhvr>
+                                    </p:animEffect>
+                                  </p:childTnLst>
+                                </p:cTn>
+                              </p:par>
+                            </p:childTnLst>
+                          </p:cTn>
+                        </p:par>
+                      </p:childTnLst>
+                    </p:cTn>
+                  </p:par>
+                  <p:par>
+                    <p:cTn id="19" fill="hold">
+                      <p:stCondLst>
+                        <p:cond delay="indefinite"/>
+                      </p:stCondLst>
+                      <p:childTnLst>
+                        <p:par>
+                          <p:cTn id="20" fill="hold">
+                            <p:stCondLst>
+                              <p:cond delay="0"/>
+                            </p:stCondLst>
+                            <p:childTnLst>
+                              <p:par>
+                                <p:cTn id="21" presetID="10" presetClass="entr" presetSubtype="0" fill="hold" nodeType="clickEffect">
+                                  <p:stCondLst>
+                                    <p:cond delay="0"/>
+                                  </p:stCondLst>
+                                  <p:childTnLst>
+                                    <p:set>
+                                      <p:cBhvr>
+                                        <p:cTn id="22" dur="1" fill="hold">
+                                          <p:stCondLst>
+                                            <p:cond delay="0"/>
+                                          </p:stCondLst>
+                                        </p:cTn>
+                                        <p:tgtEl>
+                                          <p:spTgt spid="9"/>
+                                        </p:tgtEl>
+                                        <p:attrNameLst>
+                                          <p:attrName>style.visibility</p:attrName>
+                                        </p:attrNameLst>
+                                      </p:cBhvr>
+                                      <p:to>
+                                        <p:strVal val="visible"/>
+                                      </p:to>
+                                    </p:set>
+                                    <p:animEffect transition="in" filter="fade">
+                                      <p:cBhvr>
+                                        <p:cTn id="23" dur="500"/>
+                                        <p:tgtEl>
+                                          <p:spTgt spid="9"/>
+                                        </p:tgtEl>
+                                      </p:cBhvr>
+                                    </p:animEffect>
+                                  </p:childTnLst>
+                                </p:cTn>
+                              </p:par>
+                              <p:par>
+                                <p:cTn id="24" presetID="10" presetClass="entr" presetSubtype="0" fill="hold" grpId="0" nodeType="withEffect">
+                                  <p:stCondLst>
+                                    <p:cond delay="0"/>
+                                  </p:stCondLst>
+                                  <p:childTnLst>
+                                    <p:set>
+                                      <p:cBhvr>
+                                        <p:cTn id="25" dur="1" fill="hold">
+                                          <p:stCondLst>
+                                            <p:cond delay="0"/>
+                                          </p:stCondLst>
+                                        </p:cTn>
+                                        <p:tgtEl>
+                                          <p:spTgt spid="14"/>
+                                        </p:tgtEl>
+                                        <p:attrNameLst>
+                                          <p:attrName>style.visibility</p:attrName>
+                                        </p:attrNameLst>
+                                      </p:cBhvr>
+                                      <p:to>
+                                        <p:strVal val="visible"/>
+                                      </p:to>
+                                    </p:set>
+                                    <p:animEffect transition="in" filter="fade">
+                                      <p:cBhvr>
+                                        <p:cTn id="26" dur="500"/>
+                                        <p:tgtEl>
+                                          <p:spTgt spid="14"/>
+                                        </p:tgtEl>
+                                      </p:cBhvr>
+                                    </p:animEffect>
+                                  </p:childTnLst>
+                                </p:cTn>
+                              </p:par>
+                            </p:childTnLst>
+                          </p:cTn>
+                        </p:par>
+                      </p:childTnLst>
+                    </p:cTn>
+                  </p:par>
+                </p:childTnLst>
+              </p:cTn>
+              <p:prevCondLst>
+                <p:cond evt="onPrev" delay="0">
+                  <p:tgtEl>
+                    <p:sldTgt/>
+                  </p:tgtEl>
+                </p:cond>
+              </p:prevCondLst>
+              <p:nextCondLst>
+                <p:cond evt="onNext" delay="0">
+                  <p:tgtEl>
+                    <p:sldTgt/>
+                  </p:tgtEl>
+                </p:cond>
+              </p:nextCondLst>
+            </p:seq>
+          </p:childTnLst>
+        </p:cTn>
+      </p:par>
+    </p:tnLst>
+    <p:bldLst>
+      <p:bldP spid="5" grpId="0" animBg="1"/>
+      <p:bldP spid="13" grpId="0" animBg="1"/>
+      <p:bldP spid="14" grpId="0" animBg="1"/>
+      <p:bldP spid="15" grpId="0" animBg="1"/>
+    </p:bldLst>
+  </p:timing>
+</p:sld>
+</file>
+
+<file path=ppt/slides/slide4.xml><?xml version="1.0" encoding="utf-8"?>
+<p:sld xmlns:a="http://schemas.openxmlformats.org/drawingml/2006/main" xmlns:r="http://schemas.openxmlformats.org/officeDocument/2006/relationships" xmlns:p="http://schemas.openxmlformats.org/presentationml/2006/main">
+  <p:cSld>
+    <p:spTree>
+      <p:nvGrpSpPr>
+        <p:cNvPr id="1" name=""/>
+        <p:cNvGrpSpPr/>
+        <p:nvPr/>
+      </p:nvGrpSpPr>
+      <p:grpSpPr>
+        <a:xfrm>
+          <a:off x="0" y="0"/>
+          <a:ext cx="0" cy="0"/>
+          <a:chOff x="0" y="0"/>
+          <a:chExt cx="0" cy="0"/>
+        </a:xfrm>
+      </p:grpSpPr>
+      <p:sp>
+        <p:nvSpPr>
+          <p:cNvPr id="4" name="Rounded Rectangle 3"/>
+          <p:cNvSpPr/>
+          <p:nvPr/>
+        </p:nvSpPr>
+        <p:spPr>
+          <a:xfrm>
+            <a:off x="2819400" y="1676400"/>
+            <a:ext cx="1981200" cy="2667000"/>
+          </a:xfrm>
+          <a:prstGeom prst="roundRect">
+            <a:avLst/>
+          </a:prstGeom>
+        </p:spPr>
+        <p:style>
+          <a:lnRef idx="2">
+            <a:schemeClr val="accent1">
+              <a:shade val="50000"/>
+            </a:schemeClr>
+          </a:lnRef>
+          <a:fillRef idx="1">
+            <a:schemeClr val="accent1"/>
+          </a:fillRef>
+          <a:effectRef idx="0">
+            <a:schemeClr val="accent1"/>
+          </a:effectRef>
+          <a:fontRef idx="minor">
+            <a:schemeClr val="lt1"/>
+          </a:fontRef>
+        </p:style>
+        <p:txBody>
+          <a:bodyPr rtlCol="0" anchor="ctr"/>
+          <a:lstStyle/>
+          <a:p>
+            <a:pPr algn="ctr"/>
+            <a:r>
+              <a:rPr lang="en-US" dirty="0" err="1" smtClean="0"/>
+              <a:t>Sort.Main</a:t>
+            </a:r>
+            <a:endParaRPr lang="en-US" dirty="0" smtClean="0"/>
+          </a:p>
+          <a:p>
+            <a:pPr algn="ctr"/>
+            <a:endParaRPr lang="en-US" dirty="0"/>
+          </a:p>
+        </p:txBody>
+      </p:sp>
+      <p:sp>
+        <p:nvSpPr>
+          <p:cNvPr id="5" name="TextBox 4"/>
+          <p:cNvSpPr txBox="1"/>
+          <p:nvPr/>
+        </p:nvSpPr>
+        <p:spPr>
+          <a:xfrm>
+            <a:off x="2819400" y="1295400"/>
+            <a:ext cx="569387" cy="369332"/>
+          </a:xfrm>
+          <a:prstGeom prst="rect">
+            <a:avLst/>
+          </a:prstGeom>
+          <a:noFill/>
+        </p:spPr>
+        <p:txBody>
+          <a:bodyPr wrap="none" rtlCol="0">
+            <a:spAutoFit/>
+          </a:bodyPr>
+          <a:lstStyle/>
+          <a:p>
+            <a:r>
+              <a:rPr lang="en-US" dirty="0" smtClean="0"/>
+              <a:t>Sort</a:t>
+            </a:r>
+            <a:endParaRPr lang="en-US" dirty="0"/>
+          </a:p>
+        </p:txBody>
+      </p:sp>
+      <p:cxnSp>
+        <p:nvCxnSpPr>
+          <p:cNvPr id="7" name="Straight Connector 6"/>
+          <p:cNvCxnSpPr/>
+          <p:nvPr/>
+        </p:nvCxnSpPr>
+        <p:spPr>
+          <a:xfrm>
+            <a:off x="2590800" y="152400"/>
+            <a:ext cx="0" cy="6096000"/>
+          </a:xfrm>
+          <a:prstGeom prst="line">
+            <a:avLst/>
+          </a:prstGeom>
+        </p:spPr>
+        <p:style>
+          <a:lnRef idx="1">
+            <a:schemeClr val="accent1"/>
+          </a:lnRef>
+          <a:fillRef idx="0">
+            <a:schemeClr val="accent1"/>
+          </a:fillRef>
+          <a:effectRef idx="0">
+            <a:schemeClr val="accent1"/>
+          </a:effectRef>
+          <a:fontRef idx="minor">
+            <a:schemeClr val="tx1"/>
+          </a:fontRef>
+        </p:style>
+      </p:cxnSp>
+      <p:sp>
+        <p:nvSpPr>
+          <p:cNvPr id="8" name="Rounded Rectangle 7"/>
+          <p:cNvSpPr/>
+          <p:nvPr/>
+        </p:nvSpPr>
+        <p:spPr>
+          <a:xfrm>
+            <a:off x="228600" y="1143000"/>
+            <a:ext cx="2133600" cy="4419600"/>
+          </a:xfrm>
+          <a:prstGeom prst="roundRect">
+            <a:avLst/>
+          </a:prstGeom>
+        </p:spPr>
+        <p:style>
+          <a:lnRef idx="2">
+            <a:schemeClr val="accent3">
+              <a:shade val="50000"/>
+            </a:schemeClr>
+          </a:lnRef>
+          <a:fillRef idx="1">
+            <a:schemeClr val="accent3"/>
+          </a:fillRef>
+          <a:effectRef idx="0">
+            <a:schemeClr val="accent3"/>
+          </a:effectRef>
+          <a:fontRef idx="minor">
+            <a:schemeClr val="lt1"/>
+          </a:fontRef>
+        </p:style>
+        <p:txBody>
+          <a:bodyPr rtlCol="0" anchor="ctr"/>
+          <a:lstStyle/>
+          <a:p>
+            <a:pPr algn="ctr"/>
+            <a:r>
+              <a:rPr lang="en-US" dirty="0" err="1" smtClean="0"/>
+              <a:t>ArgumentTest</a:t>
+            </a:r>
+            <a:endParaRPr lang="en-US" dirty="0" smtClean="0"/>
+          </a:p>
+          <a:p>
+            <a:pPr algn="ctr"/>
+            <a:endParaRPr lang="en-US" dirty="0"/>
+          </a:p>
+          <a:p>
+            <a:pPr algn="ctr"/>
+            <a:endParaRPr lang="en-US" dirty="0" smtClean="0"/>
+          </a:p>
+          <a:p>
+            <a:pPr algn="ctr"/>
+            <a:endParaRPr lang="en-US" dirty="0"/>
+          </a:p>
+          <a:p>
+            <a:pPr algn="ctr"/>
+            <a:r>
+              <a:rPr lang="en-US" dirty="0" err="1" smtClean="0"/>
+              <a:t>FileInvalidTest</a:t>
+            </a:r>
+            <a:endParaRPr lang="en-US" dirty="0" smtClean="0"/>
+          </a:p>
+          <a:p>
+            <a:pPr algn="ctr"/>
+            <a:endParaRPr lang="en-US" dirty="0"/>
+          </a:p>
+          <a:p>
+            <a:pPr algn="ctr"/>
+            <a:endParaRPr lang="en-US" dirty="0" smtClean="0"/>
+          </a:p>
+          <a:p>
+            <a:pPr algn="ctr"/>
+            <a:endParaRPr lang="en-US" dirty="0"/>
+          </a:p>
+          <a:p>
+            <a:pPr algn="ctr"/>
+            <a:r>
+              <a:rPr lang="en-US" dirty="0" err="1" smtClean="0"/>
+              <a:t>FileValidTest</a:t>
+            </a:r>
+            <a:endParaRPr lang="en-US" dirty="0"/>
+          </a:p>
+          <a:p>
+            <a:pPr algn="ctr"/>
+            <a:endParaRPr lang="en-US" dirty="0" smtClean="0"/>
+          </a:p>
+          <a:p>
+            <a:pPr algn="ctr"/>
+            <a:r>
+              <a:rPr lang="en-US" dirty="0" smtClean="0"/>
+              <a:t>…..</a:t>
+            </a:r>
+          </a:p>
+        </p:txBody>
+      </p:sp>
+      <p:cxnSp>
+        <p:nvCxnSpPr>
+          <p:cNvPr id="14" name="Straight Arrow Connector 13"/>
+          <p:cNvCxnSpPr>
+            <a:stCxn id="24" idx="2"/>
+            <a:endCxn id="15" idx="0"/>
+          </p:cNvCxnSpPr>
+          <p:nvPr/>
+        </p:nvCxnSpPr>
+        <p:spPr>
+          <a:xfrm>
+            <a:off x="5638800" y="5387686"/>
+            <a:ext cx="0" cy="365414"/>
+          </a:xfrm>
+          <a:prstGeom prst="straightConnector1">
+            <a:avLst/>
+          </a:prstGeom>
+          <a:ln>
+            <a:tailEnd type="arrow"/>
+          </a:ln>
+        </p:spPr>
+        <p:style>
+          <a:lnRef idx="1">
+            <a:schemeClr val="accent1"/>
+          </a:lnRef>
+          <a:fillRef idx="0">
+            <a:schemeClr val="accent1"/>
+          </a:fillRef>
+          <a:effectRef idx="0">
+            <a:schemeClr val="accent1"/>
+          </a:effectRef>
+          <a:fontRef idx="minor">
+            <a:schemeClr val="tx1"/>
+          </a:fontRef>
+        </p:style>
+      </p:cxnSp>
+      <p:sp>
+        <p:nvSpPr>
+          <p:cNvPr id="15" name="Rounded Rectangle 14"/>
+          <p:cNvSpPr/>
+          <p:nvPr/>
+        </p:nvSpPr>
+        <p:spPr>
+          <a:xfrm>
+            <a:off x="4762500" y="5753100"/>
+            <a:ext cx="1752600" cy="990600"/>
+          </a:xfrm>
+          <a:prstGeom prst="roundRect">
+            <a:avLst/>
+          </a:prstGeom>
+        </p:spPr>
+        <p:style>
+          <a:lnRef idx="2">
+            <a:schemeClr val="accent6">
+              <a:shade val="50000"/>
+            </a:schemeClr>
+          </a:lnRef>
+          <a:fillRef idx="1">
+            <a:schemeClr val="accent6"/>
+          </a:fillRef>
+          <a:effectRef idx="0">
+            <a:schemeClr val="accent6"/>
+          </a:effectRef>
+          <a:fontRef idx="minor">
+            <a:schemeClr val="lt1"/>
+          </a:fontRef>
+        </p:style>
+        <p:txBody>
+          <a:bodyPr rtlCol="0" anchor="ctr"/>
+          <a:lstStyle/>
+          <a:p>
+            <a:pPr algn="ctr"/>
+            <a:r>
+              <a:rPr lang="en-US" dirty="0" err="1" smtClean="0"/>
+              <a:t>System.IO.File</a:t>
+            </a:r>
+            <a:endParaRPr lang="en-US" dirty="0"/>
+          </a:p>
+        </p:txBody>
+      </p:sp>
+      <p:sp>
+        <p:nvSpPr>
+          <p:cNvPr id="16" name="TextBox 15"/>
+          <p:cNvSpPr txBox="1"/>
+          <p:nvPr/>
+        </p:nvSpPr>
+        <p:spPr>
+          <a:xfrm>
+            <a:off x="685800" y="533400"/>
+            <a:ext cx="645690" cy="369332"/>
+          </a:xfrm>
+          <a:prstGeom prst="rect">
+            <a:avLst/>
+          </a:prstGeom>
+          <a:noFill/>
+        </p:spPr>
+        <p:txBody>
+          <a:bodyPr wrap="none" rtlCol="0">
+            <a:spAutoFit/>
+          </a:bodyPr>
+          <a:lstStyle/>
+          <a:p>
+            <a:r>
+              <a:rPr lang="en-US" dirty="0" smtClean="0"/>
+              <a:t>Tests</a:t>
+            </a:r>
+            <a:endParaRPr lang="en-US" dirty="0"/>
+          </a:p>
+        </p:txBody>
+      </p:sp>
+      <p:sp>
+        <p:nvSpPr>
+          <p:cNvPr id="17" name="TextBox 16"/>
+          <p:cNvSpPr txBox="1"/>
+          <p:nvPr/>
+        </p:nvSpPr>
+        <p:spPr>
+          <a:xfrm>
+            <a:off x="2819400" y="501134"/>
+            <a:ext cx="667170" cy="369332"/>
+          </a:xfrm>
+          <a:prstGeom prst="rect">
+            <a:avLst/>
+          </a:prstGeom>
+          <a:noFill/>
+        </p:spPr>
+        <p:txBody>
+          <a:bodyPr wrap="none" rtlCol="0">
+            <a:spAutoFit/>
+          </a:bodyPr>
+          <a:lstStyle/>
+          <a:p>
+            <a:r>
+              <a:rPr lang="en-US" dirty="0" smtClean="0"/>
+              <a:t>Code</a:t>
+            </a:r>
+            <a:endParaRPr lang="en-US" dirty="0"/>
+          </a:p>
+        </p:txBody>
+      </p:sp>
+      <p:sp>
+        <p:nvSpPr>
+          <p:cNvPr id="21" name="Rounded Rectangle 20"/>
+          <p:cNvSpPr/>
+          <p:nvPr/>
+        </p:nvSpPr>
+        <p:spPr>
+          <a:xfrm>
+            <a:off x="6102927" y="1676400"/>
+            <a:ext cx="1981200" cy="990600"/>
+          </a:xfrm>
+          <a:prstGeom prst="roundRect">
+            <a:avLst/>
+          </a:prstGeom>
+        </p:spPr>
+        <p:style>
+          <a:lnRef idx="2">
+            <a:schemeClr val="accent1">
+              <a:shade val="50000"/>
+            </a:schemeClr>
+          </a:lnRef>
+          <a:fillRef idx="1">
+            <a:schemeClr val="accent1"/>
+          </a:fillRef>
+          <a:effectRef idx="0">
+            <a:schemeClr val="accent1"/>
+          </a:effectRef>
+          <a:fontRef idx="minor">
+            <a:schemeClr val="lt1"/>
+          </a:fontRef>
+        </p:style>
+        <p:txBody>
+          <a:bodyPr rtlCol="0" anchor="ctr"/>
+          <a:lstStyle/>
+          <a:p>
+            <a:pPr algn="ctr"/>
+            <a:r>
+              <a:rPr lang="en-US" dirty="0" err="1" smtClean="0"/>
+              <a:t>IFileWrapper</a:t>
+            </a:r>
+            <a:endParaRPr lang="en-US" dirty="0" smtClean="0"/>
+          </a:p>
+          <a:p>
+            <a:pPr algn="ctr"/>
+            <a:endParaRPr lang="en-US" dirty="0"/>
+          </a:p>
+        </p:txBody>
+      </p:sp>
+      <p:cxnSp>
+        <p:nvCxnSpPr>
+          <p:cNvPr id="22" name="Elbow Connector 21"/>
+          <p:cNvCxnSpPr>
+            <a:stCxn id="25" idx="0"/>
+            <a:endCxn id="21" idx="2"/>
+          </p:cNvCxnSpPr>
+          <p:nvPr/>
+        </p:nvCxnSpPr>
+        <p:spPr>
+          <a:xfrm rot="16200000" flipV="1">
+            <a:off x="6644121" y="3116406"/>
+            <a:ext cx="1882486" cy="983673"/>
+          </a:xfrm>
+          <a:prstGeom prst="bentConnector3">
+            <a:avLst>
+              <a:gd name="adj1" fmla="val 50000"/>
+            </a:avLst>
+          </a:prstGeom>
+          <a:ln>
+            <a:tailEnd type="arrow"/>
+          </a:ln>
+        </p:spPr>
+        <p:style>
+          <a:lnRef idx="1">
+            <a:schemeClr val="accent1"/>
+          </a:lnRef>
+          <a:fillRef idx="0">
+            <a:schemeClr val="accent1"/>
+          </a:fillRef>
+          <a:effectRef idx="0">
+            <a:schemeClr val="accent1"/>
+          </a:effectRef>
+          <a:fontRef idx="minor">
+            <a:schemeClr val="tx1"/>
+          </a:fontRef>
+        </p:style>
+      </p:cxnSp>
+      <p:cxnSp>
+        <p:nvCxnSpPr>
+          <p:cNvPr id="23" name="Elbow Connector 22"/>
+          <p:cNvCxnSpPr/>
+          <p:nvPr/>
+        </p:nvCxnSpPr>
+        <p:spPr>
+          <a:xfrm rot="5400000" flipH="1" flipV="1">
+            <a:off x="5505450" y="2815936"/>
+            <a:ext cx="1714500" cy="1447800"/>
+          </a:xfrm>
+          <a:prstGeom prst="bentConnector3">
+            <a:avLst>
+              <a:gd name="adj1" fmla="val 50000"/>
+            </a:avLst>
+          </a:prstGeom>
+          <a:ln>
+            <a:tailEnd type="arrow"/>
+          </a:ln>
+        </p:spPr>
+        <p:style>
+          <a:lnRef idx="1">
+            <a:schemeClr val="accent1"/>
+          </a:lnRef>
+          <a:fillRef idx="0">
+            <a:schemeClr val="accent1"/>
+          </a:fillRef>
+          <a:effectRef idx="0">
+            <a:schemeClr val="accent1"/>
+          </a:effectRef>
+          <a:fontRef idx="minor">
+            <a:schemeClr val="tx1"/>
+          </a:fontRef>
+        </p:style>
+      </p:cxnSp>
+      <p:sp>
+        <p:nvSpPr>
+          <p:cNvPr id="24" name="Rounded Rectangle 23"/>
+          <p:cNvSpPr/>
+          <p:nvPr/>
+        </p:nvSpPr>
+        <p:spPr>
+          <a:xfrm>
+            <a:off x="4648200" y="4397086"/>
+            <a:ext cx="1981200" cy="990600"/>
+          </a:xfrm>
+          <a:prstGeom prst="roundRect">
+            <a:avLst/>
+          </a:prstGeom>
+        </p:spPr>
+        <p:style>
+          <a:lnRef idx="2">
+            <a:schemeClr val="accent1">
+              <a:shade val="50000"/>
+            </a:schemeClr>
+          </a:lnRef>
+          <a:fillRef idx="1">
+            <a:schemeClr val="accent1"/>
+          </a:fillRef>
+          <a:effectRef idx="0">
+            <a:schemeClr val="accent1"/>
+          </a:effectRef>
+          <a:fontRef idx="minor">
+            <a:schemeClr val="lt1"/>
+          </a:fontRef>
+        </p:style>
+        <p:txBody>
+          <a:bodyPr rtlCol="0" anchor="ctr"/>
+          <a:lstStyle/>
+          <a:p>
+            <a:pPr algn="ctr"/>
+            <a:r>
+              <a:rPr lang="en-US" dirty="0" err="1" smtClean="0"/>
+              <a:t>FileWrapper</a:t>
+            </a:r>
+            <a:endParaRPr lang="en-US" dirty="0" smtClean="0"/>
+          </a:p>
+          <a:p>
+            <a:pPr algn="ctr"/>
+            <a:endParaRPr lang="en-US" dirty="0"/>
+          </a:p>
+        </p:txBody>
+      </p:sp>
+      <p:sp>
+        <p:nvSpPr>
+          <p:cNvPr id="25" name="Rounded Rectangle 24"/>
+          <p:cNvSpPr/>
+          <p:nvPr/>
+        </p:nvSpPr>
+        <p:spPr>
+          <a:xfrm>
+            <a:off x="7086600" y="4549486"/>
+            <a:ext cx="1981200" cy="990600"/>
+          </a:xfrm>
+          <a:prstGeom prst="roundRect">
+            <a:avLst/>
+          </a:prstGeom>
+        </p:spPr>
+        <p:style>
+          <a:lnRef idx="2">
+            <a:schemeClr val="accent3">
+              <a:shade val="50000"/>
+            </a:schemeClr>
+          </a:lnRef>
+          <a:fillRef idx="1">
+            <a:schemeClr val="accent3"/>
+          </a:fillRef>
+          <a:effectRef idx="0">
+            <a:schemeClr val="accent3"/>
+          </a:effectRef>
+          <a:fontRef idx="minor">
+            <a:schemeClr val="lt1"/>
+          </a:fontRef>
+        </p:style>
+        <p:txBody>
+          <a:bodyPr rtlCol="0" anchor="ctr"/>
+          <a:lstStyle/>
+          <a:p>
+            <a:pPr algn="ctr"/>
+            <a:r>
+              <a:rPr lang="en-US" dirty="0" err="1" smtClean="0"/>
+              <a:t>FakeFileWrapper</a:t>
+            </a:r>
+            <a:endParaRPr lang="en-US" dirty="0" smtClean="0"/>
+          </a:p>
+          <a:p>
+            <a:pPr algn="ctr"/>
+            <a:endParaRPr lang="en-US" dirty="0"/>
+          </a:p>
+        </p:txBody>
+      </p:sp>
+      <p:cxnSp>
+        <p:nvCxnSpPr>
+          <p:cNvPr id="10" name="Straight Arrow Connector 9"/>
+          <p:cNvCxnSpPr>
+            <a:stCxn id="4" idx="3"/>
+            <a:endCxn id="21" idx="1"/>
+          </p:cNvCxnSpPr>
+          <p:nvPr/>
+        </p:nvCxnSpPr>
+        <p:spPr>
+          <a:xfrm flipV="1">
+            <a:off x="4800600" y="2171700"/>
+            <a:ext cx="1302327" cy="838200"/>
+          </a:xfrm>
+          <a:prstGeom prst="straightConnector1">
+            <a:avLst/>
+          </a:prstGeom>
+          <a:ln>
+            <a:prstDash val="lgDashDot"/>
+            <a:tailEnd type="arrow"/>
+          </a:ln>
+        </p:spPr>
+        <p:style>
+          <a:lnRef idx="1">
+            <a:schemeClr val="accent1"/>
+          </a:lnRef>
+          <a:fillRef idx="0">
+            <a:schemeClr val="accent1"/>
+          </a:fillRef>
+          <a:effectRef idx="0">
+            <a:schemeClr val="accent1"/>
+          </a:effectRef>
+          <a:fontRef idx="minor">
+            <a:schemeClr val="tx1"/>
+          </a:fontRef>
+        </p:style>
+      </p:cxnSp>
+      <p:sp>
+        <p:nvSpPr>
+          <p:cNvPr id="26" name="TextBox 25"/>
+          <p:cNvSpPr txBox="1"/>
+          <p:nvPr/>
+        </p:nvSpPr>
+        <p:spPr>
+          <a:xfrm>
+            <a:off x="5029200" y="2145268"/>
+            <a:ext cx="614271" cy="369332"/>
+          </a:xfrm>
+          <a:prstGeom prst="rect">
+            <a:avLst/>
+          </a:prstGeom>
+          <a:noFill/>
+        </p:spPr>
+        <p:txBody>
+          <a:bodyPr wrap="none" rtlCol="0">
+            <a:spAutoFit/>
+          </a:bodyPr>
+          <a:lstStyle/>
+          <a:p>
+            <a:r>
+              <a:rPr lang="en-US" dirty="0" smtClean="0"/>
+              <a:t>????</a:t>
+            </a:r>
+            <a:endParaRPr lang="en-US" dirty="0"/>
+          </a:p>
+        </p:txBody>
+      </p:sp>
+      <p:sp>
+        <p:nvSpPr>
+          <p:cNvPr id="27" name="Cloud 26"/>
+          <p:cNvSpPr/>
+          <p:nvPr/>
+        </p:nvSpPr>
+        <p:spPr>
+          <a:xfrm>
+            <a:off x="3771900" y="-17903"/>
+            <a:ext cx="2971800" cy="2125872"/>
+          </a:xfrm>
+          <a:prstGeom prst="cloud">
+            <a:avLst/>
+          </a:prstGeom>
+        </p:spPr>
+        <p:style>
+          <a:lnRef idx="2">
+            <a:schemeClr val="accent6"/>
+          </a:lnRef>
+          <a:fillRef idx="1">
+            <a:schemeClr val="lt1"/>
+          </a:fillRef>
+          <a:effectRef idx="0">
+            <a:schemeClr val="accent6"/>
+          </a:effectRef>
+          <a:fontRef idx="minor">
+            <a:schemeClr val="dk1"/>
+          </a:fontRef>
+        </p:style>
+        <p:txBody>
+          <a:bodyPr rtlCol="0" anchor="ctr"/>
+          <a:lstStyle/>
+          <a:p>
+            <a:pPr>
+              <a:defRPr/>
+            </a:pPr>
+            <a:r>
+              <a:rPr lang="en-US" dirty="0" smtClean="0"/>
+              <a:t>How do we supply the right </a:t>
+            </a:r>
+            <a:r>
+              <a:rPr lang="en-US" dirty="0" err="1" smtClean="0"/>
+              <a:t>filewrapper</a:t>
+            </a:r>
+            <a:r>
+              <a:rPr lang="en-US" dirty="0" smtClean="0"/>
+              <a:t> instance?</a:t>
+            </a:r>
+            <a:endParaRPr lang="en-US" dirty="0"/>
+          </a:p>
+          <a:p>
+            <a:pPr algn="ctr"/>
+            <a:endParaRPr lang="en-US" dirty="0"/>
+          </a:p>
+        </p:txBody>
+      </p:sp>
+      <p:sp>
+        <p:nvSpPr>
+          <p:cNvPr id="29" name="Cloud 28"/>
+          <p:cNvSpPr/>
+          <p:nvPr/>
+        </p:nvSpPr>
+        <p:spPr>
+          <a:xfrm>
+            <a:off x="2862349" y="2331288"/>
+            <a:ext cx="1900151" cy="1474642"/>
+          </a:xfrm>
+          <a:prstGeom prst="cloud">
+            <a:avLst/>
+          </a:prstGeom>
+        </p:spPr>
+        <p:style>
+          <a:lnRef idx="2">
+            <a:schemeClr val="accent6"/>
+          </a:lnRef>
+          <a:fillRef idx="1">
+            <a:schemeClr val="lt1"/>
+          </a:fillRef>
+          <a:effectRef idx="0">
+            <a:schemeClr val="accent6"/>
+          </a:effectRef>
+          <a:fontRef idx="minor">
+            <a:schemeClr val="dk1"/>
+          </a:fontRef>
+        </p:style>
+        <p:txBody>
+          <a:bodyPr rtlCol="0" anchor="ctr"/>
+          <a:lstStyle/>
+          <a:p>
+            <a:pPr>
+              <a:defRPr/>
+            </a:pPr>
+            <a:r>
+              <a:rPr lang="en-US" dirty="0" err="1" smtClean="0"/>
+              <a:t>Sort.Main</a:t>
+            </a:r>
+            <a:r>
+              <a:rPr lang="en-US" dirty="0" smtClean="0"/>
+              <a:t> – static method </a:t>
+            </a:r>
+            <a:endParaRPr lang="en-US" dirty="0"/>
+          </a:p>
+          <a:p>
+            <a:pPr algn="ctr"/>
+            <a:endParaRPr lang="en-US" dirty="0"/>
+          </a:p>
+        </p:txBody>
+      </p:sp>
+    </p:spTree>
+    <p:extLst>
+      <p:ext uri="{BB962C8B-B14F-4D97-AF65-F5344CB8AC3E}">
+        <p14:creationId xmlns:p14="http://schemas.microsoft.com/office/powerpoint/2010/main" val="109021969"/>
+      </p:ext>
+    </p:extLst>
+  </p:cSld>
+  <p:clrMapOvr>
+    <a:masterClrMapping/>
+  </p:clrMapOvr>
+  <p:timing>
+    <p:tnLst>
+      <p:par>
+        <p:cTn id="1" dur="indefinite" restart="never" nodeType="tmRoot">
+          <p:childTnLst>
+            <p:seq concurrent="1" nextAc="seek">
+              <p:cTn id="2" dur="indefinite" nodeType="mainSeq">
+                <p:childTnLst>
+                  <p:par>
+                    <p:cTn id="3" fill="hold">
+                      <p:stCondLst>
+                        <p:cond delay="indefinite"/>
+                      </p:stCondLst>
+                      <p:childTnLst>
+                        <p:par>
+                          <p:cTn id="4" fill="hold">
+                            <p:stCondLst>
+                              <p:cond delay="0"/>
+                            </p:stCondLst>
+                            <p:childTnLst>
+                              <p:par>
+                                <p:cTn id="5" presetID="10" presetClass="entr" presetSubtype="0" fill="hold" grpId="0" nodeType="clickEffect">
+                                  <p:stCondLst>
+                                    <p:cond delay="0"/>
+                                  </p:stCondLst>
+                                  <p:childTnLst>
+                                    <p:set>
+                                      <p:cBhvr>
+                                        <p:cTn id="6" dur="1" fill="hold">
+                                          <p:stCondLst>
+                                            <p:cond delay="0"/>
+                                          </p:stCondLst>
+                                        </p:cTn>
+                                        <p:tgtEl>
+                                          <p:spTgt spid="27"/>
+                                        </p:tgtEl>
+                                        <p:attrNameLst>
+                                          <p:attrName>style.visibility</p:attrName>
+                                        </p:attrNameLst>
+                                      </p:cBhvr>
+                                      <p:to>
+                                        <p:strVal val="visible"/>
+                                      </p:to>
+                                    </p:set>
+                                    <p:animEffect transition="in" filter="fade">
+                                      <p:cBhvr>
+                                        <p:cTn id="7" dur="500"/>
+                                        <p:tgtEl>
+                                          <p:spTgt spid="27"/>
+                                        </p:tgtEl>
+                                      </p:cBhvr>
+                                    </p:animEffect>
+                                  </p:childTnLst>
+                                </p:cTn>
+                              </p:par>
+                            </p:childTnLst>
+                          </p:cTn>
+                        </p:par>
+                      </p:childTnLst>
+                    </p:cTn>
+                  </p:par>
+                  <p:par>
+                    <p:cTn id="8" fill="hold">
+                      <p:stCondLst>
+                        <p:cond delay="indefinite"/>
+                      </p:stCondLst>
+                      <p:childTnLst>
+                        <p:par>
+                          <p:cTn id="9" fill="hold">
+                            <p:stCondLst>
+                              <p:cond delay="0"/>
+                            </p:stCondLst>
+                            <p:childTnLst>
+                              <p:par>
+                                <p:cTn id="10" presetID="10" presetClass="entr" presetSubtype="0" fill="hold" grpId="0" nodeType="clickEffect">
+                                  <p:stCondLst>
+                                    <p:cond delay="0"/>
+                                  </p:stCondLst>
+                                  <p:childTnLst>
+                                    <p:set>
+                                      <p:cBhvr>
+                                        <p:cTn id="11" dur="1" fill="hold">
+                                          <p:stCondLst>
+                                            <p:cond delay="0"/>
+                                          </p:stCondLst>
+                                        </p:cTn>
+                                        <p:tgtEl>
+                                          <p:spTgt spid="29"/>
+                                        </p:tgtEl>
+                                        <p:attrNameLst>
+                                          <p:attrName>style.visibility</p:attrName>
+                                        </p:attrNameLst>
+                                      </p:cBhvr>
+                                      <p:to>
+                                        <p:strVal val="visible"/>
+                                      </p:to>
+                                    </p:set>
+                                    <p:animEffect transition="in" filter="fade">
+                                      <p:cBhvr>
+                                        <p:cTn id="12" dur="500"/>
+                                        <p:tgtEl>
+                                          <p:spTgt spid="29"/>
+                                        </p:tgtEl>
+                                      </p:cBhvr>
+                                    </p:animEffect>
+                                  </p:childTnLst>
+                                </p:cTn>
+                              </p:par>
+                            </p:childTnLst>
+                          </p:cTn>
+                        </p:par>
+                      </p:childTnLst>
+                    </p:cTn>
+                  </p:par>
+                </p:childTnLst>
+              </p:cTn>
+              <p:prevCondLst>
+                <p:cond evt="onPrev" delay="0">
+                  <p:tgtEl>
+                    <p:sldTgt/>
+                  </p:tgtEl>
+                </p:cond>
+              </p:prevCondLst>
+              <p:nextCondLst>
+                <p:cond evt="onNext" delay="0">
+                  <p:tgtEl>
+                    <p:sldTgt/>
+                  </p:tgtEl>
+                </p:cond>
+              </p:nextCondLst>
+            </p:seq>
+          </p:childTnLst>
+        </p:cTn>
+      </p:par>
+    </p:tnLst>
+    <p:bldLst>
+      <p:bldP spid="27" grpId="0" animBg="1"/>
+      <p:bldP spid="29" grpId="0" animBg="1"/>
+    </p:bldLst>
+  </p:timing>
+</p:sld>
+</file>
+
+<file path=ppt/slides/slide5.xml><?xml version="1.0" encoding="utf-8"?>
+<p:sld xmlns:a="http://schemas.openxmlformats.org/drawingml/2006/main" xmlns:r="http://schemas.openxmlformats.org/officeDocument/2006/relationships" xmlns:p="http://schemas.openxmlformats.org/presentationml/2006/main">
+  <p:cSld>
+    <p:spTree>
+      <p:nvGrpSpPr>
+        <p:cNvPr id="1" name=""/>
+        <p:cNvGrpSpPr/>
+        <p:nvPr/>
+      </p:nvGrpSpPr>
+      <p:grpSpPr>
+        <a:xfrm>
+          <a:off x="0" y="0"/>
+          <a:ext cx="0" cy="0"/>
+          <a:chOff x="0" y="0"/>
+          <a:chExt cx="0" cy="0"/>
+        </a:xfrm>
+      </p:grpSpPr>
+      <p:sp>
+        <p:nvSpPr>
+          <p:cNvPr id="4" name="Rounded Rectangle 3"/>
+          <p:cNvSpPr/>
+          <p:nvPr/>
+        </p:nvSpPr>
+        <p:spPr>
+          <a:xfrm>
+            <a:off x="2819400" y="3562004"/>
+            <a:ext cx="1524000" cy="1143000"/>
+          </a:xfrm>
+          <a:prstGeom prst="roundRect">
+            <a:avLst/>
+          </a:prstGeom>
+        </p:spPr>
+        <p:style>
+          <a:lnRef idx="2">
+            <a:schemeClr val="accent6"/>
+          </a:lnRef>
+          <a:fillRef idx="1">
+            <a:schemeClr val="lt1"/>
+          </a:fillRef>
+          <a:effectRef idx="0">
+            <a:schemeClr val="accent6"/>
+          </a:effectRef>
+          <a:fontRef idx="minor">
+            <a:schemeClr val="dk1"/>
+          </a:fontRef>
+        </p:style>
+        <p:txBody>
+          <a:bodyPr rtlCol="0" anchor="ctr"/>
+          <a:lstStyle/>
+          <a:p>
+            <a:pPr algn="ctr"/>
+            <a:r>
+              <a:rPr lang="en-US" dirty="0" err="1" smtClean="0"/>
+              <a:t>Sort.Main</a:t>
+            </a:r>
+            <a:endParaRPr lang="en-US" dirty="0" smtClean="0"/>
+          </a:p>
+          <a:p>
+            <a:pPr algn="ctr"/>
+            <a:endParaRPr lang="en-US" dirty="0"/>
+          </a:p>
+        </p:txBody>
+      </p:sp>
+      <p:sp>
+        <p:nvSpPr>
+          <p:cNvPr id="5" name="TextBox 4"/>
+          <p:cNvSpPr txBox="1"/>
+          <p:nvPr/>
+        </p:nvSpPr>
+        <p:spPr>
+          <a:xfrm>
+            <a:off x="2819400" y="1143000"/>
+            <a:ext cx="569387" cy="369332"/>
+          </a:xfrm>
+          <a:prstGeom prst="rect">
+            <a:avLst/>
+          </a:prstGeom>
+          <a:noFill/>
+        </p:spPr>
+        <p:txBody>
+          <a:bodyPr wrap="none" rtlCol="0">
+            <a:spAutoFit/>
+          </a:bodyPr>
+          <a:lstStyle/>
+          <a:p>
+            <a:r>
+              <a:rPr lang="en-US" dirty="0" smtClean="0"/>
+              <a:t>Sort</a:t>
+            </a:r>
+            <a:endParaRPr lang="en-US" dirty="0"/>
+          </a:p>
+        </p:txBody>
+      </p:sp>
+      <p:cxnSp>
+        <p:nvCxnSpPr>
+          <p:cNvPr id="7" name="Straight Connector 6"/>
+          <p:cNvCxnSpPr/>
+          <p:nvPr/>
+        </p:nvCxnSpPr>
+        <p:spPr>
+          <a:xfrm>
+            <a:off x="2438400" y="152400"/>
+            <a:ext cx="0" cy="6096000"/>
+          </a:xfrm>
+          <a:prstGeom prst="line">
+            <a:avLst/>
+          </a:prstGeom>
+        </p:spPr>
+        <p:style>
+          <a:lnRef idx="1">
+            <a:schemeClr val="accent1"/>
+          </a:lnRef>
+          <a:fillRef idx="0">
+            <a:schemeClr val="accent1"/>
+          </a:fillRef>
+          <a:effectRef idx="0">
+            <a:schemeClr val="accent1"/>
+          </a:effectRef>
+          <a:fontRef idx="minor">
+            <a:schemeClr val="tx1"/>
+          </a:fontRef>
+        </p:style>
+      </p:cxnSp>
+      <p:sp>
+        <p:nvSpPr>
+          <p:cNvPr id="8" name="Rounded Rectangle 7"/>
+          <p:cNvSpPr/>
+          <p:nvPr/>
+        </p:nvSpPr>
+        <p:spPr>
+          <a:xfrm>
+            <a:off x="228600" y="1295400"/>
+            <a:ext cx="1752600" cy="4419600"/>
+          </a:xfrm>
+          <a:prstGeom prst="roundRect">
+            <a:avLst/>
+          </a:prstGeom>
+        </p:spPr>
+        <p:style>
+          <a:lnRef idx="2">
+            <a:schemeClr val="accent3">
+              <a:shade val="50000"/>
+            </a:schemeClr>
+          </a:lnRef>
+          <a:fillRef idx="1">
+            <a:schemeClr val="accent3"/>
+          </a:fillRef>
+          <a:effectRef idx="0">
+            <a:schemeClr val="accent3"/>
+          </a:effectRef>
+          <a:fontRef idx="minor">
+            <a:schemeClr val="lt1"/>
+          </a:fontRef>
+        </p:style>
+        <p:txBody>
+          <a:bodyPr rtlCol="0" anchor="ctr"/>
+          <a:lstStyle/>
+          <a:p>
+            <a:pPr algn="ctr"/>
+            <a:r>
+              <a:rPr lang="en-US" dirty="0" err="1" smtClean="0"/>
+              <a:t>ArgumentTest</a:t>
+            </a:r>
+            <a:endParaRPr lang="en-US" dirty="0" smtClean="0"/>
+          </a:p>
+          <a:p>
+            <a:pPr algn="ctr"/>
+            <a:endParaRPr lang="en-US" dirty="0"/>
+          </a:p>
+          <a:p>
+            <a:pPr algn="ctr"/>
+            <a:endParaRPr lang="en-US" dirty="0" smtClean="0"/>
+          </a:p>
+          <a:p>
+            <a:pPr algn="ctr"/>
+            <a:endParaRPr lang="en-US" dirty="0"/>
+          </a:p>
+          <a:p>
+            <a:pPr algn="ctr"/>
+            <a:r>
+              <a:rPr lang="en-US" dirty="0" err="1" smtClean="0"/>
+              <a:t>FileInvalidTest</a:t>
+            </a:r>
+            <a:endParaRPr lang="en-US" dirty="0" smtClean="0"/>
+          </a:p>
+          <a:p>
+            <a:pPr algn="ctr"/>
+            <a:endParaRPr lang="en-US" dirty="0"/>
+          </a:p>
+          <a:p>
+            <a:pPr algn="ctr"/>
+            <a:endParaRPr lang="en-US" dirty="0" smtClean="0"/>
+          </a:p>
+          <a:p>
+            <a:pPr algn="ctr"/>
+            <a:endParaRPr lang="en-US" dirty="0"/>
+          </a:p>
+          <a:p>
+            <a:pPr algn="ctr"/>
+            <a:r>
+              <a:rPr lang="en-US" dirty="0" err="1" smtClean="0"/>
+              <a:t>FileValidTest</a:t>
+            </a:r>
+            <a:endParaRPr lang="en-US" dirty="0"/>
+          </a:p>
+          <a:p>
+            <a:pPr algn="ctr"/>
+            <a:endParaRPr lang="en-US" dirty="0" smtClean="0"/>
+          </a:p>
+          <a:p>
+            <a:pPr algn="ctr"/>
+            <a:r>
+              <a:rPr lang="en-US" dirty="0" smtClean="0"/>
+              <a:t>…..</a:t>
+            </a:r>
+          </a:p>
+        </p:txBody>
+      </p:sp>
+      <p:cxnSp>
+        <p:nvCxnSpPr>
+          <p:cNvPr id="14" name="Straight Arrow Connector 13"/>
+          <p:cNvCxnSpPr>
+            <a:stCxn id="24" idx="2"/>
+            <a:endCxn id="15" idx="0"/>
+          </p:cNvCxnSpPr>
+          <p:nvPr/>
+        </p:nvCxnSpPr>
+        <p:spPr>
+          <a:xfrm>
+            <a:off x="5638800" y="5387686"/>
+            <a:ext cx="0" cy="365414"/>
+          </a:xfrm>
+          <a:prstGeom prst="straightConnector1">
+            <a:avLst/>
+          </a:prstGeom>
+          <a:ln>
+            <a:tailEnd type="arrow"/>
+          </a:ln>
+        </p:spPr>
+        <p:style>
+          <a:lnRef idx="1">
+            <a:schemeClr val="accent1"/>
+          </a:lnRef>
+          <a:fillRef idx="0">
+            <a:schemeClr val="accent1"/>
+          </a:fillRef>
+          <a:effectRef idx="0">
+            <a:schemeClr val="accent1"/>
+          </a:effectRef>
+          <a:fontRef idx="minor">
+            <a:schemeClr val="tx1"/>
+          </a:fontRef>
+        </p:style>
+      </p:cxnSp>
+      <p:sp>
+        <p:nvSpPr>
+          <p:cNvPr id="15" name="Rounded Rectangle 14"/>
+          <p:cNvSpPr/>
+          <p:nvPr/>
+        </p:nvSpPr>
+        <p:spPr>
+          <a:xfrm>
+            <a:off x="4762500" y="5753100"/>
+            <a:ext cx="1752600" cy="990600"/>
+          </a:xfrm>
+          <a:prstGeom prst="roundRect">
+            <a:avLst/>
+          </a:prstGeom>
+        </p:spPr>
+        <p:style>
+          <a:lnRef idx="2">
+            <a:schemeClr val="accent6">
+              <a:shade val="50000"/>
+            </a:schemeClr>
+          </a:lnRef>
+          <a:fillRef idx="1">
+            <a:schemeClr val="accent6"/>
+          </a:fillRef>
+          <a:effectRef idx="0">
+            <a:schemeClr val="accent6"/>
+          </a:effectRef>
+          <a:fontRef idx="minor">
+            <a:schemeClr val="lt1"/>
+          </a:fontRef>
+        </p:style>
+        <p:txBody>
+          <a:bodyPr rtlCol="0" anchor="ctr"/>
+          <a:lstStyle/>
+          <a:p>
+            <a:pPr algn="ctr"/>
+            <a:r>
+              <a:rPr lang="en-US" dirty="0" err="1" smtClean="0"/>
+              <a:t>System.IO.File</a:t>
+            </a:r>
+            <a:endParaRPr lang="en-US" dirty="0"/>
+          </a:p>
+        </p:txBody>
+      </p:sp>
+      <p:sp>
+        <p:nvSpPr>
+          <p:cNvPr id="16" name="TextBox 15"/>
+          <p:cNvSpPr txBox="1"/>
+          <p:nvPr/>
+        </p:nvSpPr>
+        <p:spPr>
+          <a:xfrm>
+            <a:off x="685800" y="533400"/>
+            <a:ext cx="645690" cy="369332"/>
+          </a:xfrm>
+          <a:prstGeom prst="rect">
+            <a:avLst/>
+          </a:prstGeom>
+          <a:noFill/>
+        </p:spPr>
+        <p:txBody>
+          <a:bodyPr wrap="none" rtlCol="0">
+            <a:spAutoFit/>
+          </a:bodyPr>
+          <a:lstStyle/>
+          <a:p>
+            <a:r>
+              <a:rPr lang="en-US" dirty="0" smtClean="0"/>
+              <a:t>Tests</a:t>
+            </a:r>
+            <a:endParaRPr lang="en-US" dirty="0"/>
+          </a:p>
+        </p:txBody>
+      </p:sp>
+      <p:sp>
+        <p:nvSpPr>
+          <p:cNvPr id="17" name="TextBox 16"/>
+          <p:cNvSpPr txBox="1"/>
+          <p:nvPr/>
+        </p:nvSpPr>
+        <p:spPr>
+          <a:xfrm>
+            <a:off x="2819400" y="501134"/>
+            <a:ext cx="667170" cy="369332"/>
+          </a:xfrm>
+          <a:prstGeom prst="rect">
+            <a:avLst/>
+          </a:prstGeom>
+          <a:noFill/>
+        </p:spPr>
+        <p:txBody>
+          <a:bodyPr wrap="none" rtlCol="0">
+            <a:spAutoFit/>
+          </a:bodyPr>
+          <a:lstStyle/>
+          <a:p>
+            <a:r>
+              <a:rPr lang="en-US" dirty="0" smtClean="0"/>
+              <a:t>Code</a:t>
+            </a:r>
+            <a:endParaRPr lang="en-US" dirty="0"/>
+          </a:p>
+        </p:txBody>
+      </p:sp>
+      <p:sp>
+        <p:nvSpPr>
+          <p:cNvPr id="21" name="Rounded Rectangle 20"/>
+          <p:cNvSpPr/>
+          <p:nvPr/>
+        </p:nvSpPr>
+        <p:spPr>
+          <a:xfrm>
+            <a:off x="6102927" y="1676400"/>
+            <a:ext cx="1981200" cy="990600"/>
+          </a:xfrm>
+          <a:prstGeom prst="roundRect">
+            <a:avLst/>
+          </a:prstGeom>
+        </p:spPr>
+        <p:style>
+          <a:lnRef idx="2">
+            <a:schemeClr val="accent1">
+              <a:shade val="50000"/>
+            </a:schemeClr>
+          </a:lnRef>
+          <a:fillRef idx="1">
+            <a:schemeClr val="accent1"/>
+          </a:fillRef>
+          <a:effectRef idx="0">
+            <a:schemeClr val="accent1"/>
+          </a:effectRef>
+          <a:fontRef idx="minor">
+            <a:schemeClr val="lt1"/>
+          </a:fontRef>
+        </p:style>
+        <p:txBody>
+          <a:bodyPr rtlCol="0" anchor="ctr"/>
+          <a:lstStyle/>
+          <a:p>
+            <a:pPr algn="ctr"/>
+            <a:r>
+              <a:rPr lang="en-US" dirty="0" err="1" smtClean="0"/>
+              <a:t>IFileWrapper</a:t>
+            </a:r>
+            <a:endParaRPr lang="en-US" dirty="0" smtClean="0"/>
+          </a:p>
+          <a:p>
+            <a:pPr algn="ctr"/>
+            <a:endParaRPr lang="en-US" dirty="0"/>
+          </a:p>
+        </p:txBody>
+      </p:sp>
+      <p:cxnSp>
+        <p:nvCxnSpPr>
+          <p:cNvPr id="22" name="Elbow Connector 21"/>
+          <p:cNvCxnSpPr>
+            <a:stCxn id="25" idx="0"/>
+            <a:endCxn id="21" idx="2"/>
+          </p:cNvCxnSpPr>
+          <p:nvPr/>
+        </p:nvCxnSpPr>
+        <p:spPr>
+          <a:xfrm rot="16200000" flipV="1">
+            <a:off x="6491721" y="3268806"/>
+            <a:ext cx="1882486" cy="678873"/>
+          </a:xfrm>
+          <a:prstGeom prst="bentConnector3">
+            <a:avLst>
+              <a:gd name="adj1" fmla="val 50000"/>
+            </a:avLst>
+          </a:prstGeom>
+          <a:ln>
+            <a:tailEnd type="arrow"/>
+          </a:ln>
+        </p:spPr>
+        <p:style>
+          <a:lnRef idx="1">
+            <a:schemeClr val="accent1"/>
+          </a:lnRef>
+          <a:fillRef idx="0">
+            <a:schemeClr val="accent1"/>
+          </a:fillRef>
+          <a:effectRef idx="0">
+            <a:schemeClr val="accent1"/>
+          </a:effectRef>
+          <a:fontRef idx="minor">
+            <a:schemeClr val="tx1"/>
+          </a:fontRef>
+        </p:style>
+      </p:cxnSp>
+      <p:cxnSp>
+        <p:nvCxnSpPr>
+          <p:cNvPr id="23" name="Elbow Connector 22"/>
+          <p:cNvCxnSpPr/>
+          <p:nvPr/>
+        </p:nvCxnSpPr>
+        <p:spPr>
+          <a:xfrm rot="5400000" flipH="1" flipV="1">
+            <a:off x="5505450" y="2815936"/>
+            <a:ext cx="1714500" cy="1447800"/>
+          </a:xfrm>
+          <a:prstGeom prst="bentConnector3">
+            <a:avLst>
+              <a:gd name="adj1" fmla="val 50000"/>
+            </a:avLst>
+          </a:prstGeom>
+          <a:ln>
+            <a:tailEnd type="arrow"/>
+          </a:ln>
+        </p:spPr>
+        <p:style>
+          <a:lnRef idx="1">
+            <a:schemeClr val="accent1"/>
+          </a:lnRef>
+          <a:fillRef idx="0">
+            <a:schemeClr val="accent1"/>
+          </a:fillRef>
+          <a:effectRef idx="0">
+            <a:schemeClr val="accent1"/>
+          </a:effectRef>
+          <a:fontRef idx="minor">
+            <a:schemeClr val="tx1"/>
+          </a:fontRef>
+        </p:style>
+      </p:cxnSp>
+      <p:sp>
+        <p:nvSpPr>
+          <p:cNvPr id="24" name="Rounded Rectangle 23"/>
+          <p:cNvSpPr/>
+          <p:nvPr/>
+        </p:nvSpPr>
+        <p:spPr>
+          <a:xfrm>
+            <a:off x="4648200" y="4397086"/>
+            <a:ext cx="1981200" cy="990600"/>
+          </a:xfrm>
+          <a:prstGeom prst="roundRect">
+            <a:avLst/>
+          </a:prstGeom>
+        </p:spPr>
+        <p:style>
+          <a:lnRef idx="2">
+            <a:schemeClr val="accent1">
+              <a:shade val="50000"/>
+            </a:schemeClr>
+          </a:lnRef>
+          <a:fillRef idx="1">
+            <a:schemeClr val="accent1"/>
+          </a:fillRef>
+          <a:effectRef idx="0">
+            <a:schemeClr val="accent1"/>
+          </a:effectRef>
+          <a:fontRef idx="minor">
+            <a:schemeClr val="lt1"/>
+          </a:fontRef>
+        </p:style>
+        <p:txBody>
+          <a:bodyPr rtlCol="0" anchor="ctr"/>
+          <a:lstStyle/>
+          <a:p>
+            <a:pPr algn="ctr"/>
+            <a:r>
+              <a:rPr lang="en-US" dirty="0" err="1" smtClean="0"/>
+              <a:t>FileWrapper</a:t>
+            </a:r>
+            <a:endParaRPr lang="en-US" dirty="0" smtClean="0"/>
+          </a:p>
+          <a:p>
+            <a:pPr algn="ctr"/>
+            <a:endParaRPr lang="en-US" dirty="0"/>
+          </a:p>
+        </p:txBody>
+      </p:sp>
+      <p:sp>
+        <p:nvSpPr>
+          <p:cNvPr id="25" name="Rounded Rectangle 24"/>
+          <p:cNvSpPr/>
+          <p:nvPr/>
+        </p:nvSpPr>
+        <p:spPr>
+          <a:xfrm>
+            <a:off x="6781800" y="4549486"/>
+            <a:ext cx="1981200" cy="990600"/>
+          </a:xfrm>
+          <a:prstGeom prst="roundRect">
+            <a:avLst/>
+          </a:prstGeom>
+        </p:spPr>
+        <p:style>
+          <a:lnRef idx="2">
+            <a:schemeClr val="accent3">
+              <a:shade val="50000"/>
+            </a:schemeClr>
+          </a:lnRef>
+          <a:fillRef idx="1">
+            <a:schemeClr val="accent3"/>
+          </a:fillRef>
+          <a:effectRef idx="0">
+            <a:schemeClr val="accent3"/>
+          </a:effectRef>
+          <a:fontRef idx="minor">
+            <a:schemeClr val="lt1"/>
+          </a:fontRef>
+        </p:style>
+        <p:txBody>
+          <a:bodyPr rtlCol="0" anchor="ctr"/>
+          <a:lstStyle/>
+          <a:p>
+            <a:pPr algn="ctr"/>
+            <a:r>
+              <a:rPr lang="en-US" dirty="0" err="1" smtClean="0"/>
+              <a:t>FakeFileWrapper</a:t>
+            </a:r>
+            <a:endParaRPr lang="en-US" dirty="0" smtClean="0"/>
+          </a:p>
+          <a:p>
+            <a:pPr algn="ctr"/>
+            <a:endParaRPr lang="en-US" dirty="0"/>
+          </a:p>
+        </p:txBody>
+      </p:sp>
+      <p:sp>
+        <p:nvSpPr>
+          <p:cNvPr id="20" name="Rounded Rectangle 19"/>
+          <p:cNvSpPr/>
+          <p:nvPr/>
+        </p:nvSpPr>
+        <p:spPr>
+          <a:xfrm>
+            <a:off x="2590800" y="1600200"/>
+            <a:ext cx="1981200" cy="1143000"/>
+          </a:xfrm>
+          <a:prstGeom prst="roundRect">
+            <a:avLst/>
+          </a:prstGeom>
+        </p:spPr>
+        <p:style>
+          <a:lnRef idx="2">
+            <a:schemeClr val="accent1">
+              <a:shade val="50000"/>
+            </a:schemeClr>
+          </a:lnRef>
+          <a:fillRef idx="1">
+            <a:schemeClr val="accent1"/>
+          </a:fillRef>
+          <a:effectRef idx="0">
+            <a:schemeClr val="accent1"/>
+          </a:effectRef>
+          <a:fontRef idx="minor">
+            <a:schemeClr val="lt1"/>
+          </a:fontRef>
+        </p:style>
+        <p:txBody>
+          <a:bodyPr rtlCol="0" anchor="ctr"/>
+          <a:lstStyle/>
+          <a:p>
+            <a:pPr algn="ctr"/>
+            <a:r>
+              <a:rPr lang="en-US" dirty="0" smtClean="0"/>
+              <a:t>Sort</a:t>
+            </a:r>
+          </a:p>
+          <a:p>
+            <a:pPr algn="ctr"/>
+            <a:endParaRPr lang="en-US" dirty="0"/>
+          </a:p>
+        </p:txBody>
+      </p:sp>
+      <p:cxnSp>
+        <p:nvCxnSpPr>
+          <p:cNvPr id="6" name="Straight Arrow Connector 5"/>
+          <p:cNvCxnSpPr>
+            <a:stCxn id="20" idx="3"/>
+            <a:endCxn id="21" idx="1"/>
+          </p:cNvCxnSpPr>
+          <p:nvPr/>
+        </p:nvCxnSpPr>
+        <p:spPr>
+          <a:xfrm>
+            <a:off x="4572000" y="2171700"/>
+            <a:ext cx="1530927" cy="0"/>
+          </a:xfrm>
+          <a:prstGeom prst="straightConnector1">
+            <a:avLst/>
+          </a:prstGeom>
+          <a:ln>
+            <a:tailEnd type="arrow"/>
+          </a:ln>
+        </p:spPr>
+        <p:style>
+          <a:lnRef idx="1">
+            <a:schemeClr val="accent1"/>
+          </a:lnRef>
+          <a:fillRef idx="0">
+            <a:schemeClr val="accent1"/>
+          </a:fillRef>
+          <a:effectRef idx="0">
+            <a:schemeClr val="accent1"/>
+          </a:effectRef>
+          <a:fontRef idx="minor">
+            <a:schemeClr val="tx1"/>
+          </a:fontRef>
+        </p:style>
+      </p:cxnSp>
+      <p:cxnSp>
+        <p:nvCxnSpPr>
+          <p:cNvPr id="28" name="Straight Arrow Connector 27"/>
+          <p:cNvCxnSpPr>
+            <a:stCxn id="4" idx="0"/>
+            <a:endCxn id="20" idx="2"/>
+          </p:cNvCxnSpPr>
+          <p:nvPr/>
+        </p:nvCxnSpPr>
+        <p:spPr>
+          <a:xfrm flipV="1">
+            <a:off x="3581400" y="2743200"/>
+            <a:ext cx="0" cy="818804"/>
+          </a:xfrm>
+          <a:prstGeom prst="straightConnector1">
+            <a:avLst/>
+          </a:prstGeom>
+          <a:ln>
+            <a:tailEnd type="arrow"/>
+          </a:ln>
+        </p:spPr>
+        <p:style>
+          <a:lnRef idx="2">
+            <a:schemeClr val="accent3"/>
+          </a:lnRef>
+          <a:fillRef idx="0">
+            <a:schemeClr val="accent3"/>
+          </a:fillRef>
+          <a:effectRef idx="1">
+            <a:schemeClr val="accent3"/>
+          </a:effectRef>
+          <a:fontRef idx="minor">
+            <a:schemeClr val="tx1"/>
+          </a:fontRef>
+        </p:style>
+      </p:cxnSp>
+      <p:sp>
+        <p:nvSpPr>
+          <p:cNvPr id="13" name="TextBox 12"/>
+          <p:cNvSpPr txBox="1"/>
+          <p:nvPr/>
+        </p:nvSpPr>
+        <p:spPr>
+          <a:xfrm>
+            <a:off x="5337463" y="2171700"/>
+            <a:ext cx="627095" cy="369332"/>
+          </a:xfrm>
+          <a:prstGeom prst="rect">
+            <a:avLst/>
+          </a:prstGeom>
+          <a:noFill/>
+        </p:spPr>
+        <p:txBody>
+          <a:bodyPr wrap="none" rtlCol="0">
+            <a:spAutoFit/>
+          </a:bodyPr>
+          <a:lstStyle/>
+          <a:p>
+            <a:r>
+              <a:rPr lang="en-US" dirty="0" smtClean="0"/>
+              <a:t>Uses</a:t>
+            </a:r>
+            <a:endParaRPr lang="en-US" dirty="0"/>
+          </a:p>
+        </p:txBody>
+      </p:sp>
+      <p:cxnSp>
+        <p:nvCxnSpPr>
+          <p:cNvPr id="32" name="Elbow Connector 31"/>
+          <p:cNvCxnSpPr>
+            <a:stCxn id="8" idx="0"/>
+            <a:endCxn id="25" idx="3"/>
+          </p:cNvCxnSpPr>
+          <p:nvPr/>
+        </p:nvCxnSpPr>
+        <p:spPr>
+          <a:xfrm rot="16200000" flipH="1">
+            <a:off x="3059257" y="-658957"/>
+            <a:ext cx="3749386" cy="7658100"/>
+          </a:xfrm>
+          <a:prstGeom prst="bentConnector4">
+            <a:avLst>
+              <a:gd name="adj1" fmla="val -6097"/>
+              <a:gd name="adj2" fmla="val 102985"/>
+            </a:avLst>
+          </a:prstGeom>
+          <a:ln>
+            <a:tailEnd type="arrow"/>
+          </a:ln>
+        </p:spPr>
+        <p:style>
+          <a:lnRef idx="2">
+            <a:schemeClr val="accent3"/>
+          </a:lnRef>
+          <a:fillRef idx="0">
+            <a:schemeClr val="accent3"/>
+          </a:fillRef>
+          <a:effectRef idx="1">
+            <a:schemeClr val="accent3"/>
+          </a:effectRef>
+          <a:fontRef idx="minor">
+            <a:schemeClr val="tx1"/>
+          </a:fontRef>
+        </p:style>
+      </p:cxnSp>
+      <p:cxnSp>
+        <p:nvCxnSpPr>
+          <p:cNvPr id="37" name="Elbow Connector 36"/>
+          <p:cNvCxnSpPr>
+            <a:stCxn id="8" idx="3"/>
+            <a:endCxn id="20" idx="1"/>
+          </p:cNvCxnSpPr>
+          <p:nvPr/>
+        </p:nvCxnSpPr>
+        <p:spPr>
+          <a:xfrm flipV="1">
+            <a:off x="1981200" y="2171700"/>
+            <a:ext cx="609600" cy="1333500"/>
+          </a:xfrm>
+          <a:prstGeom prst="bentConnector3">
+            <a:avLst>
+              <a:gd name="adj1" fmla="val 50000"/>
+            </a:avLst>
+          </a:prstGeom>
+          <a:ln>
+            <a:tailEnd type="arrow"/>
+          </a:ln>
+        </p:spPr>
+        <p:style>
+          <a:lnRef idx="2">
+            <a:schemeClr val="accent3"/>
+          </a:lnRef>
+          <a:fillRef idx="0">
+            <a:schemeClr val="accent3"/>
+          </a:fillRef>
+          <a:effectRef idx="1">
+            <a:schemeClr val="accent3"/>
+          </a:effectRef>
+          <a:fontRef idx="minor">
+            <a:schemeClr val="tx1"/>
+          </a:fontRef>
+        </p:style>
+      </p:cxnSp>
+      <p:cxnSp>
+        <p:nvCxnSpPr>
+          <p:cNvPr id="42" name="Elbow Connector 41"/>
+          <p:cNvCxnSpPr>
+            <a:stCxn id="4" idx="2"/>
+            <a:endCxn id="24" idx="1"/>
+          </p:cNvCxnSpPr>
+          <p:nvPr/>
+        </p:nvCxnSpPr>
+        <p:spPr>
+          <a:xfrm rot="16200000" flipH="1">
+            <a:off x="4021109" y="4265295"/>
+            <a:ext cx="187382" cy="1066800"/>
+          </a:xfrm>
+          <a:prstGeom prst="bentConnector2">
+            <a:avLst/>
+          </a:prstGeom>
+          <a:ln>
+            <a:tailEnd type="arrow"/>
+          </a:ln>
+        </p:spPr>
+        <p:style>
+          <a:lnRef idx="2">
+            <a:schemeClr val="accent3"/>
+          </a:lnRef>
+          <a:fillRef idx="0">
+            <a:schemeClr val="accent3"/>
+          </a:fillRef>
+          <a:effectRef idx="1">
+            <a:schemeClr val="accent3"/>
+          </a:effectRef>
+          <a:fontRef idx="minor">
+            <a:schemeClr val="tx1"/>
+          </a:fontRef>
+        </p:style>
+      </p:cxnSp>
+    </p:spTree>
+    <p:extLst>
+      <p:ext uri="{BB962C8B-B14F-4D97-AF65-F5344CB8AC3E}">
+        <p14:creationId xmlns:p14="http://schemas.microsoft.com/office/powerpoint/2010/main" val="260958034"/>
+      </p:ext>
+    </p:extLst>
+  </p:cSld>
+  <p:clrMapOvr>
+    <a:masterClrMapping/>
+  </p:clrMapOvr>
+  <p:timing>
+    <p:tnLst>
+      <p:par>
+        <p:cTn id="1" dur="indefinite" restart="never" nodeType="tmRoot">
+          <p:childTnLst>
+            <p:seq concurrent="1" nextAc="seek">
+              <p:cTn id="2" dur="indefinite" nodeType="mainSeq">
+                <p:childTnLst>
+                  <p:par>
+                    <p:cTn id="3" fill="hold">
+                      <p:stCondLst>
+                        <p:cond delay="indefinite"/>
+                      </p:stCondLst>
+                      <p:childTnLst>
+                        <p:par>
+                          <p:cTn id="4" fill="hold">
+                            <p:stCondLst>
+                              <p:cond delay="0"/>
+                            </p:stCondLst>
+                            <p:childTnLst>
+                              <p:par>
+                                <p:cTn id="5" presetID="10" presetClass="entr" presetSubtype="0" fill="hold" nodeType="clickEffect">
+                                  <p:stCondLst>
+                                    <p:cond delay="0"/>
+                                  </p:stCondLst>
+                                  <p:childTnLst>
+                                    <p:set>
+                                      <p:cBhvr>
+                                        <p:cTn id="6" dur="1" fill="hold">
+                                          <p:stCondLst>
+                                            <p:cond delay="0"/>
+                                          </p:stCondLst>
+                                        </p:cTn>
+                                        <p:tgtEl>
+                                          <p:spTgt spid="42"/>
+                                        </p:tgtEl>
+                                        <p:attrNameLst>
+                                          <p:attrName>style.visibility</p:attrName>
+                                        </p:attrNameLst>
+                                      </p:cBhvr>
+                                      <p:to>
+                                        <p:strVal val="visible"/>
+                                      </p:to>
+                                    </p:set>
+                                    <p:animEffect transition="in" filter="fade">
+                                      <p:cBhvr>
+                                        <p:cTn id="7" dur="500"/>
+                                        <p:tgtEl>
+                                          <p:spTgt spid="42"/>
+                                        </p:tgtEl>
+                                      </p:cBhvr>
+                                    </p:animEffect>
+                                  </p:childTnLst>
+                                </p:cTn>
+                              </p:par>
+                            </p:childTnLst>
+                          </p:cTn>
+                        </p:par>
+                      </p:childTnLst>
+                    </p:cTn>
+                  </p:par>
+                  <p:par>
+                    <p:cTn id="8" fill="hold">
+                      <p:stCondLst>
+                        <p:cond delay="indefinite"/>
+                      </p:stCondLst>
+                      <p:childTnLst>
+                        <p:par>
+                          <p:cTn id="9" fill="hold">
+                            <p:stCondLst>
+                              <p:cond delay="0"/>
+                            </p:stCondLst>
+                            <p:childTnLst>
+                              <p:par>
+                                <p:cTn id="10" presetID="10" presetClass="entr" presetSubtype="0" fill="hold" nodeType="clickEffect">
+                                  <p:stCondLst>
+                                    <p:cond delay="0"/>
+                                  </p:stCondLst>
+                                  <p:childTnLst>
+                                    <p:set>
+                                      <p:cBhvr>
+                                        <p:cTn id="11" dur="1" fill="hold">
+                                          <p:stCondLst>
+                                            <p:cond delay="0"/>
+                                          </p:stCondLst>
+                                        </p:cTn>
+                                        <p:tgtEl>
+                                          <p:spTgt spid="28"/>
+                                        </p:tgtEl>
+                                        <p:attrNameLst>
+                                          <p:attrName>style.visibility</p:attrName>
+                                        </p:attrNameLst>
+                                      </p:cBhvr>
+                                      <p:to>
+                                        <p:strVal val="visible"/>
+                                      </p:to>
+                                    </p:set>
+                                    <p:animEffect transition="in" filter="fade">
+                                      <p:cBhvr>
+                                        <p:cTn id="12" dur="500"/>
+                                        <p:tgtEl>
+                                          <p:spTgt spid="28"/>
+                                        </p:tgtEl>
+                                      </p:cBhvr>
+                                    </p:animEffect>
+                                  </p:childTnLst>
+                                </p:cTn>
+                              </p:par>
+                            </p:childTnLst>
+                          </p:cTn>
+                        </p:par>
+                      </p:childTnLst>
+                    </p:cTn>
+                  </p:par>
+                  <p:par>
+                    <p:cTn id="13" fill="hold">
+                      <p:stCondLst>
+                        <p:cond delay="indefinite"/>
+                      </p:stCondLst>
+                      <p:childTnLst>
+                        <p:par>
+                          <p:cTn id="14" fill="hold">
+                            <p:stCondLst>
+                              <p:cond delay="0"/>
+                            </p:stCondLst>
+                            <p:childTnLst>
+                              <p:par>
+                                <p:cTn id="15" presetID="10" presetClass="entr" presetSubtype="0" fill="hold" nodeType="clickEffect">
+                                  <p:stCondLst>
+                                    <p:cond delay="0"/>
+                                  </p:stCondLst>
+                                  <p:childTnLst>
+                                    <p:set>
+                                      <p:cBhvr>
+                                        <p:cTn id="16" dur="1" fill="hold">
+                                          <p:stCondLst>
+                                            <p:cond delay="0"/>
+                                          </p:stCondLst>
+                                        </p:cTn>
+                                        <p:tgtEl>
+                                          <p:spTgt spid="32"/>
+                                        </p:tgtEl>
+                                        <p:attrNameLst>
+                                          <p:attrName>style.visibility</p:attrName>
+                                        </p:attrNameLst>
+                                      </p:cBhvr>
+                                      <p:to>
+                                        <p:strVal val="visible"/>
+                                      </p:to>
+                                    </p:set>
+                                    <p:animEffect transition="in" filter="fade">
+                                      <p:cBhvr>
+                                        <p:cTn id="17" dur="500"/>
+                                        <p:tgtEl>
+                                          <p:spTgt spid="32"/>
+                                        </p:tgtEl>
+                                      </p:cBhvr>
+                                    </p:animEffect>
+                                  </p:childTnLst>
+                                </p:cTn>
+                              </p:par>
+                            </p:childTnLst>
+                          </p:cTn>
+                        </p:par>
+                      </p:childTnLst>
+                    </p:cTn>
+                  </p:par>
+                  <p:par>
+                    <p:cTn id="18" fill="hold">
+                      <p:stCondLst>
+                        <p:cond delay="indefinite"/>
+                      </p:stCondLst>
+                      <p:childTnLst>
+                        <p:par>
+                          <p:cTn id="19" fill="hold">
+                            <p:stCondLst>
+                              <p:cond delay="0"/>
+                            </p:stCondLst>
+                            <p:childTnLst>
+                              <p:par>
+                                <p:cTn id="20" presetID="10" presetClass="entr" presetSubtype="0" fill="hold" nodeType="clickEffect">
+                                  <p:stCondLst>
+                                    <p:cond delay="0"/>
+                                  </p:stCondLst>
+                                  <p:childTnLst>
+                                    <p:set>
+                                      <p:cBhvr>
+                                        <p:cTn id="21" dur="1" fill="hold">
+                                          <p:stCondLst>
+                                            <p:cond delay="0"/>
+                                          </p:stCondLst>
+                                        </p:cTn>
+                                        <p:tgtEl>
+                                          <p:spTgt spid="37"/>
+                                        </p:tgtEl>
+                                        <p:attrNameLst>
+                                          <p:attrName>style.visibility</p:attrName>
+                                        </p:attrNameLst>
+                                      </p:cBhvr>
+                                      <p:to>
+                                        <p:strVal val="visible"/>
+                                      </p:to>
+                                    </p:set>
+                                    <p:animEffect transition="in" filter="fade">
+                                      <p:cBhvr>
+                                        <p:cTn id="22" dur="500"/>
+                                        <p:tgtEl>
+                                          <p:spTgt spid="37"/>
+                                        </p:tgtEl>
+                                      </p:cBhvr>
+                                    </p:animEffect>
+                                  </p:childTnLst>
+                                </p:cTn>
+                              </p:par>
+                            </p:childTnLst>
+                          </p:cTn>
+                        </p:par>
+                      </p:childTnLst>
+                    </p:cTn>
+                  </p:par>
+                </p:childTnLst>
+              </p:cTn>
+              <p:prevCondLst>
+                <p:cond evt="onPrev" delay="0">
+                  <p:tgtEl>
+                    <p:sldTgt/>
+                  </p:tgtEl>
+                </p:cond>
+              </p:prevCondLst>
+              <p:nextCondLst>
+                <p:cond evt="onNext" delay="0">
+                  <p:tgtEl>
+                    <p:sldTgt/>
+                  </p:tgtEl>
+                </p:cond>
+              </p:nextCondLst>
+            </p:seq>
+          </p:childTnLst>
+        </p:cTn>
+      </p:par>
+    </p:tnLst>
+  </p:timing>
+</p:sld>
+</file>
+
+<file path=ppt/slides/slide6.xml><?xml version="1.0" encoding="utf-8"?>
+<p:sld xmlns:a="http://schemas.openxmlformats.org/drawingml/2006/main" xmlns:r="http://schemas.openxmlformats.org/officeDocument/2006/relationships" xmlns:p="http://schemas.openxmlformats.org/presentationml/2006/main">
+  <p:cSld>
+    <p:spTree>
+      <p:nvGrpSpPr>
+        <p:cNvPr id="1" name=""/>
+        <p:cNvGrpSpPr/>
+        <p:nvPr/>
+      </p:nvGrpSpPr>
+      <p:grpSpPr>
+        <a:xfrm>
+          <a:off x="0" y="0"/>
+          <a:ext cx="0" cy="0"/>
+          <a:chOff x="0" y="0"/>
+          <a:chExt cx="0" cy="0"/>
+        </a:xfrm>
+      </p:grpSpPr>
       <p:graphicFrame>
         <p:nvGraphicFramePr>
-          <p:cNvPr id="4" name="Diagram 3"/>
+          <p:cNvPr id="5" name="Diagram 4"/>
           <p:cNvGraphicFramePr/>
           <p:nvPr>
             <p:extLst>
               <p:ext uri="{D42A27DB-BD31-4B8C-83A1-F6EECF244321}">
-                <p14:modId xmlns:p14="http://schemas.microsoft.com/office/powerpoint/2010/main" val="2615772414"/>
+                <p14:modId xmlns:p14="http://schemas.microsoft.com/office/powerpoint/2010/main" val="127756982"/>
               </p:ext>
             </p:extLst>
           </p:nvPr>
         </p:nvGraphicFramePr>
         <p:xfrm>
-          <a:off x="1524000" y="1397000"/>
+          <a:off x="533400" y="1295400"/>
           <a:ext cx="6096000" cy="4064000"/>
         </p:xfrm>
         <a:graphic>
@@ -11619,10 +13560,32 @@
           </a:graphicData>
         </a:graphic>
       </p:graphicFrame>
+      <p:graphicFrame>
+        <p:nvGraphicFramePr>
+          <p:cNvPr id="4" name="Diagram 3"/>
+          <p:cNvGraphicFramePr/>
+          <p:nvPr>
+            <p:extLst>
+              <p:ext uri="{D42A27DB-BD31-4B8C-83A1-F6EECF244321}">
+                <p14:modId xmlns:p14="http://schemas.microsoft.com/office/powerpoint/2010/main" val="1073237751"/>
+              </p:ext>
+            </p:extLst>
+          </p:nvPr>
+        </p:nvGraphicFramePr>
+        <p:xfrm>
+          <a:off x="2133600" y="1295400"/>
+          <a:ext cx="6096000" cy="4064000"/>
+        </p:xfrm>
+        <a:graphic>
+          <a:graphicData uri="http://schemas.openxmlformats.org/drawingml/2006/diagram">
+            <dgm:relIds xmlns:dgm="http://schemas.openxmlformats.org/drawingml/2006/diagram" xmlns:r="http://schemas.openxmlformats.org/officeDocument/2006/relationships" r:dm="rId7" r:lo="rId8" r:qs="rId9" r:cs="rId10"/>
+          </a:graphicData>
+        </a:graphic>
+      </p:graphicFrame>
     </p:spTree>
     <p:extLst>
       <p:ext uri="{BB962C8B-B14F-4D97-AF65-F5344CB8AC3E}">
-        <p14:creationId xmlns:p14="http://schemas.microsoft.com/office/powerpoint/2010/main" val="2669829396"/>
+        <p14:creationId xmlns:p14="http://schemas.microsoft.com/office/powerpoint/2010/main" val="873136884"/>
       </p:ext>
     </p:extLst>
   </p:cSld>
@@ -11922,4 +13885,289 @@
   <a:objectDefaults/>
   <a:extraClrSchemeLst/>
 </a:theme>
+</file>
+
+<file path=ppt/theme/theme2.xml><?xml version="1.0" encoding="utf-8"?>
+<a:theme xmlns:a="http://schemas.openxmlformats.org/drawingml/2006/main" name="Office Theme">
+  <a:themeElements>
+    <a:clrScheme name="Office">
+      <a:dk1>
+        <a:sysClr val="windowText" lastClr="000000"/>
+      </a:dk1>
+      <a:lt1>
+        <a:sysClr val="window" lastClr="FFFFFF"/>
+      </a:lt1>
+      <a:dk2>
+        <a:srgbClr val="1F497D"/>
+      </a:dk2>
+      <a:lt2>
+        <a:srgbClr val="EEECE1"/>
+      </a:lt2>
+      <a:accent1>
+        <a:srgbClr val="4F81BD"/>
+      </a:accent1>
+      <a:accent2>
+        <a:srgbClr val="C0504D"/>
+      </a:accent2>
+      <a:accent3>
+        <a:srgbClr val="9BBB59"/>
+      </a:accent3>
+      <a:accent4>
+        <a:srgbClr val="8064A2"/>
+      </a:accent4>
+      <a:accent5>
+        <a:srgbClr val="4BACC6"/>
+      </a:accent5>
+      <a:accent6>
+        <a:srgbClr val="F79646"/>
+      </a:accent6>
+      <a:hlink>
+        <a:srgbClr val="0000FF"/>
+      </a:hlink>
+      <a:folHlink>
+        <a:srgbClr val="800080"/>
+      </a:folHlink>
+    </a:clrScheme>
+    <a:fontScheme name="Office">
+      <a:majorFont>
+        <a:latin typeface="Calibri"/>
+        <a:ea typeface=""/>
+        <a:cs typeface=""/>
+        <a:font script="Jpan" typeface="ＭＳ Ｐゴシック"/>
+        <a:font script="Hang" typeface="맑은 고딕"/>
+        <a:font script="Hans" typeface="宋体"/>
+        <a:font script="Hant" typeface="新細明體"/>
+        <a:font script="Arab" typeface="Times New Roman"/>
+        <a:font script="Hebr" typeface="Times New Roman"/>
+        <a:font script="Thai" typeface="Angsana New"/>
+        <a:font script="Ethi" typeface="Nyala"/>
+        <a:font script="Beng" typeface="Vrinda"/>
+        <a:font script="Gujr" typeface="Shruti"/>
+        <a:font script="Khmr" typeface="MoolBoran"/>
+        <a:font script="Knda" typeface="Tunga"/>
+        <a:font script="Guru" typeface="Raavi"/>
+        <a:font script="Cans" typeface="Euphemia"/>
+        <a:font script="Cher" typeface="Plantagenet Cherokee"/>
+        <a:font script="Yiii" typeface="Microsoft Yi Baiti"/>
+        <a:font script="Tibt" typeface="Microsoft Himalaya"/>
+        <a:font script="Thaa" typeface="MV Boli"/>
+        <a:font script="Deva" typeface="Mangal"/>
+        <a:font script="Telu" typeface="Gautami"/>
+        <a:font script="Taml" typeface="Latha"/>
+        <a:font script="Syrc" typeface="Estrangelo Edessa"/>
+        <a:font script="Orya" typeface="Kalinga"/>
+        <a:font script="Mlym" typeface="Kartika"/>
+        <a:font script="Laoo" typeface="DokChampa"/>
+        <a:font script="Sinh" typeface="Iskoola Pota"/>
+        <a:font script="Mong" typeface="Mongolian Baiti"/>
+        <a:font script="Viet" typeface="Times New Roman"/>
+        <a:font script="Uigh" typeface="Microsoft Uighur"/>
+        <a:font script="Geor" typeface="Sylfaen"/>
+      </a:majorFont>
+      <a:minorFont>
+        <a:latin typeface="Calibri"/>
+        <a:ea typeface=""/>
+        <a:cs typeface=""/>
+        <a:font script="Jpan" typeface="ＭＳ Ｐゴシック"/>
+        <a:font script="Hang" typeface="맑은 고딕"/>
+        <a:font script="Hans" typeface="宋体"/>
+        <a:font script="Hant" typeface="新細明體"/>
+        <a:font script="Arab" typeface="Arial"/>
+        <a:font script="Hebr" typeface="Arial"/>
+        <a:font script="Thai" typeface="Cordia New"/>
+        <a:font script="Ethi" typeface="Nyala"/>
+        <a:font script="Beng" typeface="Vrinda"/>
+        <a:font script="Gujr" typeface="Shruti"/>
+        <a:font script="Khmr" typeface="DaunPenh"/>
+        <a:font script="Knda" typeface="Tunga"/>
+        <a:font script="Guru" typeface="Raavi"/>
+        <a:font script="Cans" typeface="Euphemia"/>
+        <a:font script="Cher" typeface="Plantagenet Cherokee"/>
+        <a:font script="Yiii" typeface="Microsoft Yi Baiti"/>
+        <a:font script="Tibt" typeface="Microsoft Himalaya"/>
+        <a:font script="Thaa" typeface="MV Boli"/>
+        <a:font script="Deva" typeface="Mangal"/>
+        <a:font script="Telu" typeface="Gautami"/>
+        <a:font script="Taml" typeface="Latha"/>
+        <a:font script="Syrc" typeface="Estrangelo Edessa"/>
+        <a:font script="Orya" typeface="Kalinga"/>
+        <a:font script="Mlym" typeface="Kartika"/>
+        <a:font script="Laoo" typeface="DokChampa"/>
+        <a:font script="Sinh" typeface="Iskoola Pota"/>
+        <a:font script="Mong" typeface="Mongolian Baiti"/>
+        <a:font script="Viet" typeface="Arial"/>
+        <a:font script="Uigh" typeface="Microsoft Uighur"/>
+        <a:font script="Geor" typeface="Sylfaen"/>
+      </a:minorFont>
+    </a:fontScheme>
+    <a:fmtScheme name="Office">
+      <a:fillStyleLst>
+        <a:solidFill>
+          <a:schemeClr val="phClr"/>
+        </a:solidFill>
+        <a:gradFill rotWithShape="1">
+          <a:gsLst>
+            <a:gs pos="0">
+              <a:schemeClr val="phClr">
+                <a:tint val="50000"/>
+                <a:satMod val="300000"/>
+              </a:schemeClr>
+            </a:gs>
+            <a:gs pos="35000">
+              <a:schemeClr val="phClr">
+                <a:tint val="37000"/>
+                <a:satMod val="300000"/>
+              </a:schemeClr>
+            </a:gs>
+            <a:gs pos="100000">
+              <a:schemeClr val="phClr">
+                <a:tint val="15000"/>
+                <a:satMod val="350000"/>
+              </a:schemeClr>
+            </a:gs>
+          </a:gsLst>
+          <a:lin ang="16200000" scaled="1"/>
+        </a:gradFill>
+        <a:gradFill rotWithShape="1">
+          <a:gsLst>
+            <a:gs pos="0">
+              <a:schemeClr val="phClr">
+                <a:shade val="51000"/>
+                <a:satMod val="130000"/>
+              </a:schemeClr>
+            </a:gs>
+            <a:gs pos="80000">
+              <a:schemeClr val="phClr">
+                <a:shade val="93000"/>
+                <a:satMod val="130000"/>
+              </a:schemeClr>
+            </a:gs>
+            <a:gs pos="100000">
+              <a:schemeClr val="phClr">
+                <a:shade val="94000"/>
+                <a:satMod val="135000"/>
+              </a:schemeClr>
+            </a:gs>
+          </a:gsLst>
+          <a:lin ang="16200000" scaled="0"/>
+        </a:gradFill>
+      </a:fillStyleLst>
+      <a:lnStyleLst>
+        <a:ln w="9525" cap="flat" cmpd="sng" algn="ctr">
+          <a:solidFill>
+            <a:schemeClr val="phClr">
+              <a:shade val="95000"/>
+              <a:satMod val="105000"/>
+            </a:schemeClr>
+          </a:solidFill>
+          <a:prstDash val="solid"/>
+        </a:ln>
+        <a:ln w="25400" cap="flat" cmpd="sng" algn="ctr">
+          <a:solidFill>
+            <a:schemeClr val="phClr"/>
+          </a:solidFill>
+          <a:prstDash val="solid"/>
+        </a:ln>
+        <a:ln w="38100" cap="flat" cmpd="sng" algn="ctr">
+          <a:solidFill>
+            <a:schemeClr val="phClr"/>
+          </a:solidFill>
+          <a:prstDash val="solid"/>
+        </a:ln>
+      </a:lnStyleLst>
+      <a:effectStyleLst>
+        <a:effectStyle>
+          <a:effectLst>
+            <a:outerShdw blurRad="40000" dist="20000" dir="5400000" rotWithShape="0">
+              <a:srgbClr val="000000">
+                <a:alpha val="38000"/>
+              </a:srgbClr>
+            </a:outerShdw>
+          </a:effectLst>
+        </a:effectStyle>
+        <a:effectStyle>
+          <a:effectLst>
+            <a:outerShdw blurRad="40000" dist="23000" dir="5400000" rotWithShape="0">
+              <a:srgbClr val="000000">
+                <a:alpha val="35000"/>
+              </a:srgbClr>
+            </a:outerShdw>
+          </a:effectLst>
+        </a:effectStyle>
+        <a:effectStyle>
+          <a:effectLst>
+            <a:outerShdw blurRad="40000" dist="23000" dir="5400000" rotWithShape="0">
+              <a:srgbClr val="000000">
+                <a:alpha val="35000"/>
+              </a:srgbClr>
+            </a:outerShdw>
+          </a:effectLst>
+          <a:scene3d>
+            <a:camera prst="orthographicFront">
+              <a:rot lat="0" lon="0" rev="0"/>
+            </a:camera>
+            <a:lightRig rig="threePt" dir="t">
+              <a:rot lat="0" lon="0" rev="1200000"/>
+            </a:lightRig>
+          </a:scene3d>
+          <a:sp3d>
+            <a:bevelT w="63500" h="25400"/>
+          </a:sp3d>
+        </a:effectStyle>
+      </a:effectStyleLst>
+      <a:bgFillStyleLst>
+        <a:solidFill>
+          <a:schemeClr val="phClr"/>
+        </a:solidFill>
+        <a:gradFill rotWithShape="1">
+          <a:gsLst>
+            <a:gs pos="0">
+              <a:schemeClr val="phClr">
+                <a:tint val="40000"/>
+                <a:satMod val="350000"/>
+              </a:schemeClr>
+            </a:gs>
+            <a:gs pos="40000">
+              <a:schemeClr val="phClr">
+                <a:tint val="45000"/>
+                <a:shade val="99000"/>
+                <a:satMod val="350000"/>
+              </a:schemeClr>
+            </a:gs>
+            <a:gs pos="100000">
+              <a:schemeClr val="phClr">
+                <a:shade val="20000"/>
+                <a:satMod val="255000"/>
+              </a:schemeClr>
+            </a:gs>
+          </a:gsLst>
+          <a:path path="circle">
+            <a:fillToRect l="50000" t="-80000" r="50000" b="180000"/>
+          </a:path>
+        </a:gradFill>
+        <a:gradFill rotWithShape="1">
+          <a:gsLst>
+            <a:gs pos="0">
+              <a:schemeClr val="phClr">
+                <a:tint val="80000"/>
+                <a:satMod val="300000"/>
+              </a:schemeClr>
+            </a:gs>
+            <a:gs pos="100000">
+              <a:schemeClr val="phClr">
+                <a:shade val="30000"/>
+                <a:satMod val="200000"/>
+              </a:schemeClr>
+            </a:gs>
+          </a:gsLst>
+          <a:path path="circle">
+            <a:fillToRect l="50000" t="50000" r="50000" b="50000"/>
+          </a:path>
+        </a:gradFill>
+      </a:bgFillStyleLst>
+    </a:fmtScheme>
+  </a:themeElements>
+  <a:objectDefaults/>
+  <a:extraClrSchemeLst/>
+</a:theme>
 </file>